--- a/Apple.pptx
+++ b/Apple.pptx
@@ -123,7 +123,7 @@
 <file path=ppt/revisionInfo.xml><?xml version="1.0" encoding="utf-8"?>
 <p1510:revInfo xmlns:a="http://schemas.openxmlformats.org/drawingml/2006/main" xmlns:r="http://schemas.openxmlformats.org/officeDocument/2006/relationships" xmlns:p1510="http://schemas.microsoft.com/office/powerpoint/2015/10/main">
   <p1510:revLst>
-    <p1510:client id="{0232BF0C-9F56-1344-833A-0F67DFC1ADF9}" v="2" dt="2024-11-06T01:15:58.531"/>
+    <p1510:client id="{0232BF0C-9F56-1344-833A-0F67DFC1ADF9}" v="5" dt="2024-11-06T01:28:22.309"/>
     <p1510:client id="{E5C91240-D7CD-4453-9A63-0A14FF3FE52D}" v="46" dt="2024-11-05T16:25:51.337"/>
   </p1510:revLst>
 </p1510:revInfo>
@@ -492,7 +492,7 @@
   <pc:docChgLst>
     <pc:chgData name="王国霖WANG GUOLIN" userId="fea05601-d3b0-4e80-a8ef-a9569ce1debe" providerId="ADAL" clId="{0232BF0C-9F56-1344-833A-0F67DFC1ADF9}"/>
     <pc:docChg chg="modSld">
-      <pc:chgData name="王国霖WANG GUOLIN" userId="fea05601-d3b0-4e80-a8ef-a9569ce1debe" providerId="ADAL" clId="{0232BF0C-9F56-1344-833A-0F67DFC1ADF9}" dt="2024-11-06T01:15:58.531" v="1" actId="1076"/>
+      <pc:chgData name="王国霖WANG GUOLIN" userId="fea05601-d3b0-4e80-a8ef-a9569ce1debe" providerId="ADAL" clId="{0232BF0C-9F56-1344-833A-0F67DFC1ADF9}" dt="2024-11-06T01:28:22.309" v="4" actId="1076"/>
       <pc:docMkLst>
         <pc:docMk/>
       </pc:docMkLst>
@@ -510,6 +510,21 @@
             <ac:picMk id="4" creationId="{BAB7F604-C19E-CD75-1F80-41CBC40CDA89}"/>
           </ac:picMkLst>
         </pc:picChg>
+      </pc:sldChg>
+      <pc:sldChg chg="modSp mod">
+        <pc:chgData name="王国霖WANG GUOLIN" userId="fea05601-d3b0-4e80-a8ef-a9569ce1debe" providerId="ADAL" clId="{0232BF0C-9F56-1344-833A-0F67DFC1ADF9}" dt="2024-11-06T01:28:22.309" v="4" actId="1076"/>
+        <pc:sldMkLst>
+          <pc:docMk/>
+          <pc:sldMk cId="765475836" sldId="262"/>
+        </pc:sldMkLst>
+        <pc:spChg chg="mod">
+          <ac:chgData name="王国霖WANG GUOLIN" userId="fea05601-d3b0-4e80-a8ef-a9569ce1debe" providerId="ADAL" clId="{0232BF0C-9F56-1344-833A-0F67DFC1ADF9}" dt="2024-11-06T01:28:22.309" v="4" actId="1076"/>
+          <ac:spMkLst>
+            <pc:docMk/>
+            <pc:sldMk cId="765475836" sldId="262"/>
+            <ac:spMk id="4" creationId="{B60596C8-6163-0BB3-C19B-7885B388FDCF}"/>
+          </ac:spMkLst>
+        </pc:spChg>
       </pc:sldChg>
     </pc:docChg>
   </pc:docChgLst>
@@ -6299,8 +6314,8 @@
         </p:nvSpPr>
         <p:spPr>
           <a:xfrm>
-            <a:off x="4658747" y="3075057"/>
-            <a:ext cx="2937022" cy="707886"/>
+            <a:off x="3939800" y="2921168"/>
+            <a:ext cx="4312399" cy="1015663"/>
           </a:xfrm>
           <a:prstGeom prst="rect">
             <a:avLst/>
@@ -6314,7 +6329,7 @@
           <a:lstStyle/>
           <a:p>
             <a:r>
-              <a:rPr lang="en-HK" altLang="zh-CN" sz="4000" b="1">
+              <a:rPr lang="en-HK" altLang="zh-CN" sz="6000" b="1" dirty="0">
                 <a:gradFill>
                   <a:gsLst>
                     <a:gs pos="0">
@@ -6349,7 +6364,7 @@
               </a:rPr>
               <a:t>Questions?</a:t>
             </a:r>
-            <a:endParaRPr lang="zh-CN" altLang="en-US" sz="4000" b="1">
+            <a:endParaRPr lang="zh-CN" altLang="en-US" sz="6000" b="1" dirty="0">
               <a:gradFill>
                 <a:gsLst>
                   <a:gs pos="0">

--- a/Apple.pptx
+++ b/Apple.pptx
@@ -123,7 +123,7 @@
 <file path=ppt/revisionInfo.xml><?xml version="1.0" encoding="utf-8"?>
 <p1510:revInfo xmlns:a="http://schemas.openxmlformats.org/drawingml/2006/main" xmlns:r="http://schemas.openxmlformats.org/officeDocument/2006/relationships" xmlns:p1510="http://schemas.microsoft.com/office/powerpoint/2015/10/main">
   <p1510:revLst>
-    <p1510:client id="{0232BF0C-9F56-1344-833A-0F67DFC1ADF9}" v="5" dt="2024-11-06T01:28:22.309"/>
+    <p1510:client id="{0232BF0C-9F56-1344-833A-0F67DFC1ADF9}" v="9" dt="2024-11-06T01:55:59.468"/>
     <p1510:client id="{E5C91240-D7CD-4453-9A63-0A14FF3FE52D}" v="46" dt="2024-11-05T16:25:51.337"/>
   </p1510:revLst>
 </p1510:revInfo>
@@ -492,7 +492,7 @@
   <pc:docChgLst>
     <pc:chgData name="王国霖WANG GUOLIN" userId="fea05601-d3b0-4e80-a8ef-a9569ce1debe" providerId="ADAL" clId="{0232BF0C-9F56-1344-833A-0F67DFC1ADF9}"/>
     <pc:docChg chg="modSld">
-      <pc:chgData name="王国霖WANG GUOLIN" userId="fea05601-d3b0-4e80-a8ef-a9569ce1debe" providerId="ADAL" clId="{0232BF0C-9F56-1344-833A-0F67DFC1ADF9}" dt="2024-11-06T01:28:22.309" v="4" actId="1076"/>
+      <pc:chgData name="王国霖WANG GUOLIN" userId="fea05601-d3b0-4e80-a8ef-a9569ce1debe" providerId="ADAL" clId="{0232BF0C-9F56-1344-833A-0F67DFC1ADF9}" dt="2024-11-06T01:55:59.468" v="8" actId="20577"/>
       <pc:docMkLst>
         <pc:docMk/>
       </pc:docMkLst>
@@ -523,6 +523,29 @@
             <pc:docMk/>
             <pc:sldMk cId="765475836" sldId="262"/>
             <ac:spMk id="4" creationId="{B60596C8-6163-0BB3-C19B-7885B388FDCF}"/>
+          </ac:spMkLst>
+        </pc:spChg>
+      </pc:sldChg>
+      <pc:sldChg chg="modSp mod">
+        <pc:chgData name="王国霖WANG GUOLIN" userId="fea05601-d3b0-4e80-a8ef-a9569ce1debe" providerId="ADAL" clId="{0232BF0C-9F56-1344-833A-0F67DFC1ADF9}" dt="2024-11-06T01:55:59.468" v="8" actId="20577"/>
+        <pc:sldMkLst>
+          <pc:docMk/>
+          <pc:sldMk cId="2166809759" sldId="268"/>
+        </pc:sldMkLst>
+        <pc:spChg chg="mod">
+          <ac:chgData name="王国霖WANG GUOLIN" userId="fea05601-d3b0-4e80-a8ef-a9569ce1debe" providerId="ADAL" clId="{0232BF0C-9F56-1344-833A-0F67DFC1ADF9}" dt="2024-11-06T01:55:59.468" v="8" actId="20577"/>
+          <ac:spMkLst>
+            <pc:docMk/>
+            <pc:sldMk cId="2166809759" sldId="268"/>
+            <ac:spMk id="5" creationId="{8B079CA8-1B68-367D-BB39-E9775372F936}"/>
+          </ac:spMkLst>
+        </pc:spChg>
+        <pc:spChg chg="mod">
+          <ac:chgData name="王国霖WANG GUOLIN" userId="fea05601-d3b0-4e80-a8ef-a9569ce1debe" providerId="ADAL" clId="{0232BF0C-9F56-1344-833A-0F67DFC1ADF9}" dt="2024-11-06T01:55:45.160" v="7" actId="20577"/>
+          <ac:spMkLst>
+            <pc:docMk/>
+            <pc:sldMk cId="2166809759" sldId="268"/>
+            <ac:spMk id="6" creationId="{7C2FB0A3-AC5E-F92D-1DC1-30CFAD4C189B}"/>
           </ac:spMkLst>
         </pc:spChg>
       </pc:sldChg>
@@ -5981,7 +6004,7 @@
         <p:spPr>
           <a:xfrm>
             <a:off x="2227941" y="2460703"/>
-            <a:ext cx="4986314" cy="1200329"/>
+            <a:ext cx="4986314" cy="646331"/>
           </a:xfrm>
           <a:prstGeom prst="rect">
             <a:avLst/>
@@ -6012,6 +6035,76 @@
               <a:defRPr/>
             </a:pPr>
             <a:r>
+              <a:rPr lang="zh-CN" altLang="en-US" dirty="0">
+                <a:solidFill>
+                  <a:schemeClr val="bg1"/>
+                </a:solidFill>
+                <a:latin typeface="Microsoft JhengHei" panose="020B0604030504040204" pitchFamily="34" charset="-120"/>
+                <a:ea typeface="Microsoft JhengHei" panose="020B0604030504040204" pitchFamily="34" charset="-120"/>
+              </a:rPr>
+              <a:t>蘋果的</a:t>
+            </a:r>
+            <a:r>
+              <a:rPr lang="en-US" altLang="zh-CN" dirty="0">
+                <a:solidFill>
+                  <a:schemeClr val="bg1"/>
+                </a:solidFill>
+                <a:latin typeface="Microsoft JhengHei" panose="020B0604030504040204" pitchFamily="34" charset="-120"/>
+                <a:ea typeface="Microsoft JhengHei" panose="020B0604030504040204" pitchFamily="34" charset="-120"/>
+              </a:rPr>
+              <a:t>M</a:t>
+            </a:r>
+            <a:r>
+              <a:rPr lang="zh-CN" altLang="en-US" dirty="0">
+                <a:solidFill>
+                  <a:schemeClr val="bg1"/>
+                </a:solidFill>
+                <a:latin typeface="Microsoft JhengHei" panose="020B0604030504040204" pitchFamily="34" charset="-120"/>
+                <a:ea typeface="Microsoft JhengHei" panose="020B0604030504040204" pitchFamily="34" charset="-120"/>
+              </a:rPr>
+              <a:t>系列晶片基於</a:t>
+            </a:r>
+            <a:r>
+              <a:rPr lang="en-US" altLang="zh-CN" dirty="0">
+                <a:solidFill>
+                  <a:schemeClr val="bg1"/>
+                </a:solidFill>
+                <a:latin typeface="Microsoft JhengHei" panose="020B0604030504040204" pitchFamily="34" charset="-120"/>
+                <a:ea typeface="Microsoft JhengHei" panose="020B0604030504040204" pitchFamily="34" charset="-120"/>
+              </a:rPr>
+              <a:t>ARM</a:t>
+            </a:r>
+            <a:r>
+              <a:rPr lang="zh-CN" altLang="en-US" dirty="0">
+                <a:solidFill>
+                  <a:schemeClr val="bg1"/>
+                </a:solidFill>
+                <a:latin typeface="Microsoft JhengHei" panose="020B0604030504040204" pitchFamily="34" charset="-120"/>
+                <a:ea typeface="Microsoft JhengHei" panose="020B0604030504040204" pitchFamily="34" charset="-120"/>
+              </a:rPr>
+              <a:t>架構，借助台積電先進的</a:t>
+            </a:r>
+            <a:r>
+              <a:rPr lang="en-US" altLang="zh-CN" dirty="0">
+                <a:solidFill>
+                  <a:schemeClr val="bg1"/>
+                </a:solidFill>
+                <a:latin typeface="Microsoft JhengHei" panose="020B0604030504040204" pitchFamily="34" charset="-120"/>
+                <a:ea typeface="Microsoft JhengHei" panose="020B0604030504040204" pitchFamily="34" charset="-120"/>
+              </a:rPr>
+              <a:t>3</a:t>
+            </a:r>
+            <a:r>
+              <a:rPr lang="zh-CN" altLang="en-US" dirty="0">
+                <a:solidFill>
+                  <a:schemeClr val="bg1"/>
+                </a:solidFill>
+                <a:latin typeface="Microsoft JhengHei" panose="020B0604030504040204" pitchFamily="34" charset="-120"/>
+                <a:ea typeface="Microsoft JhengHei" panose="020B0604030504040204" pitchFamily="34" charset="-120"/>
+              </a:rPr>
+              <a:t>納米制程工藝，顯著提升了</a:t>
+            </a:r>
+            <a:r>
               <a:rPr lang="zh-CN" altLang="en-US">
                 <a:solidFill>
                   <a:schemeClr val="bg1"/>
@@ -6019,89 +6112,9 @@
                 <a:latin typeface="Microsoft JhengHei" panose="020B0604030504040204" pitchFamily="34" charset="-120"/>
                 <a:ea typeface="Microsoft JhengHei" panose="020B0604030504040204" pitchFamily="34" charset="-120"/>
               </a:rPr>
-              <a:t>蘋果的</a:t>
-            </a:r>
-            <a:r>
-              <a:rPr lang="en-US" altLang="zh-CN">
-                <a:solidFill>
-                  <a:schemeClr val="bg1"/>
-                </a:solidFill>
-                <a:latin typeface="Microsoft JhengHei" panose="020B0604030504040204" pitchFamily="34" charset="-120"/>
-                <a:ea typeface="Microsoft JhengHei" panose="020B0604030504040204" pitchFamily="34" charset="-120"/>
-              </a:rPr>
-              <a:t>M</a:t>
-            </a:r>
-            <a:r>
-              <a:rPr lang="zh-CN" altLang="en-US">
-                <a:solidFill>
-                  <a:schemeClr val="bg1"/>
-                </a:solidFill>
-                <a:latin typeface="Microsoft JhengHei" panose="020B0604030504040204" pitchFamily="34" charset="-120"/>
-                <a:ea typeface="Microsoft JhengHei" panose="020B0604030504040204" pitchFamily="34" charset="-120"/>
-              </a:rPr>
-              <a:t>系列晶片基於</a:t>
-            </a:r>
-            <a:r>
-              <a:rPr lang="en-US" altLang="zh-CN">
-                <a:solidFill>
-                  <a:schemeClr val="bg1"/>
-                </a:solidFill>
-                <a:latin typeface="Microsoft JhengHei" panose="020B0604030504040204" pitchFamily="34" charset="-120"/>
-                <a:ea typeface="Microsoft JhengHei" panose="020B0604030504040204" pitchFamily="34" charset="-120"/>
-              </a:rPr>
-              <a:t>ARM</a:t>
-            </a:r>
-            <a:r>
-              <a:rPr lang="zh-CN" altLang="en-US">
-                <a:solidFill>
-                  <a:schemeClr val="bg1"/>
-                </a:solidFill>
-                <a:latin typeface="Microsoft JhengHei" panose="020B0604030504040204" pitchFamily="34" charset="-120"/>
-                <a:ea typeface="Microsoft JhengHei" panose="020B0604030504040204" pitchFamily="34" charset="-120"/>
-              </a:rPr>
-              <a:t>架構，借助台積電先進的制程工藝，從</a:t>
-            </a:r>
-            <a:r>
-              <a:rPr lang="en-US" altLang="zh-CN">
-                <a:solidFill>
-                  <a:schemeClr val="bg1"/>
-                </a:solidFill>
-                <a:latin typeface="Microsoft JhengHei" panose="020B0604030504040204" pitchFamily="34" charset="-120"/>
-                <a:ea typeface="Microsoft JhengHei" panose="020B0604030504040204" pitchFamily="34" charset="-120"/>
-              </a:rPr>
-              <a:t>5</a:t>
-            </a:r>
-            <a:r>
-              <a:rPr lang="zh-CN" altLang="en-US">
-                <a:solidFill>
-                  <a:schemeClr val="bg1"/>
-                </a:solidFill>
-                <a:latin typeface="Microsoft JhengHei" panose="020B0604030504040204" pitchFamily="34" charset="-120"/>
-                <a:ea typeface="Microsoft JhengHei" panose="020B0604030504040204" pitchFamily="34" charset="-120"/>
-              </a:rPr>
-              <a:t>納米發展到最新的</a:t>
-            </a:r>
-            <a:r>
-              <a:rPr lang="en-US" altLang="zh-CN">
-                <a:solidFill>
-                  <a:schemeClr val="bg1"/>
-                </a:solidFill>
-                <a:latin typeface="Microsoft JhengHei" panose="020B0604030504040204" pitchFamily="34" charset="-120"/>
-                <a:ea typeface="Microsoft JhengHei" panose="020B0604030504040204" pitchFamily="34" charset="-120"/>
-              </a:rPr>
-              <a:t>3</a:t>
-            </a:r>
-            <a:r>
-              <a:rPr lang="zh-CN" altLang="en-US">
-                <a:solidFill>
-                  <a:schemeClr val="bg1"/>
-                </a:solidFill>
-                <a:latin typeface="Microsoft JhengHei" panose="020B0604030504040204" pitchFamily="34" charset="-120"/>
-                <a:ea typeface="Microsoft JhengHei" panose="020B0604030504040204" pitchFamily="34" charset="-120"/>
-              </a:rPr>
-              <a:t>納米，顯著提升了晶片性能，推動了個人計算設備在性能和能效上的革命。</a:t>
-            </a:r>
-            <a:endParaRPr kumimoji="0" lang="zh-CN" altLang="en-US" sz="1800" b="1" i="0" u="none" strike="noStrike" kern="1200" cap="none" spc="0" normalizeH="0" baseline="0" noProof="0">
+              <a:t>晶片性能。</a:t>
+            </a:r>
+            <a:endParaRPr kumimoji="0" lang="zh-CN" altLang="en-US" sz="1800" b="1" i="0" u="none" strike="noStrike" kern="1200" cap="none" spc="0" normalizeH="0" baseline="0" noProof="0" dirty="0">
               <a:ln>
                 <a:noFill/>
               </a:ln>
@@ -6132,7 +6145,7 @@
         <p:spPr>
           <a:xfrm>
             <a:off x="2227941" y="4580646"/>
-            <a:ext cx="4923708" cy="1477328"/>
+            <a:ext cx="4923708" cy="1200329"/>
           </a:xfrm>
           <a:prstGeom prst="rect">
             <a:avLst/>
@@ -6146,7 +6159,7 @@
           <a:lstStyle/>
           <a:p>
             <a:br>
-              <a:rPr lang="en-US" altLang="zh-CN">
+              <a:rPr lang="en-US" altLang="zh-CN" dirty="0">
                 <a:solidFill>
                   <a:schemeClr val="bg1"/>
                 </a:solidFill>
@@ -6155,7 +6168,7 @@
               </a:rPr>
             </a:br>
             <a:r>
-              <a:rPr lang="en-US" altLang="zh-CN">
+              <a:rPr lang="en-US" altLang="zh-CN" dirty="0">
                 <a:solidFill>
                   <a:schemeClr val="bg1"/>
                 </a:solidFill>
@@ -6165,37 +6178,17 @@
               <a:t>M</a:t>
             </a:r>
             <a:r>
-              <a:rPr lang="zh-CN" altLang="en-US">
+              <a:rPr lang="zh-CN" altLang="en-US" dirty="0">
                 <a:solidFill>
                   <a:schemeClr val="bg1"/>
                 </a:solidFill>
                 <a:latin typeface="Microsoft JhengHei" panose="020B0604030504040204" pitchFamily="34" charset="-120"/>
                 <a:ea typeface="Microsoft JhengHei" panose="020B0604030504040204" pitchFamily="34" charset="-120"/>
               </a:rPr>
-              <a:t>系列晶片是蘋果自研的基於</a:t>
-            </a:r>
-            <a:r>
-              <a:rPr lang="en-US" altLang="zh-CN">
-                <a:solidFill>
-                  <a:schemeClr val="bg1"/>
-                </a:solidFill>
-                <a:latin typeface="Microsoft JhengHei" panose="020B0604030504040204" pitchFamily="34" charset="-120"/>
-                <a:ea typeface="Microsoft JhengHei" panose="020B0604030504040204" pitchFamily="34" charset="-120"/>
-              </a:rPr>
-              <a:t>ARM</a:t>
-            </a:r>
-            <a:r>
-              <a:rPr lang="zh-CN" altLang="en-US">
-                <a:solidFill>
-                  <a:schemeClr val="bg1"/>
-                </a:solidFill>
-                <a:latin typeface="Microsoft JhengHei" panose="020B0604030504040204" pitchFamily="34" charset="-120"/>
-                <a:ea typeface="Microsoft JhengHei" panose="020B0604030504040204" pitchFamily="34" charset="-120"/>
-              </a:rPr>
-              <a:t>架構的系統級晶片，自</a:t>
-            </a:r>
-            <a:r>
-              <a:rPr lang="en-US" altLang="zh-CN">
+              <a:t>系列晶片自</a:t>
+            </a:r>
+            <a:r>
+              <a:rPr lang="en-US" altLang="zh-CN" dirty="0">
                 <a:solidFill>
                   <a:schemeClr val="bg1"/>
                 </a:solidFill>
@@ -6205,7 +6198,7 @@
               <a:t>2020</a:t>
             </a:r>
             <a:r>
-              <a:rPr lang="zh-CN" altLang="en-US">
+              <a:rPr lang="zh-CN" altLang="en-US" dirty="0">
                 <a:solidFill>
                   <a:schemeClr val="bg1"/>
                 </a:solidFill>
@@ -6214,7 +6207,7 @@
               </a:rPr>
               <a:t>年發佈以來，以高能效比和出色的性能引領電腦處理器市場。</a:t>
             </a:r>
-            <a:endParaRPr kumimoji="0" lang="zh-CN" altLang="en-US" sz="1800" b="1" i="0" u="none" strike="noStrike" kern="1200" cap="none" spc="0" normalizeH="0" baseline="0" noProof="0">
+            <a:endParaRPr kumimoji="0" lang="zh-CN" altLang="en-US" sz="1800" b="1" i="0" u="none" strike="noStrike" kern="1200" cap="none" spc="0" normalizeH="0" baseline="0" noProof="0" dirty="0">
               <a:ln>
                 <a:noFill/>
               </a:ln>
@@ -6246,7 +6239,7 @@
               <a:tabLst/>
               <a:defRPr/>
             </a:pPr>
-            <a:endParaRPr kumimoji="0" lang="zh-CN" altLang="en-US" sz="1800" b="1" i="0" u="none" strike="noStrike" kern="1200" cap="none" spc="0" normalizeH="0" baseline="0" noProof="0">
+            <a:endParaRPr kumimoji="0" lang="zh-CN" altLang="en-US" sz="1800" b="1" i="0" u="none" strike="noStrike" kern="1200" cap="none" spc="0" normalizeH="0" baseline="0" noProof="0" dirty="0">
               <a:ln>
                 <a:noFill/>
               </a:ln>

--- a/Apple.pptx
+++ b/Apple.pptx
@@ -5,15 +5,17 @@
     <p:sldMasterId id="2147483672" r:id="rId1"/>
   </p:sldMasterIdLst>
   <p:notesMasterIdLst>
-    <p:notesMasterId r:id="rId8"/>
+    <p:notesMasterId r:id="rId10"/>
   </p:notesMasterIdLst>
   <p:sldIdLst>
     <p:sldId id="260" r:id="rId2"/>
     <p:sldId id="263" r:id="rId3"/>
     <p:sldId id="267" r:id="rId4"/>
     <p:sldId id="268" r:id="rId5"/>
-    <p:sldId id="262" r:id="rId6"/>
-    <p:sldId id="261" r:id="rId7"/>
+    <p:sldId id="269" r:id="rId6"/>
+    <p:sldId id="271" r:id="rId7"/>
+    <p:sldId id="262" r:id="rId8"/>
+    <p:sldId id="261" r:id="rId9"/>
   </p:sldIdLst>
   <p:sldSz cx="12192000" cy="6858000"/>
   <p:notesSz cx="6858000" cy="9144000"/>
@@ -123,7 +125,7 @@
 <file path=ppt/revisionInfo.xml><?xml version="1.0" encoding="utf-8"?>
 <p1510:revInfo xmlns:a="http://schemas.openxmlformats.org/drawingml/2006/main" xmlns:r="http://schemas.openxmlformats.org/officeDocument/2006/relationships" xmlns:p1510="http://schemas.microsoft.com/office/powerpoint/2015/10/main">
   <p1510:revLst>
-    <p1510:client id="{0232BF0C-9F56-1344-833A-0F67DFC1ADF9}" v="9" dt="2024-11-06T01:55:59.468"/>
+    <p1510:client id="{0232BF0C-9F56-1344-833A-0F67DFC1ADF9}" v="129" dt="2024-11-06T02:49:14.126"/>
     <p1510:client id="{E5C91240-D7CD-4453-9A63-0A14FF3FE52D}" v="46" dt="2024-11-05T16:25:51.337"/>
   </p1510:revLst>
 </p1510:revInfo>
@@ -491,8 +493,8 @@
   </pc:docChgLst>
   <pc:docChgLst>
     <pc:chgData name="王国霖WANG GUOLIN" userId="fea05601-d3b0-4e80-a8ef-a9569ce1debe" providerId="ADAL" clId="{0232BF0C-9F56-1344-833A-0F67DFC1ADF9}"/>
-    <pc:docChg chg="modSld">
-      <pc:chgData name="王国霖WANG GUOLIN" userId="fea05601-d3b0-4e80-a8ef-a9569ce1debe" providerId="ADAL" clId="{0232BF0C-9F56-1344-833A-0F67DFC1ADF9}" dt="2024-11-06T01:55:59.468" v="8" actId="20577"/>
+    <pc:docChg chg="undo redo custSel addSld delSld modSld">
+      <pc:chgData name="王国霖WANG GUOLIN" userId="fea05601-d3b0-4e80-a8ef-a9569ce1debe" providerId="ADAL" clId="{0232BF0C-9F56-1344-833A-0F67DFC1ADF9}" dt="2024-11-06T02:49:14.126" v="129" actId="2696"/>
       <pc:docMkLst>
         <pc:docMk/>
       </pc:docMkLst>
@@ -527,13 +529,28 @@
         </pc:spChg>
       </pc:sldChg>
       <pc:sldChg chg="modSp mod">
-        <pc:chgData name="王国霖WANG GUOLIN" userId="fea05601-d3b0-4e80-a8ef-a9569ce1debe" providerId="ADAL" clId="{0232BF0C-9F56-1344-833A-0F67DFC1ADF9}" dt="2024-11-06T01:55:59.468" v="8" actId="20577"/>
+        <pc:chgData name="王国霖WANG GUOLIN" userId="fea05601-d3b0-4e80-a8ef-a9569ce1debe" providerId="ADAL" clId="{0232BF0C-9F56-1344-833A-0F67DFC1ADF9}" dt="2024-11-06T02:32:33.510" v="20" actId="1036"/>
+        <pc:sldMkLst>
+          <pc:docMk/>
+          <pc:sldMk cId="589232172" sldId="263"/>
+        </pc:sldMkLst>
+        <pc:spChg chg="mod">
+          <ac:chgData name="王国霖WANG GUOLIN" userId="fea05601-d3b0-4e80-a8ef-a9569ce1debe" providerId="ADAL" clId="{0232BF0C-9F56-1344-833A-0F67DFC1ADF9}" dt="2024-11-06T02:32:33.510" v="20" actId="1036"/>
+          <ac:spMkLst>
+            <pc:docMk/>
+            <pc:sldMk cId="589232172" sldId="263"/>
+            <ac:spMk id="32" creationId="{64A0A5A2-020E-6688-E2A9-12A1332F1747}"/>
+          </ac:spMkLst>
+        </pc:spChg>
+      </pc:sldChg>
+      <pc:sldChg chg="modSp mod">
+        <pc:chgData name="王国霖WANG GUOLIN" userId="fea05601-d3b0-4e80-a8ef-a9569ce1debe" providerId="ADAL" clId="{0232BF0C-9F56-1344-833A-0F67DFC1ADF9}" dt="2024-11-06T02:37:00.515" v="55" actId="20577"/>
         <pc:sldMkLst>
           <pc:docMk/>
           <pc:sldMk cId="2166809759" sldId="268"/>
         </pc:sldMkLst>
         <pc:spChg chg="mod">
-          <ac:chgData name="王国霖WANG GUOLIN" userId="fea05601-d3b0-4e80-a8ef-a9569ce1debe" providerId="ADAL" clId="{0232BF0C-9F56-1344-833A-0F67DFC1ADF9}" dt="2024-11-06T01:55:59.468" v="8" actId="20577"/>
+          <ac:chgData name="王国霖WANG GUOLIN" userId="fea05601-d3b0-4e80-a8ef-a9569ce1debe" providerId="ADAL" clId="{0232BF0C-9F56-1344-833A-0F67DFC1ADF9}" dt="2024-11-06T02:37:00.515" v="55" actId="20577"/>
           <ac:spMkLst>
             <pc:docMk/>
             <pc:sldMk cId="2166809759" sldId="268"/>
@@ -548,6 +565,155 @@
             <ac:spMk id="6" creationId="{7C2FB0A3-AC5E-F92D-1DC1-30CFAD4C189B}"/>
           </ac:spMkLst>
         </pc:spChg>
+      </pc:sldChg>
+      <pc:sldChg chg="addSp delSp modSp add mod">
+        <pc:chgData name="王国霖WANG GUOLIN" userId="fea05601-d3b0-4e80-a8ef-a9569ce1debe" providerId="ADAL" clId="{0232BF0C-9F56-1344-833A-0F67DFC1ADF9}" dt="2024-11-06T02:37:37.122" v="58" actId="207"/>
+        <pc:sldMkLst>
+          <pc:docMk/>
+          <pc:sldMk cId="1117679067" sldId="269"/>
+        </pc:sldMkLst>
+        <pc:spChg chg="add mod">
+          <ac:chgData name="王国霖WANG GUOLIN" userId="fea05601-d3b0-4e80-a8ef-a9569ce1debe" providerId="ADAL" clId="{0232BF0C-9F56-1344-833A-0F67DFC1ADF9}" dt="2024-11-06T02:33:05.958" v="31" actId="767"/>
+          <ac:spMkLst>
+            <pc:docMk/>
+            <pc:sldMk cId="1117679067" sldId="269"/>
+            <ac:spMk id="2" creationId="{D23093EB-29D8-52E6-1504-A0759BF7A7BD}"/>
+          </ac:spMkLst>
+        </pc:spChg>
+        <pc:spChg chg="mod">
+          <ac:chgData name="王国霖WANG GUOLIN" userId="fea05601-d3b0-4e80-a8ef-a9569ce1debe" providerId="ADAL" clId="{0232BF0C-9F56-1344-833A-0F67DFC1ADF9}" dt="2024-11-06T02:36:40.885" v="47" actId="207"/>
+          <ac:spMkLst>
+            <pc:docMk/>
+            <pc:sldMk cId="1117679067" sldId="269"/>
+            <ac:spMk id="5" creationId="{FC11223A-C4F1-89F6-242C-7906CD07FF1D}"/>
+          </ac:spMkLst>
+        </pc:spChg>
+        <pc:spChg chg="mod">
+          <ac:chgData name="王国霖WANG GUOLIN" userId="fea05601-d3b0-4e80-a8ef-a9569ce1debe" providerId="ADAL" clId="{0232BF0C-9F56-1344-833A-0F67DFC1ADF9}" dt="2024-11-06T02:37:37.122" v="58" actId="207"/>
+          <ac:spMkLst>
+            <pc:docMk/>
+            <pc:sldMk cId="1117679067" sldId="269"/>
+            <ac:spMk id="6" creationId="{8DEF8BE7-ACE5-1C19-697A-B8C403F62B0A}"/>
+          </ac:spMkLst>
+        </pc:spChg>
+        <pc:spChg chg="add del mod">
+          <ac:chgData name="王国霖WANG GUOLIN" userId="fea05601-d3b0-4e80-a8ef-a9569ce1debe" providerId="ADAL" clId="{0232BF0C-9F56-1344-833A-0F67DFC1ADF9}" dt="2024-11-06T02:34:23.761" v="44" actId="113"/>
+          <ac:spMkLst>
+            <pc:docMk/>
+            <pc:sldMk cId="1117679067" sldId="269"/>
+            <ac:spMk id="8" creationId="{CE999864-D990-8E9B-B1E5-109907BC56E2}"/>
+          </ac:spMkLst>
+        </pc:spChg>
+        <pc:picChg chg="mod">
+          <ac:chgData name="王国霖WANG GUOLIN" userId="fea05601-d3b0-4e80-a8ef-a9569ce1debe" providerId="ADAL" clId="{0232BF0C-9F56-1344-833A-0F67DFC1ADF9}" dt="2024-11-06T02:32:37.222" v="22" actId="14826"/>
+          <ac:picMkLst>
+            <pc:docMk/>
+            <pc:sldMk cId="1117679067" sldId="269"/>
+            <ac:picMk id="3" creationId="{4FBE3759-B0C0-56AA-44BE-C2123E18BB05}"/>
+          </ac:picMkLst>
+        </pc:picChg>
+      </pc:sldChg>
+      <pc:sldChg chg="addSp delSp modSp add del mod">
+        <pc:chgData name="王国霖WANG GUOLIN" userId="fea05601-d3b0-4e80-a8ef-a9569ce1debe" providerId="ADAL" clId="{0232BF0C-9F56-1344-833A-0F67DFC1ADF9}" dt="2024-11-06T02:49:14.126" v="129" actId="2696"/>
+        <pc:sldMkLst>
+          <pc:docMk/>
+          <pc:sldMk cId="2833687747" sldId="270"/>
+        </pc:sldMkLst>
+        <pc:spChg chg="del mod">
+          <ac:chgData name="王国霖WANG GUOLIN" userId="fea05601-d3b0-4e80-a8ef-a9569ce1debe" providerId="ADAL" clId="{0232BF0C-9F56-1344-833A-0F67DFC1ADF9}" dt="2024-11-06T02:38:44.534" v="61" actId="478"/>
+          <ac:spMkLst>
+            <pc:docMk/>
+            <pc:sldMk cId="2833687747" sldId="270"/>
+            <ac:spMk id="5" creationId="{F5F1EC71-6CFB-8B70-EFA3-C88C2BF1E3F5}"/>
+          </ac:spMkLst>
+        </pc:spChg>
+        <pc:spChg chg="del mod">
+          <ac:chgData name="王国霖WANG GUOLIN" userId="fea05601-d3b0-4e80-a8ef-a9569ce1debe" providerId="ADAL" clId="{0232BF0C-9F56-1344-833A-0F67DFC1ADF9}" dt="2024-11-06T02:38:49.547" v="63" actId="478"/>
+          <ac:spMkLst>
+            <pc:docMk/>
+            <pc:sldMk cId="2833687747" sldId="270"/>
+            <ac:spMk id="6" creationId="{95DF2ACA-38EB-C630-6510-7F8EBA9D7B7F}"/>
+          </ac:spMkLst>
+        </pc:spChg>
+        <pc:picChg chg="add mod">
+          <ac:chgData name="王国霖WANG GUOLIN" userId="fea05601-d3b0-4e80-a8ef-a9569ce1debe" providerId="ADAL" clId="{0232BF0C-9F56-1344-833A-0F67DFC1ADF9}" dt="2024-11-06T02:39:22.100" v="68" actId="1076"/>
+          <ac:picMkLst>
+            <pc:docMk/>
+            <pc:sldMk cId="2833687747" sldId="270"/>
+            <ac:picMk id="2" creationId="{03B438A4-8279-06D7-F8EA-24F2E43AE697}"/>
+          </ac:picMkLst>
+        </pc:picChg>
+        <pc:picChg chg="del">
+          <ac:chgData name="王国霖WANG GUOLIN" userId="fea05601-d3b0-4e80-a8ef-a9569ce1debe" providerId="ADAL" clId="{0232BF0C-9F56-1344-833A-0F67DFC1ADF9}" dt="2024-11-06T02:38:50.853" v="64" actId="478"/>
+          <ac:picMkLst>
+            <pc:docMk/>
+            <pc:sldMk cId="2833687747" sldId="270"/>
+            <ac:picMk id="3" creationId="{681C5818-B531-06C7-8AEE-E3CFB2F8753E}"/>
+          </ac:picMkLst>
+        </pc:picChg>
+      </pc:sldChg>
+      <pc:sldChg chg="addSp delSp modSp add mod">
+        <pc:chgData name="王国霖WANG GUOLIN" userId="fea05601-d3b0-4e80-a8ef-a9569ce1debe" providerId="ADAL" clId="{0232BF0C-9F56-1344-833A-0F67DFC1ADF9}" dt="2024-11-06T02:48:01.827" v="128" actId="1076"/>
+        <pc:sldMkLst>
+          <pc:docMk/>
+          <pc:sldMk cId="728445551" sldId="271"/>
+        </pc:sldMkLst>
+        <pc:spChg chg="del mod">
+          <ac:chgData name="王国霖WANG GUOLIN" userId="fea05601-d3b0-4e80-a8ef-a9569ce1debe" providerId="ADAL" clId="{0232BF0C-9F56-1344-833A-0F67DFC1ADF9}" dt="2024-11-06T02:43:53.811" v="98" actId="478"/>
+          <ac:spMkLst>
+            <pc:docMk/>
+            <pc:sldMk cId="728445551" sldId="271"/>
+            <ac:spMk id="5" creationId="{0512FACB-E18E-AD0B-6DD0-5EADF34D699A}"/>
+          </ac:spMkLst>
+        </pc:spChg>
+        <pc:spChg chg="del">
+          <ac:chgData name="王国霖WANG GUOLIN" userId="fea05601-d3b0-4e80-a8ef-a9569ce1debe" providerId="ADAL" clId="{0232BF0C-9F56-1344-833A-0F67DFC1ADF9}" dt="2024-11-06T02:43:31.318" v="92" actId="478"/>
+          <ac:spMkLst>
+            <pc:docMk/>
+            <pc:sldMk cId="728445551" sldId="271"/>
+            <ac:spMk id="6" creationId="{E86B7315-9F13-17D8-6DE7-5AA3FB4A1DB4}"/>
+          </ac:spMkLst>
+        </pc:spChg>
+        <pc:spChg chg="mod">
+          <ac:chgData name="王国霖WANG GUOLIN" userId="fea05601-d3b0-4e80-a8ef-a9569ce1debe" providerId="ADAL" clId="{0232BF0C-9F56-1344-833A-0F67DFC1ADF9}" dt="2024-11-06T02:48:01.827" v="128" actId="1076"/>
+          <ac:spMkLst>
+            <pc:docMk/>
+            <pc:sldMk cId="728445551" sldId="271"/>
+            <ac:spMk id="8" creationId="{0EEFA367-B6B0-2D55-44F1-F79065224D25}"/>
+          </ac:spMkLst>
+        </pc:spChg>
+        <pc:picChg chg="add del mod">
+          <ac:chgData name="王国霖WANG GUOLIN" userId="fea05601-d3b0-4e80-a8ef-a9569ce1debe" providerId="ADAL" clId="{0232BF0C-9F56-1344-833A-0F67DFC1ADF9}" dt="2024-11-06T02:43:26.673" v="91" actId="478"/>
+          <ac:picMkLst>
+            <pc:docMk/>
+            <pc:sldMk cId="728445551" sldId="271"/>
+            <ac:picMk id="2" creationId="{9B07CE87-C447-1883-277A-EF8E01EDE93C}"/>
+          </ac:picMkLst>
+        </pc:picChg>
+        <pc:picChg chg="del mod">
+          <ac:chgData name="王国霖WANG GUOLIN" userId="fea05601-d3b0-4e80-a8ef-a9569ce1debe" providerId="ADAL" clId="{0232BF0C-9F56-1344-833A-0F67DFC1ADF9}" dt="2024-11-06T02:42:12.292" v="80" actId="478"/>
+          <ac:picMkLst>
+            <pc:docMk/>
+            <pc:sldMk cId="728445551" sldId="271"/>
+            <ac:picMk id="3" creationId="{F883DCF4-6517-A198-02B5-781522AE0F15}"/>
+          </ac:picMkLst>
+        </pc:picChg>
+        <pc:picChg chg="add mod">
+          <ac:chgData name="王国霖WANG GUOLIN" userId="fea05601-d3b0-4e80-a8ef-a9569ce1debe" providerId="ADAL" clId="{0232BF0C-9F56-1344-833A-0F67DFC1ADF9}" dt="2024-11-06T02:46:03.838" v="120" actId="1076"/>
+          <ac:picMkLst>
+            <pc:docMk/>
+            <pc:sldMk cId="728445551" sldId="271"/>
+            <ac:picMk id="4" creationId="{0A1C4039-9C02-50E2-A6F3-81EEB656B96B}"/>
+          </ac:picMkLst>
+        </pc:picChg>
+        <pc:cxnChg chg="del">
+          <ac:chgData name="王国霖WANG GUOLIN" userId="fea05601-d3b0-4e80-a8ef-a9569ce1debe" providerId="ADAL" clId="{0232BF0C-9F56-1344-833A-0F67DFC1ADF9}" dt="2024-11-06T02:45:53.644" v="117" actId="478"/>
+          <ac:cxnSpMkLst>
+            <pc:docMk/>
+            <pc:sldMk cId="728445551" sldId="271"/>
+            <ac:cxnSpMk id="23" creationId="{DDC720CC-28B7-F44A-40B5-9B804F22ECB7}"/>
+          </ac:cxnSpMkLst>
+        </pc:cxnChg>
       </pc:sldChg>
     </pc:docChg>
   </pc:docChgLst>
@@ -3995,7 +4161,7 @@
           <a:lstStyle/>
           <a:p>
             <a:r>
-              <a:rPr lang="zh-CN" altLang="en-US" sz="4400" b="1">
+              <a:rPr lang="zh-CN" altLang="en-US" sz="4400" b="1" dirty="0">
                 <a:gradFill>
                   <a:gsLst>
                     <a:gs pos="0">
@@ -4031,7 +4197,7 @@
               <a:t>蘋果 </a:t>
             </a:r>
             <a:r>
-              <a:rPr lang="en-US" altLang="zh-CN" sz="4400" b="1">
+              <a:rPr lang="en-US" altLang="zh-CN" sz="4400" b="1" dirty="0">
                 <a:gradFill>
                   <a:gsLst>
                     <a:gs pos="0">
@@ -4067,7 +4233,7 @@
               <a:t>M </a:t>
             </a:r>
             <a:r>
-              <a:rPr lang="zh-CN" altLang="en-US" sz="4400" b="1">
+              <a:rPr lang="zh-CN" altLang="en-US" sz="4400" b="1" dirty="0">
                 <a:gradFill>
                   <a:gsLst>
                     <a:gs pos="0">
@@ -5352,7 +5518,7 @@
         <p:spPr>
           <a:xfrm>
             <a:off x="3457224" y="2579929"/>
-            <a:ext cx="2773516" cy="369332"/>
+            <a:ext cx="1338828" cy="369332"/>
           </a:xfrm>
           <a:prstGeom prst="rect">
             <a:avLst/>
@@ -5366,24 +5532,14 @@
           <a:lstStyle/>
           <a:p>
             <a:r>
-              <a:rPr lang="en-HK" altLang="zh-CN">
+              <a:rPr lang="zh-CN" altLang="en-US" dirty="0">
                 <a:solidFill>
                   <a:schemeClr val="bg1"/>
                 </a:solidFill>
                 <a:latin typeface="Microsoft JhengHei" panose="020B0604030504040204" pitchFamily="34" charset="-120"/>
                 <a:ea typeface="Microsoft JhengHei" panose="020B0604030504040204" pitchFamily="34" charset="-120"/>
               </a:rPr>
-              <a:t>M </a:t>
-            </a:r>
-            <a:r>
-              <a:rPr lang="zh-CN" altLang="en-US">
-                <a:solidFill>
-                  <a:schemeClr val="bg1"/>
-                </a:solidFill>
-                <a:latin typeface="Microsoft JhengHei" panose="020B0604030504040204" pitchFamily="34" charset="-120"/>
-                <a:ea typeface="Microsoft JhengHei" panose="020B0604030504040204" pitchFamily="34" charset="-120"/>
-              </a:rPr>
-              <a:t>系列晶片的架構與原理</a:t>
+              <a:t>架構與原理</a:t>
             </a:r>
           </a:p>
         </p:txBody>
@@ -5856,7 +6012,7 @@
               <a:defRPr/>
             </a:pPr>
             <a:r>
-              <a:rPr kumimoji="0" lang="zh-CN" altLang="en-US" sz="4000" b="1" i="0" u="none" strike="noStrike" kern="1200" cap="none" spc="0" normalizeH="0" baseline="0" noProof="0">
+              <a:rPr kumimoji="0" lang="zh-CN" altLang="en-US" sz="4000" b="1" i="0" u="none" strike="noStrike" kern="1200" cap="none" spc="0" normalizeH="0" baseline="0" noProof="0" dirty="0">
                 <a:ln>
                   <a:noFill/>
                 </a:ln>
@@ -6062,27 +6218,7 @@
                 <a:latin typeface="Microsoft JhengHei" panose="020B0604030504040204" pitchFamily="34" charset="-120"/>
                 <a:ea typeface="Microsoft JhengHei" panose="020B0604030504040204" pitchFamily="34" charset="-120"/>
               </a:rPr>
-              <a:t>系列晶片基於</a:t>
-            </a:r>
-            <a:r>
-              <a:rPr lang="en-US" altLang="zh-CN" dirty="0">
-                <a:solidFill>
-                  <a:schemeClr val="bg1"/>
-                </a:solidFill>
-                <a:latin typeface="Microsoft JhengHei" panose="020B0604030504040204" pitchFamily="34" charset="-120"/>
-                <a:ea typeface="Microsoft JhengHei" panose="020B0604030504040204" pitchFamily="34" charset="-120"/>
-              </a:rPr>
-              <a:t>ARM</a:t>
-            </a:r>
-            <a:r>
-              <a:rPr lang="zh-CN" altLang="en-US" dirty="0">
-                <a:solidFill>
-                  <a:schemeClr val="bg1"/>
-                </a:solidFill>
-                <a:latin typeface="Microsoft JhengHei" panose="020B0604030504040204" pitchFamily="34" charset="-120"/>
-                <a:ea typeface="Microsoft JhengHei" panose="020B0604030504040204" pitchFamily="34" charset="-120"/>
-              </a:rPr>
-              <a:t>架構，借助台積電先進的</a:t>
+              <a:t>系列晶片借助台積電先進的</a:t>
             </a:r>
             <a:r>
               <a:rPr lang="en-US" altLang="zh-CN" dirty="0">
@@ -6102,17 +6238,7 @@
                 <a:latin typeface="Microsoft JhengHei" panose="020B0604030504040204" pitchFamily="34" charset="-120"/>
                 <a:ea typeface="Microsoft JhengHei" panose="020B0604030504040204" pitchFamily="34" charset="-120"/>
               </a:rPr>
-              <a:t>納米制程工藝，顯著提升了</a:t>
-            </a:r>
-            <a:r>
-              <a:rPr lang="zh-CN" altLang="en-US">
-                <a:solidFill>
-                  <a:schemeClr val="bg1"/>
-                </a:solidFill>
-                <a:latin typeface="Microsoft JhengHei" panose="020B0604030504040204" pitchFamily="34" charset="-120"/>
-                <a:ea typeface="Microsoft JhengHei" panose="020B0604030504040204" pitchFamily="34" charset="-120"/>
-              </a:rPr>
-              <a:t>晶片性能。</a:t>
+              <a:t>納米制程工藝，顯著提升了晶片性能。</a:t>
             </a:r>
             <a:endParaRPr kumimoji="0" lang="zh-CN" altLang="en-US" sz="1800" b="1" i="0" u="none" strike="noStrike" kern="1200" cap="none" spc="0" normalizeH="0" baseline="0" noProof="0" dirty="0">
               <a:ln>
@@ -6269,6 +6395,582 @@
 </file>
 
 <file path=ppt/slides/slide5.xml><?xml version="1.0" encoding="utf-8"?>
+<p:sld xmlns:a="http://schemas.openxmlformats.org/drawingml/2006/main" xmlns:r="http://schemas.openxmlformats.org/officeDocument/2006/relationships" xmlns:p="http://schemas.openxmlformats.org/presentationml/2006/main">
+  <p:cSld>
+    <p:bg>
+      <p:bgPr>
+        <a:solidFill>
+          <a:schemeClr val="tx1"/>
+        </a:solidFill>
+        <a:effectLst/>
+      </p:bgPr>
+    </p:bg>
+    <p:spTree>
+      <p:nvGrpSpPr>
+        <p:cNvPr id="1" name="">
+          <a:extLst>
+            <a:ext uri="{FF2B5EF4-FFF2-40B4-BE49-F238E27FC236}">
+              <a16:creationId xmlns:a16="http://schemas.microsoft.com/office/drawing/2014/main" id="{D560A4E0-C61F-77FA-EE71-C8034BA9446F}"/>
+            </a:ext>
+          </a:extLst>
+        </p:cNvPr>
+        <p:cNvGrpSpPr/>
+        <p:nvPr/>
+      </p:nvGrpSpPr>
+      <p:grpSpPr>
+        <a:xfrm>
+          <a:off x="0" y="0"/>
+          <a:ext cx="0" cy="0"/>
+          <a:chOff x="0" y="0"/>
+          <a:chExt cx="0" cy="0"/>
+        </a:xfrm>
+      </p:grpSpPr>
+      <p:sp>
+        <p:nvSpPr>
+          <p:cNvPr id="8" name="文本框 7">
+            <a:extLst>
+              <a:ext uri="{FF2B5EF4-FFF2-40B4-BE49-F238E27FC236}">
+                <a16:creationId xmlns:a16="http://schemas.microsoft.com/office/drawing/2014/main" id="{CE999864-D990-8E9B-B1E5-109907BC56E2}"/>
+              </a:ext>
+            </a:extLst>
+          </p:cNvPr>
+          <p:cNvSpPr txBox="1"/>
+          <p:nvPr/>
+        </p:nvSpPr>
+        <p:spPr>
+          <a:xfrm>
+            <a:off x="4977745" y="471566"/>
+            <a:ext cx="2749471" cy="707886"/>
+          </a:xfrm>
+          <a:prstGeom prst="rect">
+            <a:avLst/>
+          </a:prstGeom>
+          <a:noFill/>
+        </p:spPr>
+        <p:txBody>
+          <a:bodyPr wrap="none" rtlCol="0">
+            <a:spAutoFit/>
+          </a:bodyPr>
+          <a:lstStyle/>
+          <a:p>
+            <a:r>
+              <a:rPr lang="zh-CN" altLang="en-US" sz="4000" b="1" dirty="0">
+                <a:gradFill>
+                  <a:gsLst>
+                    <a:gs pos="0">
+                      <a:schemeClr val="accent1">
+                        <a:lumMod val="5000"/>
+                        <a:lumOff val="95000"/>
+                      </a:schemeClr>
+                    </a:gs>
+                    <a:gs pos="74000">
+                      <a:schemeClr val="accent1">
+                        <a:lumMod val="45000"/>
+                        <a:lumOff val="55000"/>
+                      </a:schemeClr>
+                    </a:gs>
+                    <a:gs pos="83000">
+                      <a:schemeClr val="accent1">
+                        <a:lumMod val="45000"/>
+                        <a:lumOff val="55000"/>
+                      </a:schemeClr>
+                    </a:gs>
+                    <a:gs pos="100000">
+                      <a:schemeClr val="accent1">
+                        <a:lumMod val="30000"/>
+                        <a:lumOff val="70000"/>
+                      </a:schemeClr>
+                    </a:gs>
+                  </a:gsLst>
+                  <a:lin ang="5400000" scaled="1"/>
+                </a:gradFill>
+                <a:latin typeface="Microsoft JhengHei" panose="020B0604030504040204" pitchFamily="34" charset="-120"/>
+                <a:ea typeface="Microsoft JhengHei" panose="020B0604030504040204" pitchFamily="34" charset="-120"/>
+              </a:rPr>
+              <a:t>架構與原理</a:t>
+            </a:r>
+          </a:p>
+        </p:txBody>
+      </p:sp>
+      <p:cxnSp>
+        <p:nvCxnSpPr>
+          <p:cNvPr id="23" name="直線接點 6">
+            <a:extLst>
+              <a:ext uri="{FF2B5EF4-FFF2-40B4-BE49-F238E27FC236}">
+                <a16:creationId xmlns:a16="http://schemas.microsoft.com/office/drawing/2014/main" id="{98534FAE-6077-8789-CB62-8F11E0571F0C}"/>
+              </a:ext>
+            </a:extLst>
+          </p:cNvPr>
+          <p:cNvCxnSpPr/>
+          <p:nvPr/>
+        </p:nvCxnSpPr>
+        <p:spPr>
+          <a:xfrm>
+            <a:off x="2227941" y="1495312"/>
+            <a:ext cx="7236000" cy="0"/>
+          </a:xfrm>
+          <a:prstGeom prst="line">
+            <a:avLst/>
+          </a:prstGeom>
+          <a:ln w="15875" cmpd="sng">
+            <a:solidFill>
+              <a:schemeClr val="bg2"/>
+            </a:solidFill>
+          </a:ln>
+        </p:spPr>
+        <p:style>
+          <a:lnRef idx="1">
+            <a:schemeClr val="accent1"/>
+          </a:lnRef>
+          <a:fillRef idx="0">
+            <a:schemeClr val="accent1"/>
+          </a:fillRef>
+          <a:effectRef idx="0">
+            <a:schemeClr val="accent1"/>
+          </a:effectRef>
+          <a:fontRef idx="minor">
+            <a:schemeClr val="tx1"/>
+          </a:fontRef>
+        </p:style>
+      </p:cxnSp>
+      <p:pic>
+        <p:nvPicPr>
+          <p:cNvPr id="3" name="Picture 2">
+            <a:extLst>
+              <a:ext uri="{FF2B5EF4-FFF2-40B4-BE49-F238E27FC236}">
+                <a16:creationId xmlns:a16="http://schemas.microsoft.com/office/drawing/2014/main" id="{4FBE3759-B0C0-56AA-44BE-C2123E18BB05}"/>
+              </a:ext>
+            </a:extLst>
+          </p:cNvPr>
+          <p:cNvPicPr>
+            <a:picLocks noChangeAspect="1" noChangeArrowheads="1"/>
+          </p:cNvPicPr>
+          <p:nvPr/>
+        </p:nvPicPr>
+        <p:blipFill>
+          <a:blip r:embed="rId2"/>
+          <a:srcRect/>
+          <a:stretch/>
+        </p:blipFill>
+        <p:spPr bwMode="auto">
+          <a:xfrm>
+            <a:off x="7186026" y="1754465"/>
+            <a:ext cx="3940709" cy="3888050"/>
+          </a:xfrm>
+          <a:prstGeom prst="rect">
+            <a:avLst/>
+          </a:prstGeom>
+          <a:noFill/>
+          <a:extLst>
+            <a:ext uri="{909E8E84-426E-40DD-AFC4-6F175D3DCCD1}">
+              <a14:hiddenFill xmlns:a14="http://schemas.microsoft.com/office/drawing/2010/main">
+                <a:solidFill>
+                  <a:srgbClr val="FFFFFF"/>
+                </a:solidFill>
+              </a14:hiddenFill>
+            </a:ext>
+          </a:extLst>
+        </p:spPr>
+      </p:pic>
+      <p:sp>
+        <p:nvSpPr>
+          <p:cNvPr id="5" name="文本框 4">
+            <a:extLst>
+              <a:ext uri="{FF2B5EF4-FFF2-40B4-BE49-F238E27FC236}">
+                <a16:creationId xmlns:a16="http://schemas.microsoft.com/office/drawing/2014/main" id="{FC11223A-C4F1-89F6-242C-7906CD07FF1D}"/>
+              </a:ext>
+            </a:extLst>
+          </p:cNvPr>
+          <p:cNvSpPr txBox="1"/>
+          <p:nvPr/>
+        </p:nvSpPr>
+        <p:spPr>
+          <a:xfrm>
+            <a:off x="2227941" y="2460703"/>
+            <a:ext cx="4986314" cy="369332"/>
+          </a:xfrm>
+          <a:prstGeom prst="rect">
+            <a:avLst/>
+          </a:prstGeom>
+          <a:noFill/>
+        </p:spPr>
+        <p:txBody>
+          <a:bodyPr wrap="square" rtlCol="0">
+            <a:spAutoFit/>
+          </a:bodyPr>
+          <a:lstStyle/>
+          <a:p>
+            <a:r>
+              <a:rPr lang="en" altLang="zh-CN" dirty="0">
+                <a:solidFill>
+                  <a:schemeClr val="bg1"/>
+                </a:solidFill>
+                <a:effectLst/>
+                <a:latin typeface="Microsoft JhengHei" panose="020B0604030504040204" pitchFamily="34" charset="-120"/>
+                <a:ea typeface="Microsoft JhengHei" panose="020B0604030504040204" pitchFamily="34" charset="-120"/>
+              </a:rPr>
+              <a:t>ARM </a:t>
+            </a:r>
+            <a:r>
+              <a:rPr lang="zh-CN" altLang="en-US" dirty="0">
+                <a:solidFill>
+                  <a:schemeClr val="bg1"/>
+                </a:solidFill>
+                <a:effectLst/>
+                <a:latin typeface="Microsoft JhengHei" panose="020B0604030504040204" pitchFamily="34" charset="-120"/>
+                <a:ea typeface="Microsoft JhengHei" panose="020B0604030504040204" pitchFamily="34" charset="-120"/>
+              </a:rPr>
+              <a:t>架构，功耗更低，效率更高。</a:t>
+            </a:r>
+          </a:p>
+        </p:txBody>
+      </p:sp>
+      <p:sp>
+        <p:nvSpPr>
+          <p:cNvPr id="6" name="文本框 5">
+            <a:extLst>
+              <a:ext uri="{FF2B5EF4-FFF2-40B4-BE49-F238E27FC236}">
+                <a16:creationId xmlns:a16="http://schemas.microsoft.com/office/drawing/2014/main" id="{8DEF8BE7-ACE5-1C19-697A-B8C403F62B0A}"/>
+              </a:ext>
+            </a:extLst>
+          </p:cNvPr>
+          <p:cNvSpPr txBox="1"/>
+          <p:nvPr/>
+        </p:nvSpPr>
+        <p:spPr>
+          <a:xfrm>
+            <a:off x="2227941" y="4580646"/>
+            <a:ext cx="4923708" cy="369332"/>
+          </a:xfrm>
+          <a:prstGeom prst="rect">
+            <a:avLst/>
+          </a:prstGeom>
+          <a:noFill/>
+        </p:spPr>
+        <p:txBody>
+          <a:bodyPr wrap="square" rtlCol="0">
+            <a:spAutoFit/>
+          </a:bodyPr>
+          <a:lstStyle/>
+          <a:p>
+            <a:r>
+              <a:rPr lang="zh-CN" altLang="en-US" dirty="0">
+                <a:solidFill>
+                  <a:schemeClr val="bg1"/>
+                </a:solidFill>
+                <a:effectLst/>
+                <a:latin typeface="Microsoft JhengHei" panose="020B0604030504040204" pitchFamily="34" charset="-120"/>
+                <a:ea typeface="Microsoft JhengHei" panose="020B0604030504040204" pitchFamily="34" charset="-120"/>
+              </a:rPr>
+              <a:t>低功耗与高性能兼备，超凡体验。</a:t>
+            </a:r>
+          </a:p>
+        </p:txBody>
+      </p:sp>
+    </p:spTree>
+    <p:extLst>
+      <p:ext uri="{BB962C8B-B14F-4D97-AF65-F5344CB8AC3E}">
+        <p14:creationId xmlns:p14="http://schemas.microsoft.com/office/powerpoint/2010/main" val="1117679067"/>
+      </p:ext>
+    </p:extLst>
+  </p:cSld>
+  <p:clrMapOvr>
+    <a:masterClrMapping/>
+  </p:clrMapOvr>
+</p:sld>
+</file>
+
+<file path=ppt/slides/slide6.xml><?xml version="1.0" encoding="utf-8"?>
+<p:sld xmlns:a="http://schemas.openxmlformats.org/drawingml/2006/main" xmlns:r="http://schemas.openxmlformats.org/officeDocument/2006/relationships" xmlns:p="http://schemas.openxmlformats.org/presentationml/2006/main">
+  <p:cSld>
+    <p:bg>
+      <p:bgPr>
+        <a:solidFill>
+          <a:schemeClr val="tx1"/>
+        </a:solidFill>
+        <a:effectLst/>
+      </p:bgPr>
+    </p:bg>
+    <p:spTree>
+      <p:nvGrpSpPr>
+        <p:cNvPr id="1" name="">
+          <a:extLst>
+            <a:ext uri="{FF2B5EF4-FFF2-40B4-BE49-F238E27FC236}">
+              <a16:creationId xmlns:a16="http://schemas.microsoft.com/office/drawing/2014/main" id="{C11AD309-F33F-2B70-71A1-947D357B8849}"/>
+            </a:ext>
+          </a:extLst>
+        </p:cNvPr>
+        <p:cNvGrpSpPr/>
+        <p:nvPr/>
+      </p:nvGrpSpPr>
+      <p:grpSpPr>
+        <a:xfrm>
+          <a:off x="0" y="0"/>
+          <a:ext cx="0" cy="0"/>
+          <a:chOff x="0" y="0"/>
+          <a:chExt cx="0" cy="0"/>
+        </a:xfrm>
+      </p:grpSpPr>
+      <p:sp>
+        <p:nvSpPr>
+          <p:cNvPr id="8" name="文本框 7">
+            <a:extLst>
+              <a:ext uri="{FF2B5EF4-FFF2-40B4-BE49-F238E27FC236}">
+                <a16:creationId xmlns:a16="http://schemas.microsoft.com/office/drawing/2014/main" id="{0EEFA367-B6B0-2D55-44F1-F79065224D25}"/>
+              </a:ext>
+            </a:extLst>
+          </p:cNvPr>
+          <p:cNvSpPr txBox="1"/>
+          <p:nvPr/>
+        </p:nvSpPr>
+        <p:spPr>
+          <a:xfrm>
+            <a:off x="2580609" y="336862"/>
+            <a:ext cx="7297190" cy="400110"/>
+          </a:xfrm>
+          <a:prstGeom prst="rect">
+            <a:avLst/>
+          </a:prstGeom>
+          <a:noFill/>
+        </p:spPr>
+        <p:txBody>
+          <a:bodyPr wrap="none" rtlCol="0">
+            <a:spAutoFit/>
+          </a:bodyPr>
+          <a:lstStyle/>
+          <a:p>
+            <a:r>
+              <a:rPr lang="en" altLang="zh-CN" sz="2000" b="1" dirty="0">
+                <a:gradFill>
+                  <a:gsLst>
+                    <a:gs pos="0">
+                      <a:schemeClr val="accent1">
+                        <a:lumMod val="5000"/>
+                        <a:lumOff val="95000"/>
+                      </a:schemeClr>
+                    </a:gs>
+                    <a:gs pos="74000">
+                      <a:schemeClr val="accent1">
+                        <a:lumMod val="45000"/>
+                        <a:lumOff val="55000"/>
+                      </a:schemeClr>
+                    </a:gs>
+                    <a:gs pos="83000">
+                      <a:schemeClr val="accent1">
+                        <a:lumMod val="45000"/>
+                        <a:lumOff val="55000"/>
+                      </a:schemeClr>
+                    </a:gs>
+                    <a:gs pos="100000">
+                      <a:schemeClr val="accent1">
+                        <a:lumMod val="30000"/>
+                        <a:lumOff val="70000"/>
+                      </a:schemeClr>
+                    </a:gs>
+                  </a:gsLst>
+                  <a:lin ang="5400000" scaled="1"/>
+                </a:gradFill>
+                <a:effectLst/>
+                <a:latin typeface="Microsoft JhengHei" panose="020B0604030504040204" pitchFamily="34" charset="-120"/>
+                <a:ea typeface="Microsoft JhengHei" panose="020B0604030504040204" pitchFamily="34" charset="-120"/>
+              </a:rPr>
+              <a:t>M</a:t>
+            </a:r>
+            <a:r>
+              <a:rPr lang="zh-CN" altLang="en" sz="2000" b="1" dirty="0">
+                <a:gradFill>
+                  <a:gsLst>
+                    <a:gs pos="0">
+                      <a:schemeClr val="accent1">
+                        <a:lumMod val="5000"/>
+                        <a:lumOff val="95000"/>
+                      </a:schemeClr>
+                    </a:gs>
+                    <a:gs pos="74000">
+                      <a:schemeClr val="accent1">
+                        <a:lumMod val="45000"/>
+                        <a:lumOff val="55000"/>
+                      </a:schemeClr>
+                    </a:gs>
+                    <a:gs pos="83000">
+                      <a:schemeClr val="accent1">
+                        <a:lumMod val="45000"/>
+                        <a:lumOff val="55000"/>
+                      </a:schemeClr>
+                    </a:gs>
+                    <a:gs pos="100000">
+                      <a:schemeClr val="accent1">
+                        <a:lumMod val="30000"/>
+                        <a:lumOff val="70000"/>
+                      </a:schemeClr>
+                    </a:gs>
+                  </a:gsLst>
+                  <a:lin ang="5400000" scaled="1"/>
+                </a:gradFill>
+                <a:effectLst/>
+                <a:latin typeface="Microsoft JhengHei" panose="020B0604030504040204" pitchFamily="34" charset="-120"/>
+                <a:ea typeface="Microsoft JhengHei" panose="020B0604030504040204" pitchFamily="34" charset="-120"/>
+              </a:rPr>
+              <a:t>系列</a:t>
+            </a:r>
+            <a:r>
+              <a:rPr lang="zh-CN" altLang="en-US" sz="2000" b="1" dirty="0">
+                <a:gradFill>
+                  <a:gsLst>
+                    <a:gs pos="0">
+                      <a:schemeClr val="accent1">
+                        <a:lumMod val="5000"/>
+                        <a:lumOff val="95000"/>
+                      </a:schemeClr>
+                    </a:gs>
+                    <a:gs pos="74000">
+                      <a:schemeClr val="accent1">
+                        <a:lumMod val="45000"/>
+                        <a:lumOff val="55000"/>
+                      </a:schemeClr>
+                    </a:gs>
+                    <a:gs pos="83000">
+                      <a:schemeClr val="accent1">
+                        <a:lumMod val="45000"/>
+                        <a:lumOff val="55000"/>
+                      </a:schemeClr>
+                    </a:gs>
+                    <a:gs pos="100000">
+                      <a:schemeClr val="accent1">
+                        <a:lumMod val="30000"/>
+                        <a:lumOff val="70000"/>
+                      </a:schemeClr>
+                    </a:gs>
+                  </a:gsLst>
+                  <a:lin ang="5400000" scaled="1"/>
+                </a:gradFill>
+                <a:effectLst/>
+                <a:latin typeface="Microsoft JhengHei" panose="020B0604030504040204" pitchFamily="34" charset="-120"/>
+                <a:ea typeface="Microsoft JhengHei" panose="020B0604030504040204" pitchFamily="34" charset="-120"/>
+              </a:rPr>
+              <a:t>芯片以更低的功耗，提供远超传统 </a:t>
+            </a:r>
+            <a:r>
+              <a:rPr lang="en" altLang="zh-CN" sz="2000" b="1" dirty="0">
+                <a:gradFill>
+                  <a:gsLst>
+                    <a:gs pos="0">
+                      <a:schemeClr val="accent1">
+                        <a:lumMod val="5000"/>
+                        <a:lumOff val="95000"/>
+                      </a:schemeClr>
+                    </a:gs>
+                    <a:gs pos="74000">
+                      <a:schemeClr val="accent1">
+                        <a:lumMod val="45000"/>
+                        <a:lumOff val="55000"/>
+                      </a:schemeClr>
+                    </a:gs>
+                    <a:gs pos="83000">
+                      <a:schemeClr val="accent1">
+                        <a:lumMod val="45000"/>
+                        <a:lumOff val="55000"/>
+                      </a:schemeClr>
+                    </a:gs>
+                    <a:gs pos="100000">
+                      <a:schemeClr val="accent1">
+                        <a:lumMod val="30000"/>
+                        <a:lumOff val="70000"/>
+                      </a:schemeClr>
+                    </a:gs>
+                  </a:gsLst>
+                  <a:lin ang="5400000" scaled="1"/>
+                </a:gradFill>
+                <a:effectLst/>
+                <a:latin typeface="Microsoft JhengHei" panose="020B0604030504040204" pitchFamily="34" charset="-120"/>
+                <a:ea typeface="Microsoft JhengHei" panose="020B0604030504040204" pitchFamily="34" charset="-120"/>
+              </a:rPr>
+              <a:t>PC </a:t>
+            </a:r>
+            <a:r>
+              <a:rPr lang="zh-CN" altLang="en-US" sz="2000" b="1" dirty="0">
+                <a:gradFill>
+                  <a:gsLst>
+                    <a:gs pos="0">
+                      <a:schemeClr val="accent1">
+                        <a:lumMod val="5000"/>
+                        <a:lumOff val="95000"/>
+                      </a:schemeClr>
+                    </a:gs>
+                    <a:gs pos="74000">
+                      <a:schemeClr val="accent1">
+                        <a:lumMod val="45000"/>
+                        <a:lumOff val="55000"/>
+                      </a:schemeClr>
+                    </a:gs>
+                    <a:gs pos="83000">
+                      <a:schemeClr val="accent1">
+                        <a:lumMod val="45000"/>
+                        <a:lumOff val="55000"/>
+                      </a:schemeClr>
+                    </a:gs>
+                    <a:gs pos="100000">
+                      <a:schemeClr val="accent1">
+                        <a:lumMod val="30000"/>
+                        <a:lumOff val="70000"/>
+                      </a:schemeClr>
+                    </a:gs>
+                  </a:gsLst>
+                  <a:lin ang="5400000" scaled="1"/>
+                </a:gradFill>
+                <a:effectLst/>
+                <a:latin typeface="Microsoft JhengHei" panose="020B0604030504040204" pitchFamily="34" charset="-120"/>
+                <a:ea typeface="Microsoft JhengHei" panose="020B0604030504040204" pitchFamily="34" charset="-120"/>
+              </a:rPr>
+              <a:t>芯片的卓越性能。</a:t>
+            </a:r>
+          </a:p>
+        </p:txBody>
+      </p:sp>
+      <p:pic>
+        <p:nvPicPr>
+          <p:cNvPr id="4" name="图片 3">
+            <a:extLst>
+              <a:ext uri="{FF2B5EF4-FFF2-40B4-BE49-F238E27FC236}">
+                <a16:creationId xmlns:a16="http://schemas.microsoft.com/office/drawing/2014/main" id="{0A1C4039-9C02-50E2-A6F3-81EEB656B96B}"/>
+              </a:ext>
+            </a:extLst>
+          </p:cNvPr>
+          <p:cNvPicPr>
+            <a:picLocks noChangeAspect="1"/>
+          </p:cNvPicPr>
+          <p:nvPr/>
+        </p:nvPicPr>
+        <p:blipFill>
+          <a:blip r:embed="rId2"/>
+          <a:stretch>
+            <a:fillRect/>
+          </a:stretch>
+        </p:blipFill>
+        <p:spPr>
+          <a:xfrm>
+            <a:off x="1993608" y="1019562"/>
+            <a:ext cx="8471192" cy="5838438"/>
+          </a:xfrm>
+          <a:prstGeom prst="rect">
+            <a:avLst/>
+          </a:prstGeom>
+        </p:spPr>
+      </p:pic>
+    </p:spTree>
+    <p:extLst>
+      <p:ext uri="{BB962C8B-B14F-4D97-AF65-F5344CB8AC3E}">
+        <p14:creationId xmlns:p14="http://schemas.microsoft.com/office/powerpoint/2010/main" val="728445551"/>
+      </p:ext>
+    </p:extLst>
+  </p:cSld>
+  <p:clrMapOvr>
+    <a:masterClrMapping/>
+  </p:clrMapOvr>
+</p:sld>
+</file>
+
+<file path=ppt/slides/slide7.xml><?xml version="1.0" encoding="utf-8"?>
 <p:sld xmlns:a="http://schemas.openxmlformats.org/drawingml/2006/main" xmlns:r="http://schemas.openxmlformats.org/officeDocument/2006/relationships" xmlns:p="http://schemas.openxmlformats.org/presentationml/2006/main">
   <p:cSld>
     <p:bg>
@@ -6406,7 +7108,7 @@
 </p:sld>
 </file>
 
-<file path=ppt/slides/slide6.xml><?xml version="1.0" encoding="utf-8"?>
+<file path=ppt/slides/slide8.xml><?xml version="1.0" encoding="utf-8"?>
 <p:sld xmlns:a="http://schemas.openxmlformats.org/drawingml/2006/main" xmlns:r="http://schemas.openxmlformats.org/officeDocument/2006/relationships" xmlns:p="http://schemas.openxmlformats.org/presentationml/2006/main">
   <p:cSld>
     <p:bg>

--- a/Apple.pptx
+++ b/Apple.pptx
@@ -5,7 +5,7 @@
     <p:sldMasterId id="2147483672" r:id="rId1"/>
   </p:sldMasterIdLst>
   <p:notesMasterIdLst>
-    <p:notesMasterId r:id="rId10"/>
+    <p:notesMasterId r:id="rId11"/>
   </p:notesMasterIdLst>
   <p:sldIdLst>
     <p:sldId id="260" r:id="rId2"/>
@@ -13,9 +13,10 @@
     <p:sldId id="267" r:id="rId4"/>
     <p:sldId id="268" r:id="rId5"/>
     <p:sldId id="269" r:id="rId6"/>
-    <p:sldId id="271" r:id="rId7"/>
-    <p:sldId id="262" r:id="rId8"/>
-    <p:sldId id="261" r:id="rId9"/>
+    <p:sldId id="272" r:id="rId7"/>
+    <p:sldId id="271" r:id="rId8"/>
+    <p:sldId id="262" r:id="rId9"/>
+    <p:sldId id="261" r:id="rId10"/>
   </p:sldIdLst>
   <p:sldSz cx="12192000" cy="6858000"/>
   <p:notesSz cx="6858000" cy="9144000"/>
@@ -125,599 +126,9 @@
 <file path=ppt/revisionInfo.xml><?xml version="1.0" encoding="utf-8"?>
 <p1510:revInfo xmlns:a="http://schemas.openxmlformats.org/drawingml/2006/main" xmlns:r="http://schemas.openxmlformats.org/officeDocument/2006/relationships" xmlns:p1510="http://schemas.microsoft.com/office/powerpoint/2015/10/main">
   <p1510:revLst>
-    <p1510:client id="{0232BF0C-9F56-1344-833A-0F67DFC1ADF9}" v="129" dt="2024-11-06T02:49:14.126"/>
-    <p1510:client id="{E5C91240-D7CD-4453-9A63-0A14FF3FE52D}" v="46" dt="2024-11-05T16:25:51.337"/>
+    <p1510:client id="{A8366671-F529-4DA2-952B-8873624F4D5E}" v="9" dt="2024-11-06T05:49:00.830"/>
   </p1510:revLst>
 </p1510:revInfo>
-</file>
-
-<file path=ppt/changesInfos/changesInfo1.xml><?xml version="1.0" encoding="utf-8"?>
-<pc:chgInfo xmlns:a="http://schemas.openxmlformats.org/drawingml/2006/main" xmlns:r="http://schemas.openxmlformats.org/officeDocument/2006/relationships" xmlns:ac="http://schemas.microsoft.com/office/drawing/2013/main/command" xmlns:pc="http://schemas.microsoft.com/office/powerpoint/2013/main/command">
-  <pc:docChgLst>
-    <pc:chgData name="王国霖WANG GUOLIN" userId="fea05601-d3b0-4e80-a8ef-a9569ce1debe" providerId="ADAL" clId="{E5C91240-D7CD-4453-9A63-0A14FF3FE52D}"/>
-    <pc:docChg chg="undo redo custSel addSld delSld modSld">
-      <pc:chgData name="王国霖WANG GUOLIN" userId="fea05601-d3b0-4e80-a8ef-a9569ce1debe" providerId="ADAL" clId="{E5C91240-D7CD-4453-9A63-0A14FF3FE52D}" dt="2024-11-05T16:27:05.235" v="124" actId="14100"/>
-      <pc:docMkLst>
-        <pc:docMk/>
-      </pc:docMkLst>
-      <pc:sldChg chg="del">
-        <pc:chgData name="王国霖WANG GUOLIN" userId="fea05601-d3b0-4e80-a8ef-a9569ce1debe" providerId="ADAL" clId="{E5C91240-D7CD-4453-9A63-0A14FF3FE52D}" dt="2024-11-05T15:48:08.456" v="3" actId="47"/>
-        <pc:sldMkLst>
-          <pc:docMk/>
-          <pc:sldMk cId="3916105951" sldId="257"/>
-        </pc:sldMkLst>
-      </pc:sldChg>
-      <pc:sldChg chg="del">
-        <pc:chgData name="王国霖WANG GUOLIN" userId="fea05601-d3b0-4e80-a8ef-a9569ce1debe" providerId="ADAL" clId="{E5C91240-D7CD-4453-9A63-0A14FF3FE52D}" dt="2024-11-05T15:48:07.619" v="2" actId="47"/>
-        <pc:sldMkLst>
-          <pc:docMk/>
-          <pc:sldMk cId="1088420444" sldId="259"/>
-        </pc:sldMkLst>
-      </pc:sldChg>
-      <pc:sldChg chg="add del">
-        <pc:chgData name="王国霖WANG GUOLIN" userId="fea05601-d3b0-4e80-a8ef-a9569ce1debe" providerId="ADAL" clId="{E5C91240-D7CD-4453-9A63-0A14FF3FE52D}" dt="2024-11-05T15:48:06.424" v="1" actId="47"/>
-        <pc:sldMkLst>
-          <pc:docMk/>
-          <pc:sldMk cId="4268928795" sldId="260"/>
-        </pc:sldMkLst>
-      </pc:sldChg>
-      <pc:sldChg chg="modSp mod">
-        <pc:chgData name="王国霖WANG GUOLIN" userId="fea05601-d3b0-4e80-a8ef-a9569ce1debe" providerId="ADAL" clId="{E5C91240-D7CD-4453-9A63-0A14FF3FE52D}" dt="2024-11-05T15:55:28.366" v="8" actId="1076"/>
-        <pc:sldMkLst>
-          <pc:docMk/>
-          <pc:sldMk cId="2395346073" sldId="261"/>
-        </pc:sldMkLst>
-        <pc:spChg chg="mod">
-          <ac:chgData name="王国霖WANG GUOLIN" userId="fea05601-d3b0-4e80-a8ef-a9569ce1debe" providerId="ADAL" clId="{E5C91240-D7CD-4453-9A63-0A14FF3FE52D}" dt="2024-11-05T15:55:23.928" v="7" actId="1076"/>
-          <ac:spMkLst>
-            <pc:docMk/>
-            <pc:sldMk cId="2395346073" sldId="261"/>
-            <ac:spMk id="6" creationId="{F5F1179B-A25D-F475-CA5E-BD4722DC3107}"/>
-          </ac:spMkLst>
-        </pc:spChg>
-        <pc:spChg chg="mod">
-          <ac:chgData name="王国霖WANG GUOLIN" userId="fea05601-d3b0-4e80-a8ef-a9569ce1debe" providerId="ADAL" clId="{E5C91240-D7CD-4453-9A63-0A14FF3FE52D}" dt="2024-11-05T15:55:28.366" v="8" actId="1076"/>
-          <ac:spMkLst>
-            <pc:docMk/>
-            <pc:sldMk cId="2395346073" sldId="261"/>
-            <ac:spMk id="7" creationId="{B744A37F-92F4-BF3D-70A1-A7E07799FEFE}"/>
-          </ac:spMkLst>
-        </pc:spChg>
-      </pc:sldChg>
-      <pc:sldChg chg="modSp mod">
-        <pc:chgData name="王国霖WANG GUOLIN" userId="fea05601-d3b0-4e80-a8ef-a9569ce1debe" providerId="ADAL" clId="{E5C91240-D7CD-4453-9A63-0A14FF3FE52D}" dt="2024-11-05T16:12:21.294" v="68" actId="14100"/>
-        <pc:sldMkLst>
-          <pc:docMk/>
-          <pc:sldMk cId="589232172" sldId="263"/>
-        </pc:sldMkLst>
-        <pc:cxnChg chg="mod">
-          <ac:chgData name="王国霖WANG GUOLIN" userId="fea05601-d3b0-4e80-a8ef-a9569ce1debe" providerId="ADAL" clId="{E5C91240-D7CD-4453-9A63-0A14FF3FE52D}" dt="2024-11-05T16:12:21.294" v="68" actId="14100"/>
-          <ac:cxnSpMkLst>
-            <pc:docMk/>
-            <pc:sldMk cId="589232172" sldId="263"/>
-            <ac:cxnSpMk id="23" creationId="{82DB84B8-8218-B9B8-82F5-CB5F4434504A}"/>
-          </ac:cxnSpMkLst>
-        </pc:cxnChg>
-      </pc:sldChg>
-      <pc:sldChg chg="new del">
-        <pc:chgData name="王国霖WANG GUOLIN" userId="fea05601-d3b0-4e80-a8ef-a9569ce1debe" providerId="ADAL" clId="{E5C91240-D7CD-4453-9A63-0A14FF3FE52D}" dt="2024-11-05T16:04:30.224" v="14" actId="47"/>
-        <pc:sldMkLst>
-          <pc:docMk/>
-          <pc:sldMk cId="3334594866" sldId="264"/>
-        </pc:sldMkLst>
-      </pc:sldChg>
-      <pc:sldChg chg="add del setBg">
-        <pc:chgData name="王国霖WANG GUOLIN" userId="fea05601-d3b0-4e80-a8ef-a9569ce1debe" providerId="ADAL" clId="{E5C91240-D7CD-4453-9A63-0A14FF3FE52D}" dt="2024-11-05T16:04:31.391" v="15" actId="47"/>
-        <pc:sldMkLst>
-          <pc:docMk/>
-          <pc:sldMk cId="3423512512" sldId="265"/>
-        </pc:sldMkLst>
-      </pc:sldChg>
-      <pc:sldChg chg="del">
-        <pc:chgData name="王国霖WANG GUOLIN" userId="fea05601-d3b0-4e80-a8ef-a9569ce1debe" providerId="ADAL" clId="{E5C91240-D7CD-4453-9A63-0A14FF3FE52D}" dt="2024-11-05T16:04:29" v="13" actId="47"/>
-        <pc:sldMkLst>
-          <pc:docMk/>
-          <pc:sldMk cId="732353635" sldId="266"/>
-        </pc:sldMkLst>
-      </pc:sldChg>
-      <pc:sldChg chg="addSp delSp modSp mod">
-        <pc:chgData name="王国霖WANG GUOLIN" userId="fea05601-d3b0-4e80-a8ef-a9569ce1debe" providerId="ADAL" clId="{E5C91240-D7CD-4453-9A63-0A14FF3FE52D}" dt="2024-11-05T16:22:28.111" v="97" actId="22"/>
-        <pc:sldMkLst>
-          <pc:docMk/>
-          <pc:sldMk cId="2090500885" sldId="267"/>
-        </pc:sldMkLst>
-        <pc:spChg chg="del">
-          <ac:chgData name="王国霖WANG GUOLIN" userId="fea05601-d3b0-4e80-a8ef-a9569ce1debe" providerId="ADAL" clId="{E5C91240-D7CD-4453-9A63-0A14FF3FE52D}" dt="2024-11-05T16:07:58.962" v="26" actId="478"/>
-          <ac:spMkLst>
-            <pc:docMk/>
-            <pc:sldMk cId="2090500885" sldId="267"/>
-            <ac:spMk id="4" creationId="{A9005255-8FC5-2897-7A07-FE6B8BB97EBD}"/>
-          </ac:spMkLst>
-        </pc:spChg>
-        <pc:spChg chg="add mod">
-          <ac:chgData name="王国霖WANG GUOLIN" userId="fea05601-d3b0-4e80-a8ef-a9569ce1debe" providerId="ADAL" clId="{E5C91240-D7CD-4453-9A63-0A14FF3FE52D}" dt="2024-11-05T16:14:10.431" v="74"/>
-          <ac:spMkLst>
-            <pc:docMk/>
-            <pc:sldMk cId="2090500885" sldId="267"/>
-            <ac:spMk id="5" creationId="{A1ACBE61-0308-DD68-FDF3-9414798D5D5C}"/>
-          </ac:spMkLst>
-        </pc:spChg>
-        <pc:spChg chg="add mod">
-          <ac:chgData name="王国霖WANG GUOLIN" userId="fea05601-d3b0-4e80-a8ef-a9569ce1debe" providerId="ADAL" clId="{E5C91240-D7CD-4453-9A63-0A14FF3FE52D}" dt="2024-11-05T16:17:04.861" v="87" actId="113"/>
-          <ac:spMkLst>
-            <pc:docMk/>
-            <pc:sldMk cId="2090500885" sldId="267"/>
-            <ac:spMk id="6" creationId="{AFC8BA69-8958-1D32-41A3-8B211B0497B1}"/>
-          </ac:spMkLst>
-        </pc:spChg>
-        <pc:spChg chg="mod">
-          <ac:chgData name="王国霖WANG GUOLIN" userId="fea05601-d3b0-4e80-a8ef-a9569ce1debe" providerId="ADAL" clId="{E5C91240-D7CD-4453-9A63-0A14FF3FE52D}" dt="2024-11-05T16:16:33.807" v="83" actId="113"/>
-          <ac:spMkLst>
-            <pc:docMk/>
-            <pc:sldMk cId="2090500885" sldId="267"/>
-            <ac:spMk id="8" creationId="{3AA629E3-06F7-8D85-2BE9-B3F8F89FCA75}"/>
-          </ac:spMkLst>
-        </pc:spChg>
-        <pc:spChg chg="del">
-          <ac:chgData name="王国霖WANG GUOLIN" userId="fea05601-d3b0-4e80-a8ef-a9569ce1debe" providerId="ADAL" clId="{E5C91240-D7CD-4453-9A63-0A14FF3FE52D}" dt="2024-11-05T16:07:58.962" v="26" actId="478"/>
-          <ac:spMkLst>
-            <pc:docMk/>
-            <pc:sldMk cId="2090500885" sldId="267"/>
-            <ac:spMk id="9" creationId="{5E27942B-F652-CFE5-4910-1529C8A6A7FD}"/>
-          </ac:spMkLst>
-        </pc:spChg>
-        <pc:spChg chg="del">
-          <ac:chgData name="王国霖WANG GUOLIN" userId="fea05601-d3b0-4e80-a8ef-a9569ce1debe" providerId="ADAL" clId="{E5C91240-D7CD-4453-9A63-0A14FF3FE52D}" dt="2024-11-05T16:07:58.962" v="26" actId="478"/>
-          <ac:spMkLst>
-            <pc:docMk/>
-            <pc:sldMk cId="2090500885" sldId="267"/>
-            <ac:spMk id="11" creationId="{9B007397-E79E-B957-7409-B6D9A0A2E322}"/>
-          </ac:spMkLst>
-        </pc:spChg>
-        <pc:spChg chg="del">
-          <ac:chgData name="王国霖WANG GUOLIN" userId="fea05601-d3b0-4e80-a8ef-a9569ce1debe" providerId="ADAL" clId="{E5C91240-D7CD-4453-9A63-0A14FF3FE52D}" dt="2024-11-05T16:07:58.962" v="26" actId="478"/>
-          <ac:spMkLst>
-            <pc:docMk/>
-            <pc:sldMk cId="2090500885" sldId="267"/>
-            <ac:spMk id="13" creationId="{269B8EA0-1835-CE34-2067-71A3E11E2D24}"/>
-          </ac:spMkLst>
-        </pc:spChg>
-        <pc:spChg chg="del">
-          <ac:chgData name="王国霖WANG GUOLIN" userId="fea05601-d3b0-4e80-a8ef-a9569ce1debe" providerId="ADAL" clId="{E5C91240-D7CD-4453-9A63-0A14FF3FE52D}" dt="2024-11-05T16:07:58.962" v="26" actId="478"/>
-          <ac:spMkLst>
-            <pc:docMk/>
-            <pc:sldMk cId="2090500885" sldId="267"/>
-            <ac:spMk id="15" creationId="{C8A443E3-278C-9502-E822-D9D8D0C9B947}"/>
-          </ac:spMkLst>
-        </pc:spChg>
-        <pc:spChg chg="del">
-          <ac:chgData name="王国霖WANG GUOLIN" userId="fea05601-d3b0-4e80-a8ef-a9569ce1debe" providerId="ADAL" clId="{E5C91240-D7CD-4453-9A63-0A14FF3FE52D}" dt="2024-11-05T16:07:58.962" v="26" actId="478"/>
-          <ac:spMkLst>
-            <pc:docMk/>
-            <pc:sldMk cId="2090500885" sldId="267"/>
-            <ac:spMk id="17" creationId="{D575E2A0-31E6-E72F-78DE-7A7020558E64}"/>
-          </ac:spMkLst>
-        </pc:spChg>
-        <pc:spChg chg="del">
-          <ac:chgData name="王国霖WANG GUOLIN" userId="fea05601-d3b0-4e80-a8ef-a9569ce1debe" providerId="ADAL" clId="{E5C91240-D7CD-4453-9A63-0A14FF3FE52D}" dt="2024-11-05T16:07:58.962" v="26" actId="478"/>
-          <ac:spMkLst>
-            <pc:docMk/>
-            <pc:sldMk cId="2090500885" sldId="267"/>
-            <ac:spMk id="18" creationId="{8DD8FECA-62D5-2377-83FD-39A4F9569CD9}"/>
-          </ac:spMkLst>
-        </pc:spChg>
-        <pc:spChg chg="del">
-          <ac:chgData name="王国霖WANG GUOLIN" userId="fea05601-d3b0-4e80-a8ef-a9569ce1debe" providerId="ADAL" clId="{E5C91240-D7CD-4453-9A63-0A14FF3FE52D}" dt="2024-11-05T16:07:58.962" v="26" actId="478"/>
-          <ac:spMkLst>
-            <pc:docMk/>
-            <pc:sldMk cId="2090500885" sldId="267"/>
-            <ac:spMk id="19" creationId="{044CE56F-FE74-DB6B-61D7-37E9127A0224}"/>
-          </ac:spMkLst>
-        </pc:spChg>
-        <pc:spChg chg="del">
-          <ac:chgData name="王国霖WANG GUOLIN" userId="fea05601-d3b0-4e80-a8ef-a9569ce1debe" providerId="ADAL" clId="{E5C91240-D7CD-4453-9A63-0A14FF3FE52D}" dt="2024-11-05T16:07:58.962" v="26" actId="478"/>
-          <ac:spMkLst>
-            <pc:docMk/>
-            <pc:sldMk cId="2090500885" sldId="267"/>
-            <ac:spMk id="21" creationId="{FEAAF78B-BAD2-0CBE-8FC2-F99D074B1A33}"/>
-          </ac:spMkLst>
-        </pc:spChg>
-        <pc:spChg chg="del">
-          <ac:chgData name="王国霖WANG GUOLIN" userId="fea05601-d3b0-4e80-a8ef-a9569ce1debe" providerId="ADAL" clId="{E5C91240-D7CD-4453-9A63-0A14FF3FE52D}" dt="2024-11-05T16:07:58.962" v="26" actId="478"/>
-          <ac:spMkLst>
-            <pc:docMk/>
-            <pc:sldMk cId="2090500885" sldId="267"/>
-            <ac:spMk id="25" creationId="{29B3FADA-E8F6-62F2-B4C7-BE53984899C8}"/>
-          </ac:spMkLst>
-        </pc:spChg>
-        <pc:spChg chg="del">
-          <ac:chgData name="王国霖WANG GUOLIN" userId="fea05601-d3b0-4e80-a8ef-a9569ce1debe" providerId="ADAL" clId="{E5C91240-D7CD-4453-9A63-0A14FF3FE52D}" dt="2024-11-05T16:07:58.962" v="26" actId="478"/>
-          <ac:spMkLst>
-            <pc:docMk/>
-            <pc:sldMk cId="2090500885" sldId="267"/>
-            <ac:spMk id="26" creationId="{F13871F5-39A5-EB53-4BBB-AEA8B3B3E8E6}"/>
-          </ac:spMkLst>
-        </pc:spChg>
-        <pc:spChg chg="del">
-          <ac:chgData name="王国霖WANG GUOLIN" userId="fea05601-d3b0-4e80-a8ef-a9569ce1debe" providerId="ADAL" clId="{E5C91240-D7CD-4453-9A63-0A14FF3FE52D}" dt="2024-11-05T16:07:58.962" v="26" actId="478"/>
-          <ac:spMkLst>
-            <pc:docMk/>
-            <pc:sldMk cId="2090500885" sldId="267"/>
-            <ac:spMk id="27" creationId="{8C075C4F-CB1D-A6A2-D5EE-84C6494B9B89}"/>
-          </ac:spMkLst>
-        </pc:spChg>
-        <pc:spChg chg="del">
-          <ac:chgData name="王国霖WANG GUOLIN" userId="fea05601-d3b0-4e80-a8ef-a9569ce1debe" providerId="ADAL" clId="{E5C91240-D7CD-4453-9A63-0A14FF3FE52D}" dt="2024-11-05T16:07:58.962" v="26" actId="478"/>
-          <ac:spMkLst>
-            <pc:docMk/>
-            <pc:sldMk cId="2090500885" sldId="267"/>
-            <ac:spMk id="28" creationId="{A44C3483-3AA7-A877-C8CF-6CD21BC2A6F7}"/>
-          </ac:spMkLst>
-        </pc:spChg>
-        <pc:spChg chg="del">
-          <ac:chgData name="王国霖WANG GUOLIN" userId="fea05601-d3b0-4e80-a8ef-a9569ce1debe" providerId="ADAL" clId="{E5C91240-D7CD-4453-9A63-0A14FF3FE52D}" dt="2024-11-05T16:07:58.962" v="26" actId="478"/>
-          <ac:spMkLst>
-            <pc:docMk/>
-            <pc:sldMk cId="2090500885" sldId="267"/>
-            <ac:spMk id="29" creationId="{3933C420-E178-D3E6-7913-7B9EA9CEF5F7}"/>
-          </ac:spMkLst>
-        </pc:spChg>
-        <pc:spChg chg="del">
-          <ac:chgData name="王国霖WANG GUOLIN" userId="fea05601-d3b0-4e80-a8ef-a9569ce1debe" providerId="ADAL" clId="{E5C91240-D7CD-4453-9A63-0A14FF3FE52D}" dt="2024-11-05T16:07:58.962" v="26" actId="478"/>
-          <ac:spMkLst>
-            <pc:docMk/>
-            <pc:sldMk cId="2090500885" sldId="267"/>
-            <ac:spMk id="30" creationId="{100EFD91-4B42-7EAE-84FE-DB03CFADE1F5}"/>
-          </ac:spMkLst>
-        </pc:spChg>
-        <pc:spChg chg="del">
-          <ac:chgData name="王国霖WANG GUOLIN" userId="fea05601-d3b0-4e80-a8ef-a9569ce1debe" providerId="ADAL" clId="{E5C91240-D7CD-4453-9A63-0A14FF3FE52D}" dt="2024-11-05T16:07:58.962" v="26" actId="478"/>
-          <ac:spMkLst>
-            <pc:docMk/>
-            <pc:sldMk cId="2090500885" sldId="267"/>
-            <ac:spMk id="31" creationId="{1DD5B916-39E2-08C4-6EBF-871D226D9ED2}"/>
-          </ac:spMkLst>
-        </pc:spChg>
-        <pc:spChg chg="del">
-          <ac:chgData name="王国霖WANG GUOLIN" userId="fea05601-d3b0-4e80-a8ef-a9569ce1debe" providerId="ADAL" clId="{E5C91240-D7CD-4453-9A63-0A14FF3FE52D}" dt="2024-11-05T16:07:58.962" v="26" actId="478"/>
-          <ac:spMkLst>
-            <pc:docMk/>
-            <pc:sldMk cId="2090500885" sldId="267"/>
-            <ac:spMk id="32" creationId="{2169DB08-795D-6288-648D-785709B07AD2}"/>
-          </ac:spMkLst>
-        </pc:spChg>
-        <pc:picChg chg="add mod">
-          <ac:chgData name="王国霖WANG GUOLIN" userId="fea05601-d3b0-4e80-a8ef-a9569ce1debe" providerId="ADAL" clId="{E5C91240-D7CD-4453-9A63-0A14FF3FE52D}" dt="2024-11-05T16:08:53.983" v="41" actId="962"/>
-          <ac:picMkLst>
-            <pc:docMk/>
-            <pc:sldMk cId="2090500885" sldId="267"/>
-            <ac:picMk id="2" creationId="{29E05D09-4DEA-53CC-F3CC-BB4106BC9A11}"/>
-          </ac:picMkLst>
-        </pc:picChg>
-        <pc:picChg chg="add del mod">
-          <ac:chgData name="王国霖WANG GUOLIN" userId="fea05601-d3b0-4e80-a8ef-a9569ce1debe" providerId="ADAL" clId="{E5C91240-D7CD-4453-9A63-0A14FF3FE52D}" dt="2024-11-05T16:22:27.224" v="95" actId="478"/>
-          <ac:picMkLst>
-            <pc:docMk/>
-            <pc:sldMk cId="2090500885" sldId="267"/>
-            <ac:picMk id="3" creationId="{9328B4C0-D033-5ADF-BE7E-510CE518302E}"/>
-          </ac:picMkLst>
-        </pc:picChg>
-        <pc:picChg chg="add del mod">
-          <ac:chgData name="王国霖WANG GUOLIN" userId="fea05601-d3b0-4e80-a8ef-a9569ce1debe" providerId="ADAL" clId="{E5C91240-D7CD-4453-9A63-0A14FF3FE52D}" dt="2024-11-05T16:22:28.111" v="97" actId="22"/>
-          <ac:picMkLst>
-            <pc:docMk/>
-            <pc:sldMk cId="2090500885" sldId="267"/>
-            <ac:picMk id="10" creationId="{6D15A128-5D43-2297-4A6F-4A5991830943}"/>
-          </ac:picMkLst>
-        </pc:picChg>
-        <pc:picChg chg="add">
-          <ac:chgData name="王国霖WANG GUOLIN" userId="fea05601-d3b0-4e80-a8ef-a9569ce1debe" providerId="ADAL" clId="{E5C91240-D7CD-4453-9A63-0A14FF3FE52D}" dt="2024-11-05T16:05:05.535" v="16"/>
-          <ac:picMkLst>
-            <pc:docMk/>
-            <pc:sldMk cId="2090500885" sldId="267"/>
-            <ac:picMk id="1026" creationId="{978DF134-33D9-30FB-BB31-B793B09D4C5E}"/>
-          </ac:picMkLst>
-        </pc:picChg>
-        <pc:cxnChg chg="mod">
-          <ac:chgData name="王国霖WANG GUOLIN" userId="fea05601-d3b0-4e80-a8ef-a9569ce1debe" providerId="ADAL" clId="{E5C91240-D7CD-4453-9A63-0A14FF3FE52D}" dt="2024-11-05T16:12:46.551" v="69" actId="14100"/>
-          <ac:cxnSpMkLst>
-            <pc:docMk/>
-            <pc:sldMk cId="2090500885" sldId="267"/>
-            <ac:cxnSpMk id="23" creationId="{EDDAD797-5E1C-27B4-47A4-25598A009AF6}"/>
-          </ac:cxnSpMkLst>
-        </pc:cxnChg>
-      </pc:sldChg>
-      <pc:sldChg chg="addSp delSp modSp new del mod setBg">
-        <pc:chgData name="王国霖WANG GUOLIN" userId="fea05601-d3b0-4e80-a8ef-a9569ce1debe" providerId="ADAL" clId="{E5C91240-D7CD-4453-9A63-0A14FF3FE52D}" dt="2024-11-05T16:22:36.523" v="98" actId="2696"/>
-        <pc:sldMkLst>
-          <pc:docMk/>
-          <pc:sldMk cId="580113790" sldId="268"/>
-        </pc:sldMkLst>
-        <pc:spChg chg="del">
-          <ac:chgData name="王国霖WANG GUOLIN" userId="fea05601-d3b0-4e80-a8ef-a9569ce1debe" providerId="ADAL" clId="{E5C91240-D7CD-4453-9A63-0A14FF3FE52D}" dt="2024-11-05T16:05:18.176" v="18" actId="478"/>
-          <ac:spMkLst>
-            <pc:docMk/>
-            <pc:sldMk cId="580113790" sldId="268"/>
-            <ac:spMk id="2" creationId="{21D8C142-891D-3F36-D257-941EFB824474}"/>
-          </ac:spMkLst>
-        </pc:spChg>
-        <pc:spChg chg="del">
-          <ac:chgData name="王国霖WANG GUOLIN" userId="fea05601-d3b0-4e80-a8ef-a9569ce1debe" providerId="ADAL" clId="{E5C91240-D7CD-4453-9A63-0A14FF3FE52D}" dt="2024-11-05T16:05:19.441" v="19" actId="478"/>
-          <ac:spMkLst>
-            <pc:docMk/>
-            <pc:sldMk cId="580113790" sldId="268"/>
-            <ac:spMk id="3" creationId="{E14EA443-003E-ED34-A6A9-11FC452F5080}"/>
-          </ac:spMkLst>
-        </pc:spChg>
-        <pc:spChg chg="add del">
-          <ac:chgData name="王国霖WANG GUOLIN" userId="fea05601-d3b0-4e80-a8ef-a9569ce1debe" providerId="ADAL" clId="{E5C91240-D7CD-4453-9A63-0A14FF3FE52D}" dt="2024-11-05T16:06:17.669" v="25" actId="26606"/>
-          <ac:spMkLst>
-            <pc:docMk/>
-            <pc:sldMk cId="580113790" sldId="268"/>
-            <ac:spMk id="2055" creationId="{42A4FC2C-047E-45A5-965D-8E1E3BF09BC6}"/>
-          </ac:spMkLst>
-        </pc:spChg>
-        <pc:picChg chg="add mod">
-          <ac:chgData name="王国霖WANG GUOLIN" userId="fea05601-d3b0-4e80-a8ef-a9569ce1debe" providerId="ADAL" clId="{E5C91240-D7CD-4453-9A63-0A14FF3FE52D}" dt="2024-11-05T16:06:17.669" v="25" actId="26606"/>
-          <ac:picMkLst>
-            <pc:docMk/>
-            <pc:sldMk cId="580113790" sldId="268"/>
-            <ac:picMk id="2050" creationId="{3CD12FBF-6329-69C6-4B71-CA36F68BE666}"/>
-          </ac:picMkLst>
-        </pc:picChg>
-      </pc:sldChg>
-      <pc:sldChg chg="addSp delSp modSp mod">
-        <pc:chgData name="王国霖WANG GUOLIN" userId="fea05601-d3b0-4e80-a8ef-a9569ce1debe" providerId="ADAL" clId="{E5C91240-D7CD-4453-9A63-0A14FF3FE52D}" dt="2024-11-05T16:27:05.235" v="124" actId="14100"/>
-        <pc:sldMkLst>
-          <pc:docMk/>
-          <pc:sldMk cId="2166809759" sldId="268"/>
-        </pc:sldMkLst>
-        <pc:spChg chg="add del mod">
-          <ac:chgData name="王国霖WANG GUOLIN" userId="fea05601-d3b0-4e80-a8ef-a9569ce1debe" providerId="ADAL" clId="{E5C91240-D7CD-4453-9A63-0A14FF3FE52D}" dt="2024-11-05T16:27:01.424" v="123" actId="14100"/>
-          <ac:spMkLst>
-            <pc:docMk/>
-            <pc:sldMk cId="2166809759" sldId="268"/>
-            <ac:spMk id="5" creationId="{8B079CA8-1B68-367D-BB39-E9775372F936}"/>
-          </ac:spMkLst>
-        </pc:spChg>
-        <pc:spChg chg="mod">
-          <ac:chgData name="王国霖WANG GUOLIN" userId="fea05601-d3b0-4e80-a8ef-a9569ce1debe" providerId="ADAL" clId="{E5C91240-D7CD-4453-9A63-0A14FF3FE52D}" dt="2024-11-05T16:27:05.235" v="124" actId="14100"/>
-          <ac:spMkLst>
-            <pc:docMk/>
-            <pc:sldMk cId="2166809759" sldId="268"/>
-            <ac:spMk id="6" creationId="{7C2FB0A3-AC5E-F92D-1DC1-30CFAD4C189B}"/>
-          </ac:spMkLst>
-        </pc:spChg>
-      </pc:sldChg>
-    </pc:docChg>
-  </pc:docChgLst>
-  <pc:docChgLst>
-    <pc:chgData name="王国霖WANG GUOLIN" userId="fea05601-d3b0-4e80-a8ef-a9569ce1debe" providerId="ADAL" clId="{0232BF0C-9F56-1344-833A-0F67DFC1ADF9}"/>
-    <pc:docChg chg="undo redo custSel addSld delSld modSld">
-      <pc:chgData name="王国霖WANG GUOLIN" userId="fea05601-d3b0-4e80-a8ef-a9569ce1debe" providerId="ADAL" clId="{0232BF0C-9F56-1344-833A-0F67DFC1ADF9}" dt="2024-11-06T02:49:14.126" v="129" actId="2696"/>
-      <pc:docMkLst>
-        <pc:docMk/>
-      </pc:docMkLst>
-      <pc:sldChg chg="modSp mod">
-        <pc:chgData name="王国霖WANG GUOLIN" userId="fea05601-d3b0-4e80-a8ef-a9569ce1debe" providerId="ADAL" clId="{0232BF0C-9F56-1344-833A-0F67DFC1ADF9}" dt="2024-11-06T01:15:58.531" v="1" actId="1076"/>
-        <pc:sldMkLst>
-          <pc:docMk/>
-          <pc:sldMk cId="4268928795" sldId="260"/>
-        </pc:sldMkLst>
-        <pc:picChg chg="mod">
-          <ac:chgData name="王国霖WANG GUOLIN" userId="fea05601-d3b0-4e80-a8ef-a9569ce1debe" providerId="ADAL" clId="{0232BF0C-9F56-1344-833A-0F67DFC1ADF9}" dt="2024-11-06T01:15:58.531" v="1" actId="1076"/>
-          <ac:picMkLst>
-            <pc:docMk/>
-            <pc:sldMk cId="4268928795" sldId="260"/>
-            <ac:picMk id="4" creationId="{BAB7F604-C19E-CD75-1F80-41CBC40CDA89}"/>
-          </ac:picMkLst>
-        </pc:picChg>
-      </pc:sldChg>
-      <pc:sldChg chg="modSp mod">
-        <pc:chgData name="王国霖WANG GUOLIN" userId="fea05601-d3b0-4e80-a8ef-a9569ce1debe" providerId="ADAL" clId="{0232BF0C-9F56-1344-833A-0F67DFC1ADF9}" dt="2024-11-06T01:28:22.309" v="4" actId="1076"/>
-        <pc:sldMkLst>
-          <pc:docMk/>
-          <pc:sldMk cId="765475836" sldId="262"/>
-        </pc:sldMkLst>
-        <pc:spChg chg="mod">
-          <ac:chgData name="王国霖WANG GUOLIN" userId="fea05601-d3b0-4e80-a8ef-a9569ce1debe" providerId="ADAL" clId="{0232BF0C-9F56-1344-833A-0F67DFC1ADF9}" dt="2024-11-06T01:28:22.309" v="4" actId="1076"/>
-          <ac:spMkLst>
-            <pc:docMk/>
-            <pc:sldMk cId="765475836" sldId="262"/>
-            <ac:spMk id="4" creationId="{B60596C8-6163-0BB3-C19B-7885B388FDCF}"/>
-          </ac:spMkLst>
-        </pc:spChg>
-      </pc:sldChg>
-      <pc:sldChg chg="modSp mod">
-        <pc:chgData name="王国霖WANG GUOLIN" userId="fea05601-d3b0-4e80-a8ef-a9569ce1debe" providerId="ADAL" clId="{0232BF0C-9F56-1344-833A-0F67DFC1ADF9}" dt="2024-11-06T02:32:33.510" v="20" actId="1036"/>
-        <pc:sldMkLst>
-          <pc:docMk/>
-          <pc:sldMk cId="589232172" sldId="263"/>
-        </pc:sldMkLst>
-        <pc:spChg chg="mod">
-          <ac:chgData name="王国霖WANG GUOLIN" userId="fea05601-d3b0-4e80-a8ef-a9569ce1debe" providerId="ADAL" clId="{0232BF0C-9F56-1344-833A-0F67DFC1ADF9}" dt="2024-11-06T02:32:33.510" v="20" actId="1036"/>
-          <ac:spMkLst>
-            <pc:docMk/>
-            <pc:sldMk cId="589232172" sldId="263"/>
-            <ac:spMk id="32" creationId="{64A0A5A2-020E-6688-E2A9-12A1332F1747}"/>
-          </ac:spMkLst>
-        </pc:spChg>
-      </pc:sldChg>
-      <pc:sldChg chg="modSp mod">
-        <pc:chgData name="王国霖WANG GUOLIN" userId="fea05601-d3b0-4e80-a8ef-a9569ce1debe" providerId="ADAL" clId="{0232BF0C-9F56-1344-833A-0F67DFC1ADF9}" dt="2024-11-06T02:37:00.515" v="55" actId="20577"/>
-        <pc:sldMkLst>
-          <pc:docMk/>
-          <pc:sldMk cId="2166809759" sldId="268"/>
-        </pc:sldMkLst>
-        <pc:spChg chg="mod">
-          <ac:chgData name="王国霖WANG GUOLIN" userId="fea05601-d3b0-4e80-a8ef-a9569ce1debe" providerId="ADAL" clId="{0232BF0C-9F56-1344-833A-0F67DFC1ADF9}" dt="2024-11-06T02:37:00.515" v="55" actId="20577"/>
-          <ac:spMkLst>
-            <pc:docMk/>
-            <pc:sldMk cId="2166809759" sldId="268"/>
-            <ac:spMk id="5" creationId="{8B079CA8-1B68-367D-BB39-E9775372F936}"/>
-          </ac:spMkLst>
-        </pc:spChg>
-        <pc:spChg chg="mod">
-          <ac:chgData name="王国霖WANG GUOLIN" userId="fea05601-d3b0-4e80-a8ef-a9569ce1debe" providerId="ADAL" clId="{0232BF0C-9F56-1344-833A-0F67DFC1ADF9}" dt="2024-11-06T01:55:45.160" v="7" actId="20577"/>
-          <ac:spMkLst>
-            <pc:docMk/>
-            <pc:sldMk cId="2166809759" sldId="268"/>
-            <ac:spMk id="6" creationId="{7C2FB0A3-AC5E-F92D-1DC1-30CFAD4C189B}"/>
-          </ac:spMkLst>
-        </pc:spChg>
-      </pc:sldChg>
-      <pc:sldChg chg="addSp delSp modSp add mod">
-        <pc:chgData name="王国霖WANG GUOLIN" userId="fea05601-d3b0-4e80-a8ef-a9569ce1debe" providerId="ADAL" clId="{0232BF0C-9F56-1344-833A-0F67DFC1ADF9}" dt="2024-11-06T02:37:37.122" v="58" actId="207"/>
-        <pc:sldMkLst>
-          <pc:docMk/>
-          <pc:sldMk cId="1117679067" sldId="269"/>
-        </pc:sldMkLst>
-        <pc:spChg chg="add mod">
-          <ac:chgData name="王国霖WANG GUOLIN" userId="fea05601-d3b0-4e80-a8ef-a9569ce1debe" providerId="ADAL" clId="{0232BF0C-9F56-1344-833A-0F67DFC1ADF9}" dt="2024-11-06T02:33:05.958" v="31" actId="767"/>
-          <ac:spMkLst>
-            <pc:docMk/>
-            <pc:sldMk cId="1117679067" sldId="269"/>
-            <ac:spMk id="2" creationId="{D23093EB-29D8-52E6-1504-A0759BF7A7BD}"/>
-          </ac:spMkLst>
-        </pc:spChg>
-        <pc:spChg chg="mod">
-          <ac:chgData name="王国霖WANG GUOLIN" userId="fea05601-d3b0-4e80-a8ef-a9569ce1debe" providerId="ADAL" clId="{0232BF0C-9F56-1344-833A-0F67DFC1ADF9}" dt="2024-11-06T02:36:40.885" v="47" actId="207"/>
-          <ac:spMkLst>
-            <pc:docMk/>
-            <pc:sldMk cId="1117679067" sldId="269"/>
-            <ac:spMk id="5" creationId="{FC11223A-C4F1-89F6-242C-7906CD07FF1D}"/>
-          </ac:spMkLst>
-        </pc:spChg>
-        <pc:spChg chg="mod">
-          <ac:chgData name="王国霖WANG GUOLIN" userId="fea05601-d3b0-4e80-a8ef-a9569ce1debe" providerId="ADAL" clId="{0232BF0C-9F56-1344-833A-0F67DFC1ADF9}" dt="2024-11-06T02:37:37.122" v="58" actId="207"/>
-          <ac:spMkLst>
-            <pc:docMk/>
-            <pc:sldMk cId="1117679067" sldId="269"/>
-            <ac:spMk id="6" creationId="{8DEF8BE7-ACE5-1C19-697A-B8C403F62B0A}"/>
-          </ac:spMkLst>
-        </pc:spChg>
-        <pc:spChg chg="add del mod">
-          <ac:chgData name="王国霖WANG GUOLIN" userId="fea05601-d3b0-4e80-a8ef-a9569ce1debe" providerId="ADAL" clId="{0232BF0C-9F56-1344-833A-0F67DFC1ADF9}" dt="2024-11-06T02:34:23.761" v="44" actId="113"/>
-          <ac:spMkLst>
-            <pc:docMk/>
-            <pc:sldMk cId="1117679067" sldId="269"/>
-            <ac:spMk id="8" creationId="{CE999864-D990-8E9B-B1E5-109907BC56E2}"/>
-          </ac:spMkLst>
-        </pc:spChg>
-        <pc:picChg chg="mod">
-          <ac:chgData name="王国霖WANG GUOLIN" userId="fea05601-d3b0-4e80-a8ef-a9569ce1debe" providerId="ADAL" clId="{0232BF0C-9F56-1344-833A-0F67DFC1ADF9}" dt="2024-11-06T02:32:37.222" v="22" actId="14826"/>
-          <ac:picMkLst>
-            <pc:docMk/>
-            <pc:sldMk cId="1117679067" sldId="269"/>
-            <ac:picMk id="3" creationId="{4FBE3759-B0C0-56AA-44BE-C2123E18BB05}"/>
-          </ac:picMkLst>
-        </pc:picChg>
-      </pc:sldChg>
-      <pc:sldChg chg="addSp delSp modSp add del mod">
-        <pc:chgData name="王国霖WANG GUOLIN" userId="fea05601-d3b0-4e80-a8ef-a9569ce1debe" providerId="ADAL" clId="{0232BF0C-9F56-1344-833A-0F67DFC1ADF9}" dt="2024-11-06T02:49:14.126" v="129" actId="2696"/>
-        <pc:sldMkLst>
-          <pc:docMk/>
-          <pc:sldMk cId="2833687747" sldId="270"/>
-        </pc:sldMkLst>
-        <pc:spChg chg="del mod">
-          <ac:chgData name="王国霖WANG GUOLIN" userId="fea05601-d3b0-4e80-a8ef-a9569ce1debe" providerId="ADAL" clId="{0232BF0C-9F56-1344-833A-0F67DFC1ADF9}" dt="2024-11-06T02:38:44.534" v="61" actId="478"/>
-          <ac:spMkLst>
-            <pc:docMk/>
-            <pc:sldMk cId="2833687747" sldId="270"/>
-            <ac:spMk id="5" creationId="{F5F1EC71-6CFB-8B70-EFA3-C88C2BF1E3F5}"/>
-          </ac:spMkLst>
-        </pc:spChg>
-        <pc:spChg chg="del mod">
-          <ac:chgData name="王国霖WANG GUOLIN" userId="fea05601-d3b0-4e80-a8ef-a9569ce1debe" providerId="ADAL" clId="{0232BF0C-9F56-1344-833A-0F67DFC1ADF9}" dt="2024-11-06T02:38:49.547" v="63" actId="478"/>
-          <ac:spMkLst>
-            <pc:docMk/>
-            <pc:sldMk cId="2833687747" sldId="270"/>
-            <ac:spMk id="6" creationId="{95DF2ACA-38EB-C630-6510-7F8EBA9D7B7F}"/>
-          </ac:spMkLst>
-        </pc:spChg>
-        <pc:picChg chg="add mod">
-          <ac:chgData name="王国霖WANG GUOLIN" userId="fea05601-d3b0-4e80-a8ef-a9569ce1debe" providerId="ADAL" clId="{0232BF0C-9F56-1344-833A-0F67DFC1ADF9}" dt="2024-11-06T02:39:22.100" v="68" actId="1076"/>
-          <ac:picMkLst>
-            <pc:docMk/>
-            <pc:sldMk cId="2833687747" sldId="270"/>
-            <ac:picMk id="2" creationId="{03B438A4-8279-06D7-F8EA-24F2E43AE697}"/>
-          </ac:picMkLst>
-        </pc:picChg>
-        <pc:picChg chg="del">
-          <ac:chgData name="王国霖WANG GUOLIN" userId="fea05601-d3b0-4e80-a8ef-a9569ce1debe" providerId="ADAL" clId="{0232BF0C-9F56-1344-833A-0F67DFC1ADF9}" dt="2024-11-06T02:38:50.853" v="64" actId="478"/>
-          <ac:picMkLst>
-            <pc:docMk/>
-            <pc:sldMk cId="2833687747" sldId="270"/>
-            <ac:picMk id="3" creationId="{681C5818-B531-06C7-8AEE-E3CFB2F8753E}"/>
-          </ac:picMkLst>
-        </pc:picChg>
-      </pc:sldChg>
-      <pc:sldChg chg="addSp delSp modSp add mod">
-        <pc:chgData name="王国霖WANG GUOLIN" userId="fea05601-d3b0-4e80-a8ef-a9569ce1debe" providerId="ADAL" clId="{0232BF0C-9F56-1344-833A-0F67DFC1ADF9}" dt="2024-11-06T02:48:01.827" v="128" actId="1076"/>
-        <pc:sldMkLst>
-          <pc:docMk/>
-          <pc:sldMk cId="728445551" sldId="271"/>
-        </pc:sldMkLst>
-        <pc:spChg chg="del mod">
-          <ac:chgData name="王国霖WANG GUOLIN" userId="fea05601-d3b0-4e80-a8ef-a9569ce1debe" providerId="ADAL" clId="{0232BF0C-9F56-1344-833A-0F67DFC1ADF9}" dt="2024-11-06T02:43:53.811" v="98" actId="478"/>
-          <ac:spMkLst>
-            <pc:docMk/>
-            <pc:sldMk cId="728445551" sldId="271"/>
-            <ac:spMk id="5" creationId="{0512FACB-E18E-AD0B-6DD0-5EADF34D699A}"/>
-          </ac:spMkLst>
-        </pc:spChg>
-        <pc:spChg chg="del">
-          <ac:chgData name="王国霖WANG GUOLIN" userId="fea05601-d3b0-4e80-a8ef-a9569ce1debe" providerId="ADAL" clId="{0232BF0C-9F56-1344-833A-0F67DFC1ADF9}" dt="2024-11-06T02:43:31.318" v="92" actId="478"/>
-          <ac:spMkLst>
-            <pc:docMk/>
-            <pc:sldMk cId="728445551" sldId="271"/>
-            <ac:spMk id="6" creationId="{E86B7315-9F13-17D8-6DE7-5AA3FB4A1DB4}"/>
-          </ac:spMkLst>
-        </pc:spChg>
-        <pc:spChg chg="mod">
-          <ac:chgData name="王国霖WANG GUOLIN" userId="fea05601-d3b0-4e80-a8ef-a9569ce1debe" providerId="ADAL" clId="{0232BF0C-9F56-1344-833A-0F67DFC1ADF9}" dt="2024-11-06T02:48:01.827" v="128" actId="1076"/>
-          <ac:spMkLst>
-            <pc:docMk/>
-            <pc:sldMk cId="728445551" sldId="271"/>
-            <ac:spMk id="8" creationId="{0EEFA367-B6B0-2D55-44F1-F79065224D25}"/>
-          </ac:spMkLst>
-        </pc:spChg>
-        <pc:picChg chg="add del mod">
-          <ac:chgData name="王国霖WANG GUOLIN" userId="fea05601-d3b0-4e80-a8ef-a9569ce1debe" providerId="ADAL" clId="{0232BF0C-9F56-1344-833A-0F67DFC1ADF9}" dt="2024-11-06T02:43:26.673" v="91" actId="478"/>
-          <ac:picMkLst>
-            <pc:docMk/>
-            <pc:sldMk cId="728445551" sldId="271"/>
-            <ac:picMk id="2" creationId="{9B07CE87-C447-1883-277A-EF8E01EDE93C}"/>
-          </ac:picMkLst>
-        </pc:picChg>
-        <pc:picChg chg="del mod">
-          <ac:chgData name="王国霖WANG GUOLIN" userId="fea05601-d3b0-4e80-a8ef-a9569ce1debe" providerId="ADAL" clId="{0232BF0C-9F56-1344-833A-0F67DFC1ADF9}" dt="2024-11-06T02:42:12.292" v="80" actId="478"/>
-          <ac:picMkLst>
-            <pc:docMk/>
-            <pc:sldMk cId="728445551" sldId="271"/>
-            <ac:picMk id="3" creationId="{F883DCF4-6517-A198-02B5-781522AE0F15}"/>
-          </ac:picMkLst>
-        </pc:picChg>
-        <pc:picChg chg="add mod">
-          <ac:chgData name="王国霖WANG GUOLIN" userId="fea05601-d3b0-4e80-a8ef-a9569ce1debe" providerId="ADAL" clId="{0232BF0C-9F56-1344-833A-0F67DFC1ADF9}" dt="2024-11-06T02:46:03.838" v="120" actId="1076"/>
-          <ac:picMkLst>
-            <pc:docMk/>
-            <pc:sldMk cId="728445551" sldId="271"/>
-            <ac:picMk id="4" creationId="{0A1C4039-9C02-50E2-A6F3-81EEB656B96B}"/>
-          </ac:picMkLst>
-        </pc:picChg>
-        <pc:cxnChg chg="del">
-          <ac:chgData name="王国霖WANG GUOLIN" userId="fea05601-d3b0-4e80-a8ef-a9569ce1debe" providerId="ADAL" clId="{0232BF0C-9F56-1344-833A-0F67DFC1ADF9}" dt="2024-11-06T02:45:53.644" v="117" actId="478"/>
-          <ac:cxnSpMkLst>
-            <pc:docMk/>
-            <pc:sldMk cId="728445551" sldId="271"/>
-            <ac:cxnSpMk id="23" creationId="{DDC720CC-28B7-F44A-40B5-9B804F22ECB7}"/>
-          </ac:cxnSpMkLst>
-        </pc:cxnChg>
-      </pc:sldChg>
-    </pc:docChg>
-  </pc:docChgLst>
-</pc:chgInfo>
 </file>
 
 <file path=ppt/notesMasters/notesMaster1.xml><?xml version="1.0" encoding="utf-8"?>
@@ -802,7 +213,7 @@
           <a:p>
             <a:fld id="{02E7D46B-BA0C-AE4F-837B-1A75489DBC98}" type="datetimeFigureOut">
               <a:rPr kumimoji="1" lang="zh-MO" altLang="en-US" smtClean="0"/>
-              <a:t>06/11/24</a:t>
+              <a:t>6/11/2024</a:t>
             </a:fld>
             <a:endParaRPr kumimoji="1" lang="zh-MO" altLang="en-US"/>
           </a:p>
@@ -1285,7 +696,7 @@
           <a:p>
             <a:fld id="{0C4612CA-428B-1D4C-A910-B09C225BDBA8}" type="datetimeFigureOut">
               <a:rPr kumimoji="1" lang="zh-MO" altLang="en-US" smtClean="0"/>
-              <a:t>06/11/24</a:t>
+              <a:t>6/11/2024</a:t>
             </a:fld>
             <a:endParaRPr kumimoji="1" lang="zh-MO" altLang="en-US"/>
           </a:p>
@@ -1455,7 +866,7 @@
           <a:p>
             <a:fld id="{0C4612CA-428B-1D4C-A910-B09C225BDBA8}" type="datetimeFigureOut">
               <a:rPr kumimoji="1" lang="zh-MO" altLang="en-US" smtClean="0"/>
-              <a:t>06/11/24</a:t>
+              <a:t>6/11/2024</a:t>
             </a:fld>
             <a:endParaRPr kumimoji="1" lang="zh-MO" altLang="en-US"/>
           </a:p>
@@ -1635,7 +1046,7 @@
           <a:p>
             <a:fld id="{0C4612CA-428B-1D4C-A910-B09C225BDBA8}" type="datetimeFigureOut">
               <a:rPr kumimoji="1" lang="zh-MO" altLang="en-US" smtClean="0"/>
-              <a:t>06/11/24</a:t>
+              <a:t>6/11/2024</a:t>
             </a:fld>
             <a:endParaRPr kumimoji="1" lang="zh-MO" altLang="en-US"/>
           </a:p>
@@ -1805,7 +1216,7 @@
           <a:p>
             <a:fld id="{0C4612CA-428B-1D4C-A910-B09C225BDBA8}" type="datetimeFigureOut">
               <a:rPr kumimoji="1" lang="zh-MO" altLang="en-US" smtClean="0"/>
-              <a:t>06/11/24</a:t>
+              <a:t>6/11/2024</a:t>
             </a:fld>
             <a:endParaRPr kumimoji="1" lang="zh-MO" altLang="en-US"/>
           </a:p>
@@ -2051,7 +1462,7 @@
           <a:p>
             <a:fld id="{0C4612CA-428B-1D4C-A910-B09C225BDBA8}" type="datetimeFigureOut">
               <a:rPr kumimoji="1" lang="zh-MO" altLang="en-US" smtClean="0"/>
-              <a:t>06/11/24</a:t>
+              <a:t>6/11/2024</a:t>
             </a:fld>
             <a:endParaRPr kumimoji="1" lang="zh-MO" altLang="en-US"/>
           </a:p>
@@ -2283,7 +1694,7 @@
           <a:p>
             <a:fld id="{0C4612CA-428B-1D4C-A910-B09C225BDBA8}" type="datetimeFigureOut">
               <a:rPr kumimoji="1" lang="zh-MO" altLang="en-US" smtClean="0"/>
-              <a:t>06/11/24</a:t>
+              <a:t>6/11/2024</a:t>
             </a:fld>
             <a:endParaRPr kumimoji="1" lang="zh-MO" altLang="en-US"/>
           </a:p>
@@ -2650,7 +2061,7 @@
           <a:p>
             <a:fld id="{0C4612CA-428B-1D4C-A910-B09C225BDBA8}" type="datetimeFigureOut">
               <a:rPr kumimoji="1" lang="zh-MO" altLang="en-US" smtClean="0"/>
-              <a:t>06/11/24</a:t>
+              <a:t>6/11/2024</a:t>
             </a:fld>
             <a:endParaRPr kumimoji="1" lang="zh-MO" altLang="en-US"/>
           </a:p>
@@ -2768,7 +2179,7 @@
           <a:p>
             <a:fld id="{0C4612CA-428B-1D4C-A910-B09C225BDBA8}" type="datetimeFigureOut">
               <a:rPr kumimoji="1" lang="zh-MO" altLang="en-US" smtClean="0"/>
-              <a:t>06/11/24</a:t>
+              <a:t>6/11/2024</a:t>
             </a:fld>
             <a:endParaRPr kumimoji="1" lang="zh-MO" altLang="en-US"/>
           </a:p>
@@ -2863,7 +2274,7 @@
           <a:p>
             <a:fld id="{0C4612CA-428B-1D4C-A910-B09C225BDBA8}" type="datetimeFigureOut">
               <a:rPr kumimoji="1" lang="zh-MO" altLang="en-US" smtClean="0"/>
-              <a:t>06/11/24</a:t>
+              <a:t>6/11/2024</a:t>
             </a:fld>
             <a:endParaRPr kumimoji="1" lang="zh-MO" altLang="en-US"/>
           </a:p>
@@ -3140,7 +2551,7 @@
           <a:p>
             <a:fld id="{0C4612CA-428B-1D4C-A910-B09C225BDBA8}" type="datetimeFigureOut">
               <a:rPr kumimoji="1" lang="zh-MO" altLang="en-US" smtClean="0"/>
-              <a:t>06/11/24</a:t>
+              <a:t>6/11/2024</a:t>
             </a:fld>
             <a:endParaRPr kumimoji="1" lang="zh-MO" altLang="en-US"/>
           </a:p>
@@ -3397,7 +2808,7 @@
           <a:p>
             <a:fld id="{0C4612CA-428B-1D4C-A910-B09C225BDBA8}" type="datetimeFigureOut">
               <a:rPr kumimoji="1" lang="zh-MO" altLang="en-US" smtClean="0"/>
-              <a:t>06/11/24</a:t>
+              <a:t>6/11/2024</a:t>
             </a:fld>
             <a:endParaRPr kumimoji="1" lang="zh-MO" altLang="en-US"/>
           </a:p>
@@ -3610,7 +3021,7 @@
           <a:p>
             <a:fld id="{0C4612CA-428B-1D4C-A910-B09C225BDBA8}" type="datetimeFigureOut">
               <a:rPr kumimoji="1" lang="zh-MO" altLang="en-US" smtClean="0"/>
-              <a:t>06/11/24</a:t>
+              <a:t>6/11/2024</a:t>
             </a:fld>
             <a:endParaRPr kumimoji="1" lang="zh-MO" altLang="en-US"/>
           </a:p>
@@ -6554,7 +5965,7 @@
         </p:blipFill>
         <p:spPr bwMode="auto">
           <a:xfrm>
-            <a:off x="7186026" y="1754465"/>
+            <a:off x="7363235" y="1754465"/>
             <a:ext cx="3940709" cy="3888050"/>
           </a:xfrm>
           <a:prstGeom prst="rect">
@@ -6586,7 +5997,7 @@
         </p:nvSpPr>
         <p:spPr>
           <a:xfrm>
-            <a:off x="2227941" y="2460703"/>
+            <a:off x="2199712" y="1908158"/>
             <a:ext cx="4986314" cy="369332"/>
           </a:xfrm>
           <a:prstGeom prst="rect">
@@ -6601,6 +6012,17 @@
           <a:lstStyle/>
           <a:p>
             <a:r>
+              <a:rPr lang="zh-CN" altLang="en-US" dirty="0">
+                <a:solidFill>
+                  <a:schemeClr val="bg1"/>
+                </a:solidFill>
+                <a:effectLst/>
+                <a:latin typeface="Microsoft JhengHei" panose="020B0604030504040204" pitchFamily="34" charset="-120"/>
+                <a:ea typeface="Microsoft JhengHei" panose="020B0604030504040204" pitchFamily="34" charset="-120"/>
+              </a:rPr>
+              <a:t>使用</a:t>
+            </a:r>
+            <a:r>
               <a:rPr lang="en" altLang="zh-CN" dirty="0">
                 <a:solidFill>
                   <a:schemeClr val="bg1"/>
@@ -6620,17 +6042,17 @@
                 <a:latin typeface="Microsoft JhengHei" panose="020B0604030504040204" pitchFamily="34" charset="-120"/>
                 <a:ea typeface="Microsoft JhengHei" panose="020B0604030504040204" pitchFamily="34" charset="-120"/>
               </a:rPr>
-              <a:t>架构，功耗更低，效率更高。</a:t>
-            </a:r>
-          </a:p>
-        </p:txBody>
-      </p:sp>
-      <p:sp>
-        <p:nvSpPr>
-          <p:cNvPr id="6" name="文本框 5">
+              <a:t>架構，功耗更低，效率更高。</a:t>
+            </a:r>
+          </a:p>
+        </p:txBody>
+      </p:sp>
+      <p:sp>
+        <p:nvSpPr>
+          <p:cNvPr id="7" name="文本框 6">
             <a:extLst>
               <a:ext uri="{FF2B5EF4-FFF2-40B4-BE49-F238E27FC236}">
-                <a16:creationId xmlns:a16="http://schemas.microsoft.com/office/drawing/2014/main" id="{8DEF8BE7-ACE5-1C19-697A-B8C403F62B0A}"/>
+                <a16:creationId xmlns:a16="http://schemas.microsoft.com/office/drawing/2014/main" id="{9DB885EB-53ED-0C3F-AF13-9A27B299E84E}"/>
               </a:ext>
             </a:extLst>
           </p:cNvPr>
@@ -6639,8 +6061,8 @@
         </p:nvSpPr>
         <p:spPr>
           <a:xfrm>
-            <a:off x="2227941" y="4580646"/>
-            <a:ext cx="4923708" cy="369332"/>
+            <a:off x="2199712" y="3059668"/>
+            <a:ext cx="5262979" cy="369332"/>
           </a:xfrm>
           <a:prstGeom prst="rect">
             <a:avLst/>
@@ -6648,6 +6070,47 @@
           <a:noFill/>
         </p:spPr>
         <p:txBody>
+          <a:bodyPr wrap="none" rtlCol="0">
+            <a:spAutoFit/>
+          </a:bodyPr>
+          <a:lstStyle/>
+          <a:p>
+            <a:r>
+              <a:rPr lang="zh-CN" altLang="en-US" dirty="0">
+                <a:solidFill>
+                  <a:schemeClr val="bg1"/>
+                </a:solidFill>
+                <a:latin typeface="Microsoft JhengHei" panose="020B0604030504040204" pitchFamily="34" charset="-120"/>
+                <a:ea typeface="Microsoft JhengHei" panose="020B0604030504040204" pitchFamily="34" charset="-120"/>
+              </a:rPr>
+              <a:t>采用了多核设计，包括高效能核心和高能效核心。</a:t>
+            </a:r>
+          </a:p>
+        </p:txBody>
+      </p:sp>
+      <p:sp>
+        <p:nvSpPr>
+          <p:cNvPr id="12" name="文本框 11">
+            <a:extLst>
+              <a:ext uri="{FF2B5EF4-FFF2-40B4-BE49-F238E27FC236}">
+                <a16:creationId xmlns:a16="http://schemas.microsoft.com/office/drawing/2014/main" id="{FE275EBC-C627-8EF6-B41F-10C4997F24CC}"/>
+              </a:ext>
+            </a:extLst>
+          </p:cNvPr>
+          <p:cNvSpPr txBox="1"/>
+          <p:nvPr/>
+        </p:nvSpPr>
+        <p:spPr>
+          <a:xfrm>
+            <a:off x="2227941" y="4212631"/>
+            <a:ext cx="4986314" cy="646331"/>
+          </a:xfrm>
+          <a:prstGeom prst="rect">
+            <a:avLst/>
+          </a:prstGeom>
+          <a:noFill/>
+        </p:spPr>
+        <p:txBody>
           <a:bodyPr wrap="square" rtlCol="0">
             <a:spAutoFit/>
           </a:bodyPr>
@@ -6658,12 +6121,59 @@
                 <a:solidFill>
                   <a:schemeClr val="bg1"/>
                 </a:solidFill>
-                <a:effectLst/>
-                <a:latin typeface="Microsoft JhengHei" panose="020B0604030504040204" pitchFamily="34" charset="-120"/>
-                <a:ea typeface="Microsoft JhengHei" panose="020B0604030504040204" pitchFamily="34" charset="-120"/>
-              </a:rPr>
-              <a:t>低功耗与高性能兼备，超凡体验。</a:t>
-            </a:r>
+                <a:latin typeface="Microsoft JhengHei" panose="020B0604030504040204" pitchFamily="34" charset="-120"/>
+                <a:ea typeface="Microsoft JhengHei" panose="020B0604030504040204" pitchFamily="34" charset="-120"/>
+              </a:rPr>
+              <a:t>统一内存架构， </a:t>
+            </a:r>
+            <a:r>
+              <a:rPr lang="en-US" altLang="zh-CN" dirty="0">
+                <a:solidFill>
+                  <a:schemeClr val="bg1"/>
+                </a:solidFill>
+                <a:latin typeface="Microsoft JhengHei" panose="020B0604030504040204" pitchFamily="34" charset="-120"/>
+                <a:ea typeface="Microsoft JhengHei" panose="020B0604030504040204" pitchFamily="34" charset="-120"/>
+              </a:rPr>
+              <a:t>CPU</a:t>
+            </a:r>
+            <a:r>
+              <a:rPr lang="zh-CN" altLang="en-US" dirty="0">
+                <a:solidFill>
+                  <a:schemeClr val="bg1"/>
+                </a:solidFill>
+                <a:latin typeface="Microsoft JhengHei" panose="020B0604030504040204" pitchFamily="34" charset="-120"/>
+                <a:ea typeface="Microsoft JhengHei" panose="020B0604030504040204" pitchFamily="34" charset="-120"/>
+              </a:rPr>
+              <a:t>、</a:t>
+            </a:r>
+            <a:r>
+              <a:rPr lang="en-US" altLang="zh-CN" dirty="0">
+                <a:solidFill>
+                  <a:schemeClr val="bg1"/>
+                </a:solidFill>
+                <a:latin typeface="Microsoft JhengHei" panose="020B0604030504040204" pitchFamily="34" charset="-120"/>
+                <a:ea typeface="Microsoft JhengHei" panose="020B0604030504040204" pitchFamily="34" charset="-120"/>
+              </a:rPr>
+              <a:t>GPU </a:t>
+            </a:r>
+            <a:r>
+              <a:rPr lang="zh-CN" altLang="en-US" dirty="0">
+                <a:solidFill>
+                  <a:schemeClr val="bg1"/>
+                </a:solidFill>
+                <a:latin typeface="Microsoft JhengHei" panose="020B0604030504040204" pitchFamily="34" charset="-120"/>
+                <a:ea typeface="Microsoft JhengHei" panose="020B0604030504040204" pitchFamily="34" charset="-120"/>
+              </a:rPr>
+              <a:t>和其他处理单元共享同一块内存。</a:t>
+            </a:r>
+            <a:endParaRPr lang="zh-CN" altLang="en-US" dirty="0">
+              <a:solidFill>
+                <a:schemeClr val="bg1"/>
+              </a:solidFill>
+              <a:effectLst/>
+              <a:latin typeface="Microsoft JhengHei" panose="020B0604030504040204" pitchFamily="34" charset="-120"/>
+              <a:ea typeface="Microsoft JhengHei" panose="020B0604030504040204" pitchFamily="34" charset="-120"/>
+            </a:endParaRPr>
           </a:p>
         </p:txBody>
       </p:sp>
@@ -6681,6 +6191,745 @@
 </file>
 
 <file path=ppt/slides/slide6.xml><?xml version="1.0" encoding="utf-8"?>
+<p:sld xmlns:a="http://schemas.openxmlformats.org/drawingml/2006/main" xmlns:r="http://schemas.openxmlformats.org/officeDocument/2006/relationships" xmlns:p="http://schemas.openxmlformats.org/presentationml/2006/main">
+  <p:cSld>
+    <p:bg>
+      <p:bgPr>
+        <a:solidFill>
+          <a:schemeClr val="tx1"/>
+        </a:solidFill>
+        <a:effectLst/>
+      </p:bgPr>
+    </p:bg>
+    <p:spTree>
+      <p:nvGrpSpPr>
+        <p:cNvPr id="1" name="">
+          <a:extLst>
+            <a:ext uri="{FF2B5EF4-FFF2-40B4-BE49-F238E27FC236}">
+              <a16:creationId xmlns:a16="http://schemas.microsoft.com/office/drawing/2014/main" id="{DA67FBE2-C33E-0CCE-D163-C01E26280AF7}"/>
+            </a:ext>
+          </a:extLst>
+        </p:cNvPr>
+        <p:cNvGrpSpPr/>
+        <p:nvPr/>
+      </p:nvGrpSpPr>
+      <p:grpSpPr>
+        <a:xfrm>
+          <a:off x="0" y="0"/>
+          <a:ext cx="0" cy="0"/>
+          <a:chOff x="0" y="0"/>
+          <a:chExt cx="0" cy="0"/>
+        </a:xfrm>
+      </p:grpSpPr>
+      <p:sp>
+        <p:nvSpPr>
+          <p:cNvPr id="8" name="文本框 7">
+            <a:extLst>
+              <a:ext uri="{FF2B5EF4-FFF2-40B4-BE49-F238E27FC236}">
+                <a16:creationId xmlns:a16="http://schemas.microsoft.com/office/drawing/2014/main" id="{38C94C37-9FAC-D3B9-7AD6-2ADA7953DCA0}"/>
+              </a:ext>
+            </a:extLst>
+          </p:cNvPr>
+          <p:cNvSpPr txBox="1"/>
+          <p:nvPr/>
+        </p:nvSpPr>
+        <p:spPr>
+          <a:xfrm>
+            <a:off x="4977745" y="471566"/>
+            <a:ext cx="2518638" cy="707886"/>
+          </a:xfrm>
+          <a:prstGeom prst="rect">
+            <a:avLst/>
+          </a:prstGeom>
+          <a:noFill/>
+        </p:spPr>
+        <p:txBody>
+          <a:bodyPr wrap="none" rtlCol="0">
+            <a:spAutoFit/>
+          </a:bodyPr>
+          <a:lstStyle/>
+          <a:p>
+            <a:r>
+              <a:rPr lang="en-HK" altLang="zh-CN" sz="4000" dirty="0">
+                <a:gradFill>
+                  <a:gsLst>
+                    <a:gs pos="0">
+                      <a:schemeClr val="accent1">
+                        <a:lumMod val="5000"/>
+                        <a:lumOff val="95000"/>
+                      </a:schemeClr>
+                    </a:gs>
+                    <a:gs pos="74000">
+                      <a:schemeClr val="accent1">
+                        <a:lumMod val="45000"/>
+                        <a:lumOff val="55000"/>
+                      </a:schemeClr>
+                    </a:gs>
+                    <a:gs pos="83000">
+                      <a:schemeClr val="accent1">
+                        <a:lumMod val="45000"/>
+                        <a:lumOff val="55000"/>
+                      </a:schemeClr>
+                    </a:gs>
+                    <a:gs pos="100000">
+                      <a:schemeClr val="accent1">
+                        <a:lumMod val="30000"/>
+                        <a:lumOff val="70000"/>
+                      </a:schemeClr>
+                    </a:gs>
+                  </a:gsLst>
+                  <a:lin ang="5400000" scaled="1"/>
+                </a:gradFill>
+                <a:latin typeface="Microsoft JhengHei" panose="020B0604030504040204" pitchFamily="34" charset="-120"/>
+                <a:ea typeface="Microsoft JhengHei" panose="020B0604030504040204" pitchFamily="34" charset="-120"/>
+              </a:rPr>
+              <a:t>ARM </a:t>
+            </a:r>
+            <a:r>
+              <a:rPr lang="zh-CN" altLang="en-US" sz="4000" dirty="0">
+                <a:gradFill>
+                  <a:gsLst>
+                    <a:gs pos="0">
+                      <a:schemeClr val="accent1">
+                        <a:lumMod val="5000"/>
+                        <a:lumOff val="95000"/>
+                      </a:schemeClr>
+                    </a:gs>
+                    <a:gs pos="74000">
+                      <a:schemeClr val="accent1">
+                        <a:lumMod val="45000"/>
+                        <a:lumOff val="55000"/>
+                      </a:schemeClr>
+                    </a:gs>
+                    <a:gs pos="83000">
+                      <a:schemeClr val="accent1">
+                        <a:lumMod val="45000"/>
+                        <a:lumOff val="55000"/>
+                      </a:schemeClr>
+                    </a:gs>
+                    <a:gs pos="100000">
+                      <a:schemeClr val="accent1">
+                        <a:lumMod val="30000"/>
+                        <a:lumOff val="70000"/>
+                      </a:schemeClr>
+                    </a:gs>
+                  </a:gsLst>
+                  <a:lin ang="5400000" scaled="1"/>
+                </a:gradFill>
+                <a:latin typeface="Microsoft JhengHei" panose="020B0604030504040204" pitchFamily="34" charset="-120"/>
+                <a:ea typeface="Microsoft JhengHei" panose="020B0604030504040204" pitchFamily="34" charset="-120"/>
+              </a:rPr>
+              <a:t>架構</a:t>
+            </a:r>
+            <a:endParaRPr lang="zh-CN" altLang="en-US" sz="4000" b="1" dirty="0">
+              <a:gradFill>
+                <a:gsLst>
+                  <a:gs pos="0">
+                    <a:schemeClr val="accent1">
+                      <a:lumMod val="5000"/>
+                      <a:lumOff val="95000"/>
+                    </a:schemeClr>
+                  </a:gs>
+                  <a:gs pos="74000">
+                    <a:schemeClr val="accent1">
+                      <a:lumMod val="45000"/>
+                      <a:lumOff val="55000"/>
+                    </a:schemeClr>
+                  </a:gs>
+                  <a:gs pos="83000">
+                    <a:schemeClr val="accent1">
+                      <a:lumMod val="45000"/>
+                      <a:lumOff val="55000"/>
+                    </a:schemeClr>
+                  </a:gs>
+                  <a:gs pos="100000">
+                    <a:schemeClr val="accent1">
+                      <a:lumMod val="30000"/>
+                      <a:lumOff val="70000"/>
+                    </a:schemeClr>
+                  </a:gs>
+                </a:gsLst>
+                <a:lin ang="5400000" scaled="1"/>
+              </a:gradFill>
+              <a:latin typeface="Microsoft JhengHei" panose="020B0604030504040204" pitchFamily="34" charset="-120"/>
+              <a:ea typeface="Microsoft JhengHei" panose="020B0604030504040204" pitchFamily="34" charset="-120"/>
+            </a:endParaRPr>
+          </a:p>
+        </p:txBody>
+      </p:sp>
+      <p:cxnSp>
+        <p:nvCxnSpPr>
+          <p:cNvPr id="23" name="直線接點 6">
+            <a:extLst>
+              <a:ext uri="{FF2B5EF4-FFF2-40B4-BE49-F238E27FC236}">
+                <a16:creationId xmlns:a16="http://schemas.microsoft.com/office/drawing/2014/main" id="{B64F12BD-FD48-7F7E-8599-AF8DC3D12D26}"/>
+              </a:ext>
+            </a:extLst>
+          </p:cNvPr>
+          <p:cNvCxnSpPr/>
+          <p:nvPr/>
+        </p:nvCxnSpPr>
+        <p:spPr>
+          <a:xfrm>
+            <a:off x="2227941" y="1495312"/>
+            <a:ext cx="7236000" cy="0"/>
+          </a:xfrm>
+          <a:prstGeom prst="line">
+            <a:avLst/>
+          </a:prstGeom>
+          <a:ln w="15875" cmpd="sng">
+            <a:solidFill>
+              <a:schemeClr val="bg2"/>
+            </a:solidFill>
+          </a:ln>
+        </p:spPr>
+        <p:style>
+          <a:lnRef idx="1">
+            <a:schemeClr val="accent1"/>
+          </a:lnRef>
+          <a:fillRef idx="0">
+            <a:schemeClr val="accent1"/>
+          </a:fillRef>
+          <a:effectRef idx="0">
+            <a:schemeClr val="accent1"/>
+          </a:effectRef>
+          <a:fontRef idx="minor">
+            <a:schemeClr val="tx1"/>
+          </a:fontRef>
+        </p:style>
+      </p:cxnSp>
+      <p:pic>
+        <p:nvPicPr>
+          <p:cNvPr id="3" name="Picture 2">
+            <a:extLst>
+              <a:ext uri="{FF2B5EF4-FFF2-40B4-BE49-F238E27FC236}">
+                <a16:creationId xmlns:a16="http://schemas.microsoft.com/office/drawing/2014/main" id="{092A1720-570A-3172-E4AF-899A75EB9B62}"/>
+              </a:ext>
+            </a:extLst>
+          </p:cNvPr>
+          <p:cNvPicPr>
+            <a:picLocks noChangeAspect="1" noChangeArrowheads="1"/>
+          </p:cNvPicPr>
+          <p:nvPr/>
+        </p:nvPicPr>
+        <p:blipFill>
+          <a:blip r:embed="rId2"/>
+          <a:srcRect/>
+          <a:stretch/>
+        </p:blipFill>
+        <p:spPr bwMode="auto">
+          <a:xfrm>
+            <a:off x="7496383" y="1303925"/>
+            <a:ext cx="4527688" cy="5433227"/>
+          </a:xfrm>
+          <a:prstGeom prst="rect">
+            <a:avLst/>
+          </a:prstGeom>
+          <a:noFill/>
+          <a:extLst>
+            <a:ext uri="{909E8E84-426E-40DD-AFC4-6F175D3DCCD1}">
+              <a14:hiddenFill xmlns:a14="http://schemas.microsoft.com/office/drawing/2010/main">
+                <a:solidFill>
+                  <a:srgbClr val="FFFFFF"/>
+                </a:solidFill>
+              </a14:hiddenFill>
+            </a:ext>
+          </a:extLst>
+        </p:spPr>
+      </p:pic>
+      <p:sp>
+        <p:nvSpPr>
+          <p:cNvPr id="5" name="文本框 4">
+            <a:extLst>
+              <a:ext uri="{FF2B5EF4-FFF2-40B4-BE49-F238E27FC236}">
+                <a16:creationId xmlns:a16="http://schemas.microsoft.com/office/drawing/2014/main" id="{2BCD1820-B384-F3FE-D301-FB1B213902C7}"/>
+              </a:ext>
+            </a:extLst>
+          </p:cNvPr>
+          <p:cNvSpPr txBox="1"/>
+          <p:nvPr/>
+        </p:nvSpPr>
+        <p:spPr>
+          <a:xfrm>
+            <a:off x="2227941" y="1751866"/>
+            <a:ext cx="4986314" cy="369332"/>
+          </a:xfrm>
+          <a:prstGeom prst="rect">
+            <a:avLst/>
+          </a:prstGeom>
+          <a:noFill/>
+        </p:spPr>
+        <p:txBody>
+          <a:bodyPr wrap="square" rtlCol="0">
+            <a:spAutoFit/>
+          </a:bodyPr>
+          <a:lstStyle/>
+          <a:p>
+            <a:r>
+              <a:rPr lang="en-HK" altLang="zh-CN" dirty="0">
+                <a:solidFill>
+                  <a:schemeClr val="bg1"/>
+                </a:solidFill>
+                <a:latin typeface="Microsoft JhengHei" panose="020B0604030504040204" pitchFamily="34" charset="-120"/>
+                <a:ea typeface="Microsoft JhengHei" panose="020B0604030504040204" pitchFamily="34" charset="-120"/>
+              </a:rPr>
+              <a:t>ARM </a:t>
+            </a:r>
+            <a:r>
+              <a:rPr lang="zh-CN" altLang="en-US" dirty="0">
+                <a:solidFill>
+                  <a:schemeClr val="bg1"/>
+                </a:solidFill>
+                <a:latin typeface="Microsoft JhengHei" panose="020B0604030504040204" pitchFamily="34" charset="-120"/>
+                <a:ea typeface="Microsoft JhengHei" panose="020B0604030504040204" pitchFamily="34" charset="-120"/>
+              </a:rPr>
+              <a:t>架構屬於精簡指令集架構 </a:t>
+            </a:r>
+            <a:r>
+              <a:rPr lang="en-US" altLang="zh-CN" dirty="0">
+                <a:solidFill>
+                  <a:schemeClr val="bg1"/>
+                </a:solidFill>
+                <a:latin typeface="Microsoft JhengHei" panose="020B0604030504040204" pitchFamily="34" charset="-120"/>
+                <a:ea typeface="Microsoft JhengHei" panose="020B0604030504040204" pitchFamily="34" charset="-120"/>
+              </a:rPr>
+              <a:t>(</a:t>
+            </a:r>
+            <a:r>
+              <a:rPr lang="en-HK" altLang="zh-CN" dirty="0">
+                <a:solidFill>
+                  <a:schemeClr val="bg1"/>
+                </a:solidFill>
+                <a:latin typeface="Microsoft JhengHei" panose="020B0604030504040204" pitchFamily="34" charset="-120"/>
+                <a:ea typeface="Microsoft JhengHei" panose="020B0604030504040204" pitchFamily="34" charset="-120"/>
+              </a:rPr>
+              <a:t>RISC)</a:t>
+            </a:r>
+            <a:r>
+              <a:rPr lang="zh-CN" altLang="en-US" dirty="0">
+                <a:solidFill>
+                  <a:schemeClr val="bg1"/>
+                </a:solidFill>
+                <a:effectLst/>
+                <a:latin typeface="Microsoft JhengHei" panose="020B0604030504040204" pitchFamily="34" charset="-120"/>
+                <a:ea typeface="Microsoft JhengHei" panose="020B0604030504040204" pitchFamily="34" charset="-120"/>
+              </a:rPr>
+              <a:t> 。</a:t>
+            </a:r>
+          </a:p>
+        </p:txBody>
+      </p:sp>
+      <p:sp>
+        <p:nvSpPr>
+          <p:cNvPr id="6" name="文本框 5">
+            <a:extLst>
+              <a:ext uri="{FF2B5EF4-FFF2-40B4-BE49-F238E27FC236}">
+                <a16:creationId xmlns:a16="http://schemas.microsoft.com/office/drawing/2014/main" id="{C5A6EEE4-6E46-CA1C-4063-75118E5B4A41}"/>
+              </a:ext>
+            </a:extLst>
+          </p:cNvPr>
+          <p:cNvSpPr txBox="1"/>
+          <p:nvPr/>
+        </p:nvSpPr>
+        <p:spPr>
+          <a:xfrm>
+            <a:off x="2227941" y="2377751"/>
+            <a:ext cx="4875911" cy="369332"/>
+          </a:xfrm>
+          <a:prstGeom prst="rect">
+            <a:avLst/>
+          </a:prstGeom>
+          <a:noFill/>
+        </p:spPr>
+        <p:txBody>
+          <a:bodyPr wrap="square" rtlCol="0">
+            <a:spAutoFit/>
+          </a:bodyPr>
+          <a:lstStyle/>
+          <a:p>
+            <a:r>
+              <a:rPr lang="zh-CN" altLang="en-US" dirty="0">
+                <a:solidFill>
+                  <a:schemeClr val="bg1"/>
+                </a:solidFill>
+                <a:latin typeface="Microsoft JhengHei" panose="020B0604030504040204" pitchFamily="34" charset="-120"/>
+                <a:ea typeface="Microsoft JhengHei" panose="020B0604030504040204" pitchFamily="34" charset="-120"/>
+              </a:rPr>
+              <a:t>精簡指令集架構的特點</a:t>
+            </a:r>
+            <a:r>
+              <a:rPr lang="en-US" altLang="zh-CN" dirty="0">
+                <a:solidFill>
+                  <a:schemeClr val="bg1"/>
+                </a:solidFill>
+                <a:latin typeface="Microsoft JhengHei" panose="020B0604030504040204" pitchFamily="34" charset="-120"/>
+                <a:ea typeface="Microsoft JhengHei" panose="020B0604030504040204" pitchFamily="34" charset="-120"/>
+              </a:rPr>
+              <a:t>:</a:t>
+            </a:r>
+            <a:endParaRPr lang="en-HK" altLang="zh-CN" dirty="0">
+              <a:solidFill>
+                <a:schemeClr val="bg1"/>
+              </a:solidFill>
+              <a:latin typeface="Microsoft JhengHei" panose="020B0604030504040204" pitchFamily="34" charset="-120"/>
+              <a:ea typeface="Microsoft JhengHei" panose="020B0604030504040204" pitchFamily="34" charset="-120"/>
+            </a:endParaRPr>
+          </a:p>
+        </p:txBody>
+      </p:sp>
+      <p:sp>
+        <p:nvSpPr>
+          <p:cNvPr id="4" name="文本框 3">
+            <a:extLst>
+              <a:ext uri="{FF2B5EF4-FFF2-40B4-BE49-F238E27FC236}">
+                <a16:creationId xmlns:a16="http://schemas.microsoft.com/office/drawing/2014/main" id="{1447DBB7-8DC2-DA5B-5E9E-FB447F820C01}"/>
+              </a:ext>
+            </a:extLst>
+          </p:cNvPr>
+          <p:cNvSpPr txBox="1"/>
+          <p:nvPr/>
+        </p:nvSpPr>
+        <p:spPr>
+          <a:xfrm>
+            <a:off x="2227940" y="3003636"/>
+            <a:ext cx="4875911" cy="1200329"/>
+          </a:xfrm>
+          <a:prstGeom prst="rect">
+            <a:avLst/>
+          </a:prstGeom>
+          <a:noFill/>
+        </p:spPr>
+        <p:txBody>
+          <a:bodyPr wrap="square" rtlCol="0">
+            <a:spAutoFit/>
+          </a:bodyPr>
+          <a:lstStyle/>
+          <a:p>
+            <a:r>
+              <a:rPr lang="en-US" altLang="zh-CN" dirty="0">
+                <a:solidFill>
+                  <a:schemeClr val="bg1"/>
+                </a:solidFill>
+                <a:latin typeface="Microsoft JhengHei" panose="020B0604030504040204" pitchFamily="34" charset="-120"/>
+                <a:ea typeface="Microsoft JhengHei" panose="020B0604030504040204" pitchFamily="34" charset="-120"/>
+              </a:rPr>
+              <a:t>	1. </a:t>
+            </a:r>
+            <a:r>
+              <a:rPr lang="zh-CN" altLang="en-US" dirty="0">
+                <a:solidFill>
+                  <a:schemeClr val="bg1"/>
+                </a:solidFill>
+                <a:latin typeface="Microsoft JhengHei" panose="020B0604030504040204" pitchFamily="34" charset="-120"/>
+                <a:ea typeface="Microsoft JhengHei" panose="020B0604030504040204" pitchFamily="34" charset="-120"/>
+              </a:rPr>
+              <a:t>指令集簡單</a:t>
+            </a:r>
+            <a:endParaRPr lang="en-US" altLang="zh-CN" dirty="0">
+              <a:solidFill>
+                <a:schemeClr val="bg1"/>
+              </a:solidFill>
+              <a:latin typeface="Microsoft JhengHei" panose="020B0604030504040204" pitchFamily="34" charset="-120"/>
+              <a:ea typeface="Microsoft JhengHei" panose="020B0604030504040204" pitchFamily="34" charset="-120"/>
+            </a:endParaRPr>
+          </a:p>
+          <a:p>
+            <a:r>
+              <a:rPr lang="en-US" altLang="zh-CN" dirty="0">
+                <a:solidFill>
+                  <a:schemeClr val="bg1"/>
+                </a:solidFill>
+                <a:latin typeface="Microsoft JhengHei" panose="020B0604030504040204" pitchFamily="34" charset="-120"/>
+                <a:ea typeface="Microsoft JhengHei" panose="020B0604030504040204" pitchFamily="34" charset="-120"/>
+              </a:rPr>
+              <a:t>	2.</a:t>
+            </a:r>
+            <a:r>
+              <a:rPr lang="zh-CN" altLang="en-US" dirty="0">
+                <a:solidFill>
+                  <a:schemeClr val="bg1"/>
+                </a:solidFill>
+                <a:latin typeface="Microsoft JhengHei" panose="020B0604030504040204" pitchFamily="34" charset="-120"/>
+                <a:ea typeface="Microsoft JhengHei" panose="020B0604030504040204" pitchFamily="34" charset="-120"/>
+              </a:rPr>
+              <a:t>單週期指令執行</a:t>
+            </a:r>
+            <a:endParaRPr lang="en-US" altLang="zh-CN" dirty="0">
+              <a:solidFill>
+                <a:schemeClr val="bg1"/>
+              </a:solidFill>
+              <a:latin typeface="Microsoft JhengHei" panose="020B0604030504040204" pitchFamily="34" charset="-120"/>
+              <a:ea typeface="Microsoft JhengHei" panose="020B0604030504040204" pitchFamily="34" charset="-120"/>
+            </a:endParaRPr>
+          </a:p>
+          <a:p>
+            <a:r>
+              <a:rPr lang="en-US" altLang="zh-CN" dirty="0">
+                <a:solidFill>
+                  <a:schemeClr val="bg1"/>
+                </a:solidFill>
+                <a:latin typeface="Microsoft JhengHei" panose="020B0604030504040204" pitchFamily="34" charset="-120"/>
+                <a:ea typeface="Microsoft JhengHei" panose="020B0604030504040204" pitchFamily="34" charset="-120"/>
+              </a:rPr>
+              <a:t>	3.</a:t>
+            </a:r>
+            <a:r>
+              <a:rPr lang="zh-CN" altLang="en-US" dirty="0">
+                <a:solidFill>
+                  <a:schemeClr val="bg1"/>
+                </a:solidFill>
+                <a:latin typeface="Microsoft JhengHei" panose="020B0604030504040204" pitchFamily="34" charset="-120"/>
+                <a:ea typeface="Microsoft JhengHei" panose="020B0604030504040204" pitchFamily="34" charset="-120"/>
+              </a:rPr>
+              <a:t>大量的通用寄存器</a:t>
+            </a:r>
+            <a:endParaRPr lang="en-US" altLang="zh-CN" dirty="0">
+              <a:solidFill>
+                <a:schemeClr val="bg1"/>
+              </a:solidFill>
+              <a:latin typeface="Microsoft JhengHei" panose="020B0604030504040204" pitchFamily="34" charset="-120"/>
+              <a:ea typeface="Microsoft JhengHei" panose="020B0604030504040204" pitchFamily="34" charset="-120"/>
+            </a:endParaRPr>
+          </a:p>
+          <a:p>
+            <a:r>
+              <a:rPr lang="en-US" altLang="zh-CN" dirty="0">
+                <a:solidFill>
+                  <a:schemeClr val="bg1"/>
+                </a:solidFill>
+                <a:latin typeface="Microsoft JhengHei" panose="020B0604030504040204" pitchFamily="34" charset="-120"/>
+                <a:ea typeface="Microsoft JhengHei" panose="020B0604030504040204" pitchFamily="34" charset="-120"/>
+              </a:rPr>
+              <a:t>	4.</a:t>
+            </a:r>
+            <a:r>
+              <a:rPr lang="zh-CN" altLang="en-US" dirty="0">
+                <a:solidFill>
+                  <a:schemeClr val="bg1"/>
+                </a:solidFill>
+                <a:latin typeface="Microsoft JhengHei" panose="020B0604030504040204" pitchFamily="34" charset="-120"/>
+                <a:ea typeface="Microsoft JhengHei" panose="020B0604030504040204" pitchFamily="34" charset="-120"/>
+              </a:rPr>
+              <a:t>載入</a:t>
+            </a:r>
+            <a:r>
+              <a:rPr lang="en-US" altLang="zh-CN" dirty="0">
+                <a:solidFill>
+                  <a:schemeClr val="bg1"/>
+                </a:solidFill>
+                <a:latin typeface="Microsoft JhengHei" panose="020B0604030504040204" pitchFamily="34" charset="-120"/>
+                <a:ea typeface="Microsoft JhengHei" panose="020B0604030504040204" pitchFamily="34" charset="-120"/>
+              </a:rPr>
+              <a:t>-</a:t>
+            </a:r>
+            <a:r>
+              <a:rPr lang="zh-CN" altLang="en-US" dirty="0">
+                <a:solidFill>
+                  <a:schemeClr val="bg1"/>
+                </a:solidFill>
+                <a:latin typeface="Microsoft JhengHei" panose="020B0604030504040204" pitchFamily="34" charset="-120"/>
+                <a:ea typeface="Microsoft JhengHei" panose="020B0604030504040204" pitchFamily="34" charset="-120"/>
+              </a:rPr>
+              <a:t>存儲架構</a:t>
+            </a:r>
+            <a:endParaRPr lang="en-HK" altLang="zh-CN" dirty="0">
+              <a:solidFill>
+                <a:schemeClr val="bg1"/>
+              </a:solidFill>
+              <a:latin typeface="Microsoft JhengHei" panose="020B0604030504040204" pitchFamily="34" charset="-120"/>
+              <a:ea typeface="Microsoft JhengHei" panose="020B0604030504040204" pitchFamily="34" charset="-120"/>
+            </a:endParaRPr>
+          </a:p>
+        </p:txBody>
+      </p:sp>
+      <p:sp>
+        <p:nvSpPr>
+          <p:cNvPr id="7" name="文本框 6">
+            <a:extLst>
+              <a:ext uri="{FF2B5EF4-FFF2-40B4-BE49-F238E27FC236}">
+                <a16:creationId xmlns:a16="http://schemas.microsoft.com/office/drawing/2014/main" id="{80CA5442-06BE-AFD0-6885-025F2FC69E80}"/>
+              </a:ext>
+            </a:extLst>
+          </p:cNvPr>
+          <p:cNvSpPr txBox="1"/>
+          <p:nvPr/>
+        </p:nvSpPr>
+        <p:spPr>
+          <a:xfrm>
+            <a:off x="2227939" y="4460518"/>
+            <a:ext cx="4875911" cy="369332"/>
+          </a:xfrm>
+          <a:prstGeom prst="rect">
+            <a:avLst/>
+          </a:prstGeom>
+          <a:noFill/>
+        </p:spPr>
+        <p:txBody>
+          <a:bodyPr wrap="square" rtlCol="0">
+            <a:spAutoFit/>
+          </a:bodyPr>
+          <a:lstStyle/>
+          <a:p>
+            <a:r>
+              <a:rPr lang="zh-CN" altLang="en-US" dirty="0">
+                <a:solidFill>
+                  <a:schemeClr val="bg1"/>
+                </a:solidFill>
+                <a:latin typeface="Microsoft JhengHei" panose="020B0604030504040204" pitchFamily="34" charset="-120"/>
+                <a:ea typeface="Microsoft JhengHei" panose="020B0604030504040204" pitchFamily="34" charset="-120"/>
+              </a:rPr>
+              <a:t>精簡指令集架構的優點</a:t>
+            </a:r>
+            <a:r>
+              <a:rPr lang="en-US" altLang="zh-CN" dirty="0">
+                <a:solidFill>
+                  <a:schemeClr val="bg1"/>
+                </a:solidFill>
+                <a:latin typeface="Microsoft JhengHei" panose="020B0604030504040204" pitchFamily="34" charset="-120"/>
+                <a:ea typeface="Microsoft JhengHei" panose="020B0604030504040204" pitchFamily="34" charset="-120"/>
+              </a:rPr>
+              <a:t>:</a:t>
+            </a:r>
+            <a:endParaRPr lang="en-HK" altLang="zh-CN" dirty="0">
+              <a:solidFill>
+                <a:schemeClr val="bg1"/>
+              </a:solidFill>
+              <a:latin typeface="Microsoft JhengHei" panose="020B0604030504040204" pitchFamily="34" charset="-120"/>
+              <a:ea typeface="Microsoft JhengHei" panose="020B0604030504040204" pitchFamily="34" charset="-120"/>
+            </a:endParaRPr>
+          </a:p>
+        </p:txBody>
+      </p:sp>
+      <p:sp>
+        <p:nvSpPr>
+          <p:cNvPr id="9" name="文本框 8">
+            <a:extLst>
+              <a:ext uri="{FF2B5EF4-FFF2-40B4-BE49-F238E27FC236}">
+                <a16:creationId xmlns:a16="http://schemas.microsoft.com/office/drawing/2014/main" id="{168CF4C8-F1CC-A9DA-588E-E54EA381C4E3}"/>
+              </a:ext>
+            </a:extLst>
+          </p:cNvPr>
+          <p:cNvSpPr txBox="1"/>
+          <p:nvPr/>
+        </p:nvSpPr>
+        <p:spPr>
+          <a:xfrm>
+            <a:off x="2329289" y="5086403"/>
+            <a:ext cx="4875911" cy="923330"/>
+          </a:xfrm>
+          <a:prstGeom prst="rect">
+            <a:avLst/>
+          </a:prstGeom>
+          <a:noFill/>
+        </p:spPr>
+        <p:txBody>
+          <a:bodyPr wrap="square" rtlCol="0">
+            <a:spAutoFit/>
+          </a:bodyPr>
+          <a:lstStyle/>
+          <a:p>
+            <a:r>
+              <a:rPr lang="en-US" altLang="zh-CN" dirty="0">
+                <a:solidFill>
+                  <a:schemeClr val="bg1"/>
+                </a:solidFill>
+                <a:latin typeface="Microsoft JhengHei" panose="020B0604030504040204" pitchFamily="34" charset="-120"/>
+                <a:ea typeface="Microsoft JhengHei" panose="020B0604030504040204" pitchFamily="34" charset="-120"/>
+              </a:rPr>
+              <a:t>	1.</a:t>
+            </a:r>
+            <a:r>
+              <a:rPr lang="zh-CN" altLang="en-US" dirty="0">
+                <a:solidFill>
+                  <a:schemeClr val="bg1"/>
+                </a:solidFill>
+                <a:latin typeface="Microsoft JhengHei" panose="020B0604030504040204" pitchFamily="34" charset="-120"/>
+                <a:ea typeface="Microsoft JhengHei" panose="020B0604030504040204" pitchFamily="34" charset="-120"/>
+              </a:rPr>
+              <a:t>高性能和高能效</a:t>
+            </a:r>
+            <a:endParaRPr lang="en-US" altLang="zh-CN" dirty="0">
+              <a:solidFill>
+                <a:schemeClr val="bg1"/>
+              </a:solidFill>
+              <a:latin typeface="Microsoft JhengHei" panose="020B0604030504040204" pitchFamily="34" charset="-120"/>
+              <a:ea typeface="Microsoft JhengHei" panose="020B0604030504040204" pitchFamily="34" charset="-120"/>
+            </a:endParaRPr>
+          </a:p>
+          <a:p>
+            <a:r>
+              <a:rPr lang="en-US" altLang="zh-CN" dirty="0">
+                <a:solidFill>
+                  <a:schemeClr val="bg1"/>
+                </a:solidFill>
+                <a:latin typeface="Microsoft JhengHei" panose="020B0604030504040204" pitchFamily="34" charset="-120"/>
+                <a:ea typeface="Microsoft JhengHei" panose="020B0604030504040204" pitchFamily="34" charset="-120"/>
+              </a:rPr>
+              <a:t>	2.</a:t>
+            </a:r>
+            <a:r>
+              <a:rPr lang="zh-CN" altLang="en-US" dirty="0">
+                <a:solidFill>
+                  <a:schemeClr val="bg1"/>
+                </a:solidFill>
+                <a:latin typeface="Microsoft JhengHei" panose="020B0604030504040204" pitchFamily="34" charset="-120"/>
+                <a:ea typeface="Microsoft JhengHei" panose="020B0604030504040204" pitchFamily="34" charset="-120"/>
+              </a:rPr>
+              <a:t>簡單的設計</a:t>
+            </a:r>
+            <a:endParaRPr lang="en-US" altLang="zh-CN" dirty="0">
+              <a:solidFill>
+                <a:schemeClr val="bg1"/>
+              </a:solidFill>
+              <a:latin typeface="Microsoft JhengHei" panose="020B0604030504040204" pitchFamily="34" charset="-120"/>
+              <a:ea typeface="Microsoft JhengHei" panose="020B0604030504040204" pitchFamily="34" charset="-120"/>
+            </a:endParaRPr>
+          </a:p>
+          <a:p>
+            <a:r>
+              <a:rPr lang="en-US" altLang="zh-CN" dirty="0">
+                <a:solidFill>
+                  <a:schemeClr val="bg1"/>
+                </a:solidFill>
+                <a:latin typeface="Microsoft JhengHei" panose="020B0604030504040204" pitchFamily="34" charset="-120"/>
+                <a:ea typeface="Microsoft JhengHei" panose="020B0604030504040204" pitchFamily="34" charset="-120"/>
+              </a:rPr>
+              <a:t>	3.</a:t>
+            </a:r>
+            <a:r>
+              <a:rPr lang="zh-CN" altLang="en-US" dirty="0">
+                <a:solidFill>
+                  <a:schemeClr val="bg1"/>
+                </a:solidFill>
+                <a:latin typeface="Microsoft JhengHei" panose="020B0604030504040204" pitchFamily="34" charset="-120"/>
+                <a:ea typeface="Microsoft JhengHei" panose="020B0604030504040204" pitchFamily="34" charset="-120"/>
+              </a:rPr>
+              <a:t>便於擴展</a:t>
+            </a:r>
+            <a:endParaRPr lang="en-US" altLang="zh-CN" dirty="0">
+              <a:solidFill>
+                <a:schemeClr val="bg1"/>
+              </a:solidFill>
+              <a:latin typeface="Microsoft JhengHei" panose="020B0604030504040204" pitchFamily="34" charset="-120"/>
+              <a:ea typeface="Microsoft JhengHei" panose="020B0604030504040204" pitchFamily="34" charset="-120"/>
+            </a:endParaRPr>
+          </a:p>
+        </p:txBody>
+      </p:sp>
+    </p:spTree>
+    <p:extLst>
+      <p:ext uri="{BB962C8B-B14F-4D97-AF65-F5344CB8AC3E}">
+        <p14:creationId xmlns:p14="http://schemas.microsoft.com/office/powerpoint/2010/main" val="3886565518"/>
+      </p:ext>
+    </p:extLst>
+  </p:cSld>
+  <p:clrMapOvr>
+    <a:masterClrMapping/>
+  </p:clrMapOvr>
+</p:sld>
+</file>
+
+<file path=ppt/slides/slide7.xml><?xml version="1.0" encoding="utf-8"?>
 <p:sld xmlns:a="http://schemas.openxmlformats.org/drawingml/2006/main" xmlns:r="http://schemas.openxmlformats.org/officeDocument/2006/relationships" xmlns:p="http://schemas.openxmlformats.org/presentationml/2006/main">
   <p:cSld>
     <p:bg>
@@ -6848,7 +7097,7 @@
                 <a:latin typeface="Microsoft JhengHei" panose="020B0604030504040204" pitchFamily="34" charset="-120"/>
                 <a:ea typeface="Microsoft JhengHei" panose="020B0604030504040204" pitchFamily="34" charset="-120"/>
               </a:rPr>
-              <a:t>芯片以更低的功耗，提供远超传统 </a:t>
+              <a:t>晶片以更低的功耗，提供遠超傳統 </a:t>
             </a:r>
             <a:r>
               <a:rPr lang="en" altLang="zh-CN" sz="2000" b="1" dirty="0">
@@ -6922,7 +7171,7 @@
                 <a:latin typeface="Microsoft JhengHei" panose="020B0604030504040204" pitchFamily="34" charset="-120"/>
                 <a:ea typeface="Microsoft JhengHei" panose="020B0604030504040204" pitchFamily="34" charset="-120"/>
               </a:rPr>
-              <a:t>芯片的卓越性能。</a:t>
+              <a:t>晶片的卓越性能。</a:t>
             </a:r>
           </a:p>
         </p:txBody>
@@ -6970,7 +7219,7 @@
 </p:sld>
 </file>
 
-<file path=ppt/slides/slide7.xml><?xml version="1.0" encoding="utf-8"?>
+<file path=ppt/slides/slide8.xml><?xml version="1.0" encoding="utf-8"?>
 <p:sld xmlns:a="http://schemas.openxmlformats.org/drawingml/2006/main" xmlns:r="http://schemas.openxmlformats.org/officeDocument/2006/relationships" xmlns:p="http://schemas.openxmlformats.org/presentationml/2006/main">
   <p:cSld>
     <p:bg>
@@ -7108,7 +7357,7 @@
 </p:sld>
 </file>
 
-<file path=ppt/slides/slide8.xml><?xml version="1.0" encoding="utf-8"?>
+<file path=ppt/slides/slide9.xml><?xml version="1.0" encoding="utf-8"?>
 <p:sld xmlns:a="http://schemas.openxmlformats.org/drawingml/2006/main" xmlns:r="http://schemas.openxmlformats.org/officeDocument/2006/relationships" xmlns:p="http://schemas.openxmlformats.org/presentationml/2006/main">
   <p:cSld>
     <p:bg>

--- a/Apple.pptx
+++ b/Apple.pptx
@@ -11,7 +11,7 @@
     <p:sldId id="260" r:id="rId2"/>
     <p:sldId id="263" r:id="rId3"/>
     <p:sldId id="267" r:id="rId4"/>
-    <p:sldId id="268" r:id="rId5"/>
+    <p:sldId id="273" r:id="rId5"/>
     <p:sldId id="269" r:id="rId6"/>
     <p:sldId id="272" r:id="rId7"/>
     <p:sldId id="271" r:id="rId8"/>
@@ -121,14 +121,6 @@
     </p:ext>
   </p:extLst>
 </p:presentation>
-</file>
-
-<file path=ppt/revisionInfo.xml><?xml version="1.0" encoding="utf-8"?>
-<p1510:revInfo xmlns:a="http://schemas.openxmlformats.org/drawingml/2006/main" xmlns:r="http://schemas.openxmlformats.org/officeDocument/2006/relationships" xmlns:p1510="http://schemas.microsoft.com/office/powerpoint/2015/10/main">
-  <p1510:revLst>
-    <p1510:client id="{A8366671-F529-4DA2-952B-8873624F4D5E}" v="9" dt="2024-11-06T05:49:00.830"/>
-  </p1510:revLst>
-</p1510:revInfo>
 </file>
 
 <file path=ppt/notesMasters/notesMaster1.xml><?xml version="1.0" encoding="utf-8"?>
@@ -4646,7 +4638,7 @@
           <a:lstStyle/>
           <a:p>
             <a:r>
-              <a:rPr lang="zh-CN" altLang="en-US">
+              <a:rPr lang="zh-CN" altLang="en-US" dirty="0">
                 <a:solidFill>
                   <a:schemeClr val="bg1"/>
                 </a:solidFill>
@@ -4687,7 +4679,7 @@
           <a:lstStyle/>
           <a:p>
             <a:r>
-              <a:rPr lang="zh-CN" altLang="en-US">
+              <a:rPr lang="zh-CN" altLang="en-US" dirty="0">
                 <a:solidFill>
                   <a:schemeClr val="bg1"/>
                 </a:solidFill>
@@ -4728,7 +4720,7 @@
           <a:lstStyle/>
           <a:p>
             <a:r>
-              <a:rPr lang="zh-CN" altLang="en-US">
+              <a:rPr lang="zh-CN" altLang="en-US" dirty="0">
                 <a:solidFill>
                   <a:schemeClr val="bg1"/>
                 </a:solidFill>
@@ -4810,7 +4802,7 @@
           <a:lstStyle/>
           <a:p>
             <a:r>
-              <a:rPr lang="zh-CN" altLang="en-US">
+              <a:rPr lang="zh-CN" altLang="en-US" dirty="0">
                 <a:solidFill>
                   <a:schemeClr val="bg1"/>
                 </a:solidFill>
@@ -5168,7 +5160,7 @@
         </p:nvSpPr>
         <p:spPr>
           <a:xfrm>
-            <a:off x="2227941" y="2460703"/>
+            <a:off x="2227941" y="1811173"/>
             <a:ext cx="3831719" cy="369332"/>
           </a:xfrm>
           <a:prstGeom prst="rect">
@@ -5183,7 +5175,7 @@
           <a:lstStyle/>
           <a:p>
             <a:r>
-              <a:rPr lang="zh-CN" altLang="en-US">
+              <a:rPr lang="zh-CN" altLang="en-US" dirty="0">
                 <a:solidFill>
                   <a:schemeClr val="bg1"/>
                 </a:solidFill>
@@ -5193,7 +5185,7 @@
               <a:t>蘋果晶片的演進：從 </a:t>
             </a:r>
             <a:r>
-              <a:rPr lang="en-HK" altLang="zh-CN" b="1">
+              <a:rPr lang="en-HK" altLang="zh-CN" b="1" dirty="0">
                 <a:solidFill>
                   <a:schemeClr val="bg1"/>
                 </a:solidFill>
@@ -5203,7 +5195,7 @@
               <a:t>Intel</a:t>
             </a:r>
             <a:r>
-              <a:rPr lang="en-HK" altLang="zh-CN">
+              <a:rPr lang="en-HK" altLang="zh-CN" dirty="0">
                 <a:solidFill>
                   <a:schemeClr val="bg1"/>
                 </a:solidFill>
@@ -5213,7 +5205,7 @@
               <a:t> </a:t>
             </a:r>
             <a:r>
-              <a:rPr lang="zh-CN" altLang="en-US">
+              <a:rPr lang="zh-CN" altLang="en-US" dirty="0">
                 <a:solidFill>
                   <a:schemeClr val="bg1"/>
                 </a:solidFill>
@@ -5223,7 +5215,7 @@
               <a:t>到 </a:t>
             </a:r>
             <a:r>
-              <a:rPr lang="en-HK" altLang="zh-CN" b="1">
+              <a:rPr lang="en-HK" altLang="zh-CN" b="1" dirty="0">
                 <a:solidFill>
                   <a:schemeClr val="bg1"/>
                 </a:solidFill>
@@ -5232,13 +5224,6 @@
               </a:rPr>
               <a:t>ARM</a:t>
             </a:r>
-            <a:endParaRPr lang="zh-CN" altLang="en-US" b="1">
-              <a:solidFill>
-                <a:schemeClr val="bg1"/>
-              </a:solidFill>
-              <a:latin typeface="Microsoft JhengHei" panose="020B0604030504040204" pitchFamily="34" charset="-120"/>
-              <a:ea typeface="Microsoft JhengHei" panose="020B0604030504040204" pitchFamily="34" charset="-120"/>
-            </a:endParaRPr>
           </a:p>
         </p:txBody>
       </p:sp>
@@ -5256,7 +5241,7 @@
         </p:nvSpPr>
         <p:spPr>
           <a:xfrm>
-            <a:off x="2227941" y="4580646"/>
+            <a:off x="2227941" y="3766332"/>
             <a:ext cx="4332693" cy="369332"/>
           </a:xfrm>
           <a:prstGeom prst="rect">
@@ -5271,7 +5256,7 @@
           <a:lstStyle/>
           <a:p>
             <a:r>
-              <a:rPr lang="zh-CN" altLang="en-US">
+              <a:rPr lang="zh-CN" altLang="en-US" dirty="0">
                 <a:solidFill>
                   <a:schemeClr val="bg1"/>
                 </a:solidFill>
@@ -5281,7 +5266,7 @@
               <a:t>自研晶片的動機：</a:t>
             </a:r>
             <a:r>
-              <a:rPr lang="zh-CN" altLang="en-US" b="1">
+              <a:rPr lang="zh-CN" altLang="en-US" b="1" dirty="0">
                 <a:solidFill>
                   <a:schemeClr val="bg1"/>
                 </a:solidFill>
@@ -5291,7 +5276,7 @@
               <a:t>性能</a:t>
             </a:r>
             <a:r>
-              <a:rPr lang="zh-CN" altLang="en-US">
+              <a:rPr lang="zh-CN" altLang="en-US" dirty="0">
                 <a:solidFill>
                   <a:schemeClr val="bg1"/>
                 </a:solidFill>
@@ -5301,7 +5286,7 @@
               <a:t>、</a:t>
             </a:r>
             <a:r>
-              <a:rPr lang="zh-CN" altLang="en-US" b="1">
+              <a:rPr lang="zh-CN" altLang="en-US" b="1" dirty="0">
                 <a:solidFill>
                   <a:schemeClr val="bg1"/>
                 </a:solidFill>
@@ -5311,7 +5296,7 @@
               <a:t>功耗</a:t>
             </a:r>
             <a:r>
-              <a:rPr lang="zh-CN" altLang="en-US">
+              <a:rPr lang="zh-CN" altLang="en-US" dirty="0">
                 <a:solidFill>
                   <a:schemeClr val="bg1"/>
                 </a:solidFill>
@@ -5321,7 +5306,7 @@
               <a:t>、</a:t>
             </a:r>
             <a:r>
-              <a:rPr lang="zh-CN" altLang="en-US" b="1">
+              <a:rPr lang="zh-CN" altLang="en-US" b="1" dirty="0">
                 <a:solidFill>
                   <a:schemeClr val="bg1"/>
                 </a:solidFill>
@@ -5329,6 +5314,188 @@
                 <a:ea typeface="Microsoft JhengHei" panose="020B0604030504040204" pitchFamily="34" charset="-120"/>
               </a:rPr>
               <a:t>生態</a:t>
+            </a:r>
+          </a:p>
+        </p:txBody>
+      </p:sp>
+      <p:sp>
+        <p:nvSpPr>
+          <p:cNvPr id="2" name="文本框 1">
+            <a:extLst>
+              <a:ext uri="{FF2B5EF4-FFF2-40B4-BE49-F238E27FC236}">
+                <a16:creationId xmlns:a16="http://schemas.microsoft.com/office/drawing/2014/main" id="{BC986F44-7D6E-D54A-B726-1903F2D0445A}"/>
+              </a:ext>
+            </a:extLst>
+          </p:cNvPr>
+          <p:cNvSpPr txBox="1"/>
+          <p:nvPr/>
+        </p:nvSpPr>
+        <p:spPr>
+          <a:xfrm>
+            <a:off x="2227941" y="2496365"/>
+            <a:ext cx="4986314" cy="738664"/>
+          </a:xfrm>
+          <a:prstGeom prst="rect">
+            <a:avLst/>
+          </a:prstGeom>
+          <a:noFill/>
+        </p:spPr>
+        <p:txBody>
+          <a:bodyPr wrap="square" rtlCol="0">
+            <a:spAutoFit/>
+          </a:bodyPr>
+          <a:lstStyle/>
+          <a:p>
+            <a:r>
+              <a:rPr lang="en-US" altLang="zh-CN" sz="1400" dirty="0">
+                <a:solidFill>
+                  <a:schemeClr val="bg1"/>
+                </a:solidFill>
+                <a:latin typeface="Microsoft JhengHei" panose="020B0604030504040204" pitchFamily="34" charset="-120"/>
+                <a:ea typeface="Microsoft JhengHei" panose="020B0604030504040204" pitchFamily="34" charset="-120"/>
+              </a:rPr>
+              <a:t>	</a:t>
+            </a:r>
+            <a:r>
+              <a:rPr lang="zh-CN" altLang="en-US" sz="1400" dirty="0">
+                <a:solidFill>
+                  <a:schemeClr val="bg1"/>
+                </a:solidFill>
+                <a:latin typeface="Microsoft JhengHei" panose="020B0604030504040204" pitchFamily="34" charset="-120"/>
+                <a:ea typeface="Microsoft JhengHei" panose="020B0604030504040204" pitchFamily="34" charset="-120"/>
+              </a:rPr>
+              <a:t>蘋果自 </a:t>
+            </a:r>
+            <a:r>
+              <a:rPr lang="en-US" altLang="zh-CN" sz="1400" dirty="0">
+                <a:solidFill>
+                  <a:schemeClr val="bg1"/>
+                </a:solidFill>
+                <a:latin typeface="Microsoft JhengHei" panose="020B0604030504040204" pitchFamily="34" charset="-120"/>
+                <a:ea typeface="Microsoft JhengHei" panose="020B0604030504040204" pitchFamily="34" charset="-120"/>
+              </a:rPr>
+              <a:t>2006 </a:t>
+            </a:r>
+            <a:r>
+              <a:rPr lang="zh-CN" altLang="en-US" sz="1400" dirty="0">
+                <a:solidFill>
+                  <a:schemeClr val="bg1"/>
+                </a:solidFill>
+                <a:latin typeface="Microsoft JhengHei" panose="020B0604030504040204" pitchFamily="34" charset="-120"/>
+                <a:ea typeface="Microsoft JhengHei" panose="020B0604030504040204" pitchFamily="34" charset="-120"/>
+              </a:rPr>
+              <a:t>年開始採用 </a:t>
+            </a:r>
+            <a:r>
+              <a:rPr lang="en-US" altLang="zh-CN" sz="1400" dirty="0">
+                <a:solidFill>
+                  <a:schemeClr val="bg1"/>
+                </a:solidFill>
+                <a:latin typeface="Microsoft JhengHei" panose="020B0604030504040204" pitchFamily="34" charset="-120"/>
+                <a:ea typeface="Microsoft JhengHei" panose="020B0604030504040204" pitchFamily="34" charset="-120"/>
+              </a:rPr>
+              <a:t>Intel </a:t>
+            </a:r>
+            <a:r>
+              <a:rPr lang="zh-CN" altLang="en-US" sz="1400" dirty="0">
+                <a:solidFill>
+                  <a:schemeClr val="bg1"/>
+                </a:solidFill>
+                <a:latin typeface="Microsoft JhengHei" panose="020B0604030504040204" pitchFamily="34" charset="-120"/>
+                <a:ea typeface="Microsoft JhengHei" panose="020B0604030504040204" pitchFamily="34" charset="-120"/>
+              </a:rPr>
+              <a:t>晶片。然而，隨著計算性能需求的增加，傳統 </a:t>
+            </a:r>
+            <a:r>
+              <a:rPr lang="en-US" altLang="zh-CN" sz="1400" dirty="0">
+                <a:solidFill>
+                  <a:schemeClr val="bg1"/>
+                </a:solidFill>
+                <a:latin typeface="Microsoft JhengHei" panose="020B0604030504040204" pitchFamily="34" charset="-120"/>
+                <a:ea typeface="Microsoft JhengHei" panose="020B0604030504040204" pitchFamily="34" charset="-120"/>
+              </a:rPr>
+              <a:t>x86 </a:t>
+            </a:r>
+            <a:r>
+              <a:rPr lang="zh-CN" altLang="en-US" sz="1400" dirty="0">
+                <a:solidFill>
+                  <a:schemeClr val="bg1"/>
+                </a:solidFill>
+                <a:latin typeface="Microsoft JhengHei" panose="020B0604030504040204" pitchFamily="34" charset="-120"/>
+                <a:ea typeface="Microsoft JhengHei" panose="020B0604030504040204" pitchFamily="34" charset="-120"/>
+              </a:rPr>
+              <a:t>架構無法滿足蘋果在移動端和桌面端的統一體驗需求，因此蘋果決定轉向 </a:t>
+            </a:r>
+            <a:r>
+              <a:rPr lang="en-US" altLang="zh-CN" sz="1400" dirty="0">
+                <a:solidFill>
+                  <a:schemeClr val="bg1"/>
+                </a:solidFill>
+                <a:latin typeface="Microsoft JhengHei" panose="020B0604030504040204" pitchFamily="34" charset="-120"/>
+                <a:ea typeface="Microsoft JhengHei" panose="020B0604030504040204" pitchFamily="34" charset="-120"/>
+              </a:rPr>
+              <a:t>ARM </a:t>
+            </a:r>
+            <a:r>
+              <a:rPr lang="zh-CN" altLang="en-US" sz="1400" dirty="0">
+                <a:solidFill>
+                  <a:schemeClr val="bg1"/>
+                </a:solidFill>
+                <a:latin typeface="Microsoft JhengHei" panose="020B0604030504040204" pitchFamily="34" charset="-120"/>
+                <a:ea typeface="Microsoft JhengHei" panose="020B0604030504040204" pitchFamily="34" charset="-120"/>
+              </a:rPr>
+              <a:t>晶片。</a:t>
+            </a:r>
+          </a:p>
+        </p:txBody>
+      </p:sp>
+      <p:sp>
+        <p:nvSpPr>
+          <p:cNvPr id="4" name="文本框 3">
+            <a:extLst>
+              <a:ext uri="{FF2B5EF4-FFF2-40B4-BE49-F238E27FC236}">
+                <a16:creationId xmlns:a16="http://schemas.microsoft.com/office/drawing/2014/main" id="{6680B356-9A6C-B4A8-13C9-F3DC1CD91B01}"/>
+              </a:ext>
+            </a:extLst>
+          </p:cNvPr>
+          <p:cNvSpPr txBox="1"/>
+          <p:nvPr/>
+        </p:nvSpPr>
+        <p:spPr>
+          <a:xfrm>
+            <a:off x="2227941" y="4412036"/>
+            <a:ext cx="4986314" cy="738664"/>
+          </a:xfrm>
+          <a:prstGeom prst="rect">
+            <a:avLst/>
+          </a:prstGeom>
+          <a:noFill/>
+        </p:spPr>
+        <p:txBody>
+          <a:bodyPr wrap="square" rtlCol="0">
+            <a:spAutoFit/>
+          </a:bodyPr>
+          <a:lstStyle/>
+          <a:p>
+            <a:r>
+              <a:rPr lang="en-US" altLang="zh-CN" sz="1400" dirty="0">
+                <a:solidFill>
+                  <a:schemeClr val="bg1"/>
+                </a:solidFill>
+                <a:latin typeface="Microsoft JhengHei" panose="020B0604030504040204" pitchFamily="34" charset="-120"/>
+                <a:ea typeface="Microsoft JhengHei" panose="020B0604030504040204" pitchFamily="34" charset="-120"/>
+              </a:rPr>
+              <a:t>	ARM </a:t>
+            </a:r>
+            <a:r>
+              <a:rPr lang="zh-CN" altLang="en-US" sz="1400" dirty="0">
+                <a:solidFill>
+                  <a:schemeClr val="bg1"/>
+                </a:solidFill>
+                <a:latin typeface="Microsoft JhengHei" panose="020B0604030504040204" pitchFamily="34" charset="-120"/>
+                <a:ea typeface="Microsoft JhengHei" panose="020B0604030504040204" pitchFamily="34" charset="-120"/>
+              </a:rPr>
+              <a:t>架構天然的低功耗優勢，讓蘋果設備在高性能下依然保持出色的電池續航，自研晶片實現了硬體和作業系統的深度整合，最大化了蘋果生態的獨特優勢。</a:t>
             </a:r>
           </a:p>
         </p:txBody>
@@ -5362,7 +5529,7 @@
         <p:cNvPr id="1" name="">
           <a:extLst>
             <a:ext uri="{FF2B5EF4-FFF2-40B4-BE49-F238E27FC236}">
-              <a16:creationId xmlns:a16="http://schemas.microsoft.com/office/drawing/2014/main" id="{CAF247FE-C4D8-A6CA-C69E-645FE08EEB76}"/>
+              <a16:creationId xmlns:a16="http://schemas.microsoft.com/office/drawing/2014/main" id="{559FF3A1-1CAF-8290-A554-E84EDC163954}"/>
             </a:ext>
           </a:extLst>
         </p:cNvPr>
@@ -5382,7 +5549,7 @@
           <p:cNvPr id="8" name="文本框 7">
             <a:extLst>
               <a:ext uri="{FF2B5EF4-FFF2-40B4-BE49-F238E27FC236}">
-                <a16:creationId xmlns:a16="http://schemas.microsoft.com/office/drawing/2014/main" id="{3BF921B9-3B3D-A6D2-417A-E4920690A6F9}"/>
+                <a16:creationId xmlns:a16="http://schemas.microsoft.com/office/drawing/2014/main" id="{1DF70CDB-3DB6-E429-7EBE-D83521AE5C32}"/>
               </a:ext>
             </a:extLst>
           </p:cNvPr>
@@ -5405,63 +5572,39 @@
           </a:bodyPr>
           <a:lstStyle/>
           <a:p>
-            <a:pPr marL="0" marR="0" lvl="0" indent="0" algn="l" defTabSz="457200" rtl="0" eaLnBrk="1" fontAlgn="auto" latinLnBrk="0" hangingPunct="1">
-              <a:lnSpc>
-                <a:spcPct val="100000"/>
-              </a:lnSpc>
-              <a:spcBef>
-                <a:spcPts val="0"/>
-              </a:spcBef>
-              <a:spcAft>
-                <a:spcPts val="0"/>
-              </a:spcAft>
-              <a:buClrTx/>
-              <a:buSzTx/>
-              <a:buFontTx/>
-              <a:buNone/>
-              <a:tabLst/>
-              <a:defRPr/>
-            </a:pPr>
-            <a:r>
-              <a:rPr kumimoji="0" lang="zh-CN" altLang="en-US" sz="4000" b="1" i="0" u="none" strike="noStrike" kern="1200" cap="none" spc="0" normalizeH="0" baseline="0" noProof="0" dirty="0">
-                <a:ln>
-                  <a:noFill/>
-                </a:ln>
+            <a:r>
+              <a:rPr lang="zh-CN" altLang="en-US" sz="4000" b="1">
                 <a:gradFill>
                   <a:gsLst>
                     <a:gs pos="0">
-                      <a:srgbClr val="4472C4">
+                      <a:schemeClr val="accent1">
                         <a:lumMod val="5000"/>
                         <a:lumOff val="95000"/>
-                      </a:srgbClr>
+                      </a:schemeClr>
                     </a:gs>
                     <a:gs pos="74000">
-                      <a:srgbClr val="4472C4">
+                      <a:schemeClr val="accent1">
                         <a:lumMod val="45000"/>
                         <a:lumOff val="55000"/>
-                      </a:srgbClr>
+                      </a:schemeClr>
                     </a:gs>
                     <a:gs pos="83000">
-                      <a:srgbClr val="4472C4">
+                      <a:schemeClr val="accent1">
                         <a:lumMod val="45000"/>
                         <a:lumOff val="55000"/>
-                      </a:srgbClr>
+                      </a:schemeClr>
                     </a:gs>
                     <a:gs pos="100000">
-                      <a:srgbClr val="4472C4">
+                      <a:schemeClr val="accent1">
                         <a:lumMod val="30000"/>
                         <a:lumOff val="70000"/>
-                      </a:srgbClr>
+                      </a:schemeClr>
                     </a:gs>
                   </a:gsLst>
                   <a:lin ang="5400000" scaled="1"/>
                 </a:gradFill>
-                <a:effectLst/>
-                <a:uLnTx/>
-                <a:uFillTx/>
-                <a:latin typeface="Microsoft JhengHei" panose="020B0604030504040204" pitchFamily="34" charset="-120"/>
-                <a:ea typeface="Microsoft JhengHei" panose="020B0604030504040204" pitchFamily="34" charset="-120"/>
-                <a:cs typeface="+mn-cs"/>
+                <a:latin typeface="Microsoft JhengHei" panose="020B0604030504040204" pitchFamily="34" charset="-120"/>
+                <a:ea typeface="Microsoft JhengHei" panose="020B0604030504040204" pitchFamily="34" charset="-120"/>
               </a:rPr>
               <a:t>背景介紹</a:t>
             </a:r>
@@ -5473,7 +5616,7 @@
           <p:cNvPr id="23" name="直線接點 6">
             <a:extLst>
               <a:ext uri="{FF2B5EF4-FFF2-40B4-BE49-F238E27FC236}">
-                <a16:creationId xmlns:a16="http://schemas.microsoft.com/office/drawing/2014/main" id="{42DB5A40-1229-4703-D2D3-3887FB9A5233}"/>
+                <a16:creationId xmlns:a16="http://schemas.microsoft.com/office/drawing/2014/main" id="{19E35238-F971-F593-B56C-C63C4D65AFCB}"/>
               </a:ext>
             </a:extLst>
           </p:cNvPr>
@@ -5514,7 +5657,7 @@
           <p:cNvPr id="3" name="Picture 2">
             <a:extLst>
               <a:ext uri="{FF2B5EF4-FFF2-40B4-BE49-F238E27FC236}">
-                <a16:creationId xmlns:a16="http://schemas.microsoft.com/office/drawing/2014/main" id="{783AD745-E13C-F34B-1D5B-2DC616919A7A}"/>
+                <a16:creationId xmlns:a16="http://schemas.microsoft.com/office/drawing/2014/main" id="{6CDA9A5D-0488-7DD1-2A05-F8F74D9A71EF}"/>
               </a:ext>
             </a:extLst>
           </p:cNvPr>
@@ -5524,22 +5667,14 @@
           <p:nvPr/>
         </p:nvPicPr>
         <p:blipFill>
-          <a:blip r:embed="rId2">
-            <a:extLst>
-              <a:ext uri="{28A0092B-C50C-407E-A947-70E740481C1C}">
-                <a14:useLocalDpi xmlns:a14="http://schemas.microsoft.com/office/drawing/2010/main" val="0"/>
-              </a:ext>
-            </a:extLst>
-          </a:blip>
+          <a:blip r:embed="rId2"/>
           <a:srcRect/>
-          <a:stretch>
-            <a:fillRect/>
-          </a:stretch>
+          <a:stretch/>
         </p:blipFill>
         <p:spPr bwMode="auto">
           <a:xfrm>
-            <a:off x="6132341" y="1754465"/>
-            <a:ext cx="6048079" cy="3888050"/>
+            <a:off x="7495540" y="1811173"/>
+            <a:ext cx="3936802" cy="3888050"/>
           </a:xfrm>
           <a:prstGeom prst="rect">
             <a:avLst/>
@@ -5561,7 +5696,7 @@
           <p:cNvPr id="5" name="文本框 4">
             <a:extLst>
               <a:ext uri="{FF2B5EF4-FFF2-40B4-BE49-F238E27FC236}">
-                <a16:creationId xmlns:a16="http://schemas.microsoft.com/office/drawing/2014/main" id="{8B079CA8-1B68-367D-BB39-E9775372F936}"/>
+                <a16:creationId xmlns:a16="http://schemas.microsoft.com/office/drawing/2014/main" id="{447788FE-4D6E-21E2-4C10-412B62F6BA24}"/>
               </a:ext>
             </a:extLst>
           </p:cNvPr>
@@ -5570,8 +5705,8 @@
         </p:nvSpPr>
         <p:spPr>
           <a:xfrm>
-            <a:off x="2227941" y="2460703"/>
-            <a:ext cx="4986314" cy="646331"/>
+            <a:off x="2227941" y="1811173"/>
+            <a:ext cx="3831719" cy="369332"/>
           </a:xfrm>
           <a:prstGeom prst="rect">
             <a:avLst/>
@@ -5584,23 +5719,16 @@
           </a:bodyPr>
           <a:lstStyle/>
           <a:p>
-            <a:pPr marL="0" marR="0" lvl="0" indent="0" algn="l" defTabSz="457200" rtl="0" eaLnBrk="1" fontAlgn="auto" latinLnBrk="0" hangingPunct="1">
-              <a:lnSpc>
-                <a:spcPct val="100000"/>
-              </a:lnSpc>
-              <a:spcBef>
-                <a:spcPts val="0"/>
-              </a:spcBef>
-              <a:spcAft>
-                <a:spcPts val="0"/>
-              </a:spcAft>
-              <a:buClrTx/>
-              <a:buSzTx/>
-              <a:buFontTx/>
-              <a:buNone/>
-              <a:tabLst/>
-              <a:defRPr/>
-            </a:pPr>
+            <a:r>
+              <a:rPr lang="en-US" altLang="zh-CN" dirty="0">
+                <a:solidFill>
+                  <a:schemeClr val="bg1"/>
+                </a:solidFill>
+                <a:latin typeface="Microsoft JhengHei" panose="020B0604030504040204" pitchFamily="34" charset="-120"/>
+                <a:ea typeface="Microsoft JhengHei" panose="020B0604030504040204" pitchFamily="34" charset="-120"/>
+              </a:rPr>
+              <a:t>M </a:t>
+            </a:r>
             <a:r>
               <a:rPr lang="zh-CN" altLang="en-US" dirty="0">
                 <a:solidFill>
@@ -5609,7 +5737,7 @@
                 <a:latin typeface="Microsoft JhengHei" panose="020B0604030504040204" pitchFamily="34" charset="-120"/>
                 <a:ea typeface="Microsoft JhengHei" panose="020B0604030504040204" pitchFamily="34" charset="-120"/>
               </a:rPr>
-              <a:t>蘋果的</a:t>
+              <a:t>系列晶片：</a:t>
             </a:r>
             <a:r>
               <a:rPr lang="en-US" altLang="zh-CN" dirty="0">
@@ -5619,7 +5747,7 @@
                 <a:latin typeface="Microsoft JhengHei" panose="020B0604030504040204" pitchFamily="34" charset="-120"/>
                 <a:ea typeface="Microsoft JhengHei" panose="020B0604030504040204" pitchFamily="34" charset="-120"/>
               </a:rPr>
-              <a:t>M</a:t>
+              <a:t>3 </a:t>
             </a:r>
             <a:r>
               <a:rPr lang="zh-CN" altLang="en-US" dirty="0">
@@ -5629,38 +5757,12 @@
                 <a:latin typeface="Microsoft JhengHei" panose="020B0604030504040204" pitchFamily="34" charset="-120"/>
                 <a:ea typeface="Microsoft JhengHei" panose="020B0604030504040204" pitchFamily="34" charset="-120"/>
               </a:rPr>
-              <a:t>系列晶片借助台積電先進的</a:t>
-            </a:r>
-            <a:r>
-              <a:rPr lang="en-US" altLang="zh-CN" dirty="0">
-                <a:solidFill>
-                  <a:schemeClr val="bg1"/>
-                </a:solidFill>
-                <a:latin typeface="Microsoft JhengHei" panose="020B0604030504040204" pitchFamily="34" charset="-120"/>
-                <a:ea typeface="Microsoft JhengHei" panose="020B0604030504040204" pitchFamily="34" charset="-120"/>
-              </a:rPr>
-              <a:t>3</a:t>
-            </a:r>
-            <a:r>
-              <a:rPr lang="zh-CN" altLang="en-US" dirty="0">
-                <a:solidFill>
-                  <a:schemeClr val="bg1"/>
-                </a:solidFill>
-                <a:latin typeface="Microsoft JhengHei" panose="020B0604030504040204" pitchFamily="34" charset="-120"/>
-                <a:ea typeface="Microsoft JhengHei" panose="020B0604030504040204" pitchFamily="34" charset="-120"/>
-              </a:rPr>
-              <a:t>納米制程工藝，顯著提升了晶片性能。</a:t>
-            </a:r>
-            <a:endParaRPr kumimoji="0" lang="zh-CN" altLang="en-US" sz="1800" b="1" i="0" u="none" strike="noStrike" kern="1200" cap="none" spc="0" normalizeH="0" baseline="0" noProof="0" dirty="0">
-              <a:ln>
-                <a:noFill/>
-              </a:ln>
+              <a:t>納米工藝提升性能</a:t>
+            </a:r>
+            <a:endParaRPr lang="en-HK" altLang="zh-CN" b="1" dirty="0">
               <a:solidFill>
                 <a:schemeClr val="bg1"/>
               </a:solidFill>
-              <a:effectLst/>
-              <a:uLnTx/>
-              <a:uFillTx/>
               <a:latin typeface="Microsoft JhengHei" panose="020B0604030504040204" pitchFamily="34" charset="-120"/>
               <a:ea typeface="Microsoft JhengHei" panose="020B0604030504040204" pitchFamily="34" charset="-120"/>
             </a:endParaRPr>
@@ -5672,7 +5774,7 @@
           <p:cNvPr id="6" name="文本框 5">
             <a:extLst>
               <a:ext uri="{FF2B5EF4-FFF2-40B4-BE49-F238E27FC236}">
-                <a16:creationId xmlns:a16="http://schemas.microsoft.com/office/drawing/2014/main" id="{7C2FB0A3-AC5E-F92D-1DC1-30CFAD4C189B}"/>
+                <a16:creationId xmlns:a16="http://schemas.microsoft.com/office/drawing/2014/main" id="{81986778-DBA1-F415-8B90-BE99C580C9BE}"/>
               </a:ext>
             </a:extLst>
           </p:cNvPr>
@@ -5681,8 +5783,8 @@
         </p:nvSpPr>
         <p:spPr>
           <a:xfrm>
-            <a:off x="2227941" y="4580646"/>
-            <a:ext cx="4923708" cy="1200329"/>
+            <a:off x="2227941" y="3766332"/>
+            <a:ext cx="4332693" cy="369332"/>
           </a:xfrm>
           <a:prstGeom prst="rect">
             <a:avLst/>
@@ -5695,7 +5797,7 @@
           </a:bodyPr>
           <a:lstStyle/>
           <a:p>
-            <a:br>
+            <a:r>
               <a:rPr lang="en-US" altLang="zh-CN" dirty="0">
                 <a:solidFill>
                   <a:schemeClr val="bg1"/>
@@ -5703,7 +5805,18 @@
                 <a:latin typeface="Microsoft JhengHei" panose="020B0604030504040204" pitchFamily="34" charset="-120"/>
                 <a:ea typeface="Microsoft JhengHei" panose="020B0604030504040204" pitchFamily="34" charset="-120"/>
               </a:rPr>
-            </a:br>
+              <a:t>2020 </a:t>
+            </a:r>
+            <a:r>
+              <a:rPr lang="zh-CN" altLang="en-US" dirty="0">
+                <a:solidFill>
+                  <a:schemeClr val="bg1"/>
+                </a:solidFill>
+                <a:latin typeface="Microsoft JhengHei" panose="020B0604030504040204" pitchFamily="34" charset="-120"/>
+                <a:ea typeface="Microsoft JhengHei" panose="020B0604030504040204" pitchFamily="34" charset="-120"/>
+              </a:rPr>
+              <a:t>年 </a:t>
+            </a:r>
             <a:r>
               <a:rPr lang="en-US" altLang="zh-CN" dirty="0">
                 <a:solidFill>
@@ -5712,7 +5825,7 @@
                 <a:latin typeface="Microsoft JhengHei" panose="020B0604030504040204" pitchFamily="34" charset="-120"/>
                 <a:ea typeface="Microsoft JhengHei" panose="020B0604030504040204" pitchFamily="34" charset="-120"/>
               </a:rPr>
-              <a:t>M</a:t>
+              <a:t>11 </a:t>
             </a:r>
             <a:r>
               <a:rPr lang="zh-CN" altLang="en-US" dirty="0">
@@ -5722,7 +5835,7 @@
                 <a:latin typeface="Microsoft JhengHei" panose="020B0604030504040204" pitchFamily="34" charset="-120"/>
                 <a:ea typeface="Microsoft JhengHei" panose="020B0604030504040204" pitchFamily="34" charset="-120"/>
               </a:rPr>
-              <a:t>系列晶片自</a:t>
+              <a:t>月：</a:t>
             </a:r>
             <a:r>
               <a:rPr lang="en-US" altLang="zh-CN" dirty="0">
@@ -5732,7 +5845,7 @@
                 <a:latin typeface="Microsoft JhengHei" panose="020B0604030504040204" pitchFamily="34" charset="-120"/>
                 <a:ea typeface="Microsoft JhengHei" panose="020B0604030504040204" pitchFamily="34" charset="-120"/>
               </a:rPr>
-              <a:t>2020</a:t>
+              <a:t>M1 </a:t>
             </a:r>
             <a:r>
               <a:rPr lang="zh-CN" altLang="en-US" dirty="0">
@@ -5742,60 +5855,364 @@
                 <a:latin typeface="Microsoft JhengHei" panose="020B0604030504040204" pitchFamily="34" charset="-120"/>
                 <a:ea typeface="Microsoft JhengHei" panose="020B0604030504040204" pitchFamily="34" charset="-120"/>
               </a:rPr>
-              <a:t>年發佈以來，以高能效比和出色的性能引領電腦處理器市場。</a:t>
-            </a:r>
-            <a:endParaRPr kumimoji="0" lang="zh-CN" altLang="en-US" sz="1800" b="1" i="0" u="none" strike="noStrike" kern="1200" cap="none" spc="0" normalizeH="0" baseline="0" noProof="0" dirty="0">
-              <a:ln>
-                <a:noFill/>
-              </a:ln>
+              <a:t>開啟新時代</a:t>
+            </a:r>
+            <a:endParaRPr lang="zh-CN" altLang="en-US" b="1" dirty="0">
               <a:solidFill>
                 <a:schemeClr val="bg1"/>
               </a:solidFill>
-              <a:effectLst/>
-              <a:uLnTx/>
-              <a:uFillTx/>
               <a:latin typeface="Microsoft JhengHei" panose="020B0604030504040204" pitchFamily="34" charset="-120"/>
               <a:ea typeface="Microsoft JhengHei" panose="020B0604030504040204" pitchFamily="34" charset="-120"/>
             </a:endParaRPr>
           </a:p>
-          <a:p>
-            <a:pPr marL="0" marR="0" lvl="0" indent="0" algn="l" defTabSz="457200" rtl="0" eaLnBrk="1" fontAlgn="auto" latinLnBrk="0" hangingPunct="1">
-              <a:lnSpc>
-                <a:spcPct val="100000"/>
-              </a:lnSpc>
-              <a:spcBef>
-                <a:spcPts val="0"/>
-              </a:spcBef>
-              <a:spcAft>
-                <a:spcPts val="0"/>
-              </a:spcAft>
-              <a:buClrTx/>
-              <a:buSzTx/>
-              <a:buFontTx/>
-              <a:buNone/>
-              <a:tabLst/>
-              <a:defRPr/>
-            </a:pPr>
-            <a:endParaRPr kumimoji="0" lang="zh-CN" altLang="en-US" sz="1800" b="1" i="0" u="none" strike="noStrike" kern="1200" cap="none" spc="0" normalizeH="0" baseline="0" noProof="0" dirty="0">
-              <a:ln>
-                <a:noFill/>
-              </a:ln>
-              <a:solidFill>
-                <a:schemeClr val="bg1"/>
-              </a:solidFill>
-              <a:effectLst/>
-              <a:uLnTx/>
-              <a:uFillTx/>
-              <a:latin typeface="Microsoft JhengHei" panose="020B0604030504040204" pitchFamily="34" charset="-120"/>
-              <a:ea typeface="Microsoft JhengHei" panose="020B0604030504040204" pitchFamily="34" charset="-120"/>
-            </a:endParaRPr>
+        </p:txBody>
+      </p:sp>
+      <p:sp>
+        <p:nvSpPr>
+          <p:cNvPr id="2" name="文本框 1">
+            <a:extLst>
+              <a:ext uri="{FF2B5EF4-FFF2-40B4-BE49-F238E27FC236}">
+                <a16:creationId xmlns:a16="http://schemas.microsoft.com/office/drawing/2014/main" id="{53978D8E-BE26-D76A-EA27-7968240E9A27}"/>
+              </a:ext>
+            </a:extLst>
+          </p:cNvPr>
+          <p:cNvSpPr txBox="1"/>
+          <p:nvPr/>
+        </p:nvSpPr>
+        <p:spPr>
+          <a:xfrm>
+            <a:off x="2227941" y="2496365"/>
+            <a:ext cx="5229026" cy="523220"/>
+          </a:xfrm>
+          <a:prstGeom prst="rect">
+            <a:avLst/>
+          </a:prstGeom>
+          <a:noFill/>
+        </p:spPr>
+        <p:txBody>
+          <a:bodyPr wrap="square" rtlCol="0">
+            <a:spAutoFit/>
+          </a:bodyPr>
+          <a:lstStyle/>
+          <a:p>
+            <a:r>
+              <a:rPr lang="en-US" altLang="zh-CN" sz="1400" dirty="0">
+                <a:solidFill>
+                  <a:schemeClr val="bg1"/>
+                </a:solidFill>
+                <a:latin typeface="Microsoft JhengHei" panose="020B0604030504040204" pitchFamily="34" charset="-120"/>
+                <a:ea typeface="Microsoft JhengHei" panose="020B0604030504040204" pitchFamily="34" charset="-120"/>
+              </a:rPr>
+              <a:t>	</a:t>
+            </a:r>
+            <a:r>
+              <a:rPr lang="zh-CN" altLang="en-US" sz="1400" dirty="0">
+                <a:solidFill>
+                  <a:schemeClr val="bg1"/>
+                </a:solidFill>
+                <a:latin typeface="Microsoft JhengHei" panose="020B0604030504040204" pitchFamily="34" charset="-120"/>
+                <a:ea typeface="Microsoft JhengHei" panose="020B0604030504040204" pitchFamily="34" charset="-120"/>
+              </a:rPr>
+              <a:t>蘋果 </a:t>
+            </a:r>
+            <a:r>
+              <a:rPr lang="en-US" altLang="zh-CN" sz="1400" dirty="0">
+                <a:solidFill>
+                  <a:schemeClr val="bg1"/>
+                </a:solidFill>
+                <a:latin typeface="Microsoft JhengHei" panose="020B0604030504040204" pitchFamily="34" charset="-120"/>
+                <a:ea typeface="Microsoft JhengHei" panose="020B0604030504040204" pitchFamily="34" charset="-120"/>
+              </a:rPr>
+              <a:t>M </a:t>
+            </a:r>
+            <a:r>
+              <a:rPr lang="zh-CN" altLang="en-US" sz="1400" dirty="0">
+                <a:solidFill>
+                  <a:schemeClr val="bg1"/>
+                </a:solidFill>
+                <a:latin typeface="Microsoft JhengHei" panose="020B0604030504040204" pitchFamily="34" charset="-120"/>
+                <a:ea typeface="Microsoft JhengHei" panose="020B0604030504040204" pitchFamily="34" charset="-120"/>
+              </a:rPr>
+              <a:t>系列晶片採用台積電領先的 </a:t>
+            </a:r>
+            <a:r>
+              <a:rPr lang="en-US" altLang="zh-CN" sz="1400" dirty="0">
+                <a:solidFill>
+                  <a:schemeClr val="bg1"/>
+                </a:solidFill>
+                <a:latin typeface="Microsoft JhengHei" panose="020B0604030504040204" pitchFamily="34" charset="-120"/>
+                <a:ea typeface="Microsoft JhengHei" panose="020B0604030504040204" pitchFamily="34" charset="-120"/>
+              </a:rPr>
+              <a:t>3 </a:t>
+            </a:r>
+            <a:r>
+              <a:rPr lang="zh-CN" altLang="en-US" sz="1400" dirty="0">
+                <a:solidFill>
+                  <a:schemeClr val="bg1"/>
+                </a:solidFill>
+                <a:latin typeface="Microsoft JhengHei" panose="020B0604030504040204" pitchFamily="34" charset="-120"/>
+                <a:ea typeface="Microsoft JhengHei" panose="020B0604030504040204" pitchFamily="34" charset="-120"/>
+              </a:rPr>
+              <a:t>納米制程工藝，進一步提升了計算性能和能效表現，為用戶帶來更快、更流暢的體驗。</a:t>
+            </a:r>
+          </a:p>
+        </p:txBody>
+      </p:sp>
+      <p:sp>
+        <p:nvSpPr>
+          <p:cNvPr id="4" name="文本框 3">
+            <a:extLst>
+              <a:ext uri="{FF2B5EF4-FFF2-40B4-BE49-F238E27FC236}">
+                <a16:creationId xmlns:a16="http://schemas.microsoft.com/office/drawing/2014/main" id="{6E3DF7F9-0770-3F0D-7CCB-219E07B9BFF6}"/>
+              </a:ext>
+            </a:extLst>
+          </p:cNvPr>
+          <p:cNvSpPr txBox="1"/>
+          <p:nvPr/>
+        </p:nvSpPr>
+        <p:spPr>
+          <a:xfrm>
+            <a:off x="2227940" y="4412036"/>
+            <a:ext cx="5326081" cy="738664"/>
+          </a:xfrm>
+          <a:prstGeom prst="rect">
+            <a:avLst/>
+          </a:prstGeom>
+          <a:noFill/>
+        </p:spPr>
+        <p:txBody>
+          <a:bodyPr wrap="square" rtlCol="0">
+            <a:spAutoFit/>
+          </a:bodyPr>
+          <a:lstStyle/>
+          <a:p>
+            <a:r>
+              <a:rPr lang="en-US" altLang="zh-CN" sz="1400" dirty="0">
+                <a:solidFill>
+                  <a:schemeClr val="bg1"/>
+                </a:solidFill>
+                <a:latin typeface="Microsoft JhengHei" panose="020B0604030504040204" pitchFamily="34" charset="-120"/>
+                <a:ea typeface="Microsoft JhengHei" panose="020B0604030504040204" pitchFamily="34" charset="-120"/>
+              </a:rPr>
+              <a:t>	</a:t>
+            </a:r>
+            <a:r>
+              <a:rPr lang="zh-CN" altLang="en-US" sz="1400" dirty="0">
+                <a:solidFill>
+                  <a:schemeClr val="bg1"/>
+                </a:solidFill>
+                <a:latin typeface="Microsoft JhengHei" panose="020B0604030504040204" pitchFamily="34" charset="-120"/>
+                <a:ea typeface="Microsoft JhengHei" panose="020B0604030504040204" pitchFamily="34" charset="-120"/>
+              </a:rPr>
+              <a:t>蘋果的 </a:t>
+            </a:r>
+            <a:r>
+              <a:rPr lang="en-US" altLang="zh-CN" sz="1400" b="1" dirty="0">
+                <a:solidFill>
+                  <a:schemeClr val="bg1"/>
+                </a:solidFill>
+                <a:latin typeface="Microsoft JhengHei" panose="020B0604030504040204" pitchFamily="34" charset="-120"/>
+                <a:ea typeface="Microsoft JhengHei" panose="020B0604030504040204" pitchFamily="34" charset="-120"/>
+              </a:rPr>
+              <a:t>M1 </a:t>
+            </a:r>
+            <a:r>
+              <a:rPr lang="zh-CN" altLang="en-US" sz="1400" b="1" dirty="0">
+                <a:solidFill>
+                  <a:schemeClr val="bg1"/>
+                </a:solidFill>
+                <a:latin typeface="Microsoft JhengHei" panose="020B0604030504040204" pitchFamily="34" charset="-120"/>
+                <a:ea typeface="Microsoft JhengHei" panose="020B0604030504040204" pitchFamily="34" charset="-120"/>
+              </a:rPr>
+              <a:t>晶片</a:t>
+            </a:r>
+            <a:r>
+              <a:rPr lang="zh-CN" altLang="en-US" sz="1400" dirty="0">
+                <a:solidFill>
+                  <a:schemeClr val="bg1"/>
+                </a:solidFill>
+                <a:latin typeface="Microsoft JhengHei" panose="020B0604030504040204" pitchFamily="34" charset="-120"/>
+                <a:ea typeface="Microsoft JhengHei" panose="020B0604030504040204" pitchFamily="34" charset="-120"/>
+              </a:rPr>
+              <a:t> 於 </a:t>
+            </a:r>
+            <a:r>
+              <a:rPr lang="en-US" altLang="zh-CN" sz="1400" b="1" dirty="0">
+                <a:solidFill>
+                  <a:schemeClr val="bg1"/>
+                </a:solidFill>
+                <a:latin typeface="Microsoft JhengHei" panose="020B0604030504040204" pitchFamily="34" charset="-120"/>
+                <a:ea typeface="Microsoft JhengHei" panose="020B0604030504040204" pitchFamily="34" charset="-120"/>
+              </a:rPr>
+              <a:t>2020 </a:t>
+            </a:r>
+            <a:r>
+              <a:rPr lang="zh-CN" altLang="en-US" sz="1400" b="1" dirty="0">
+                <a:solidFill>
+                  <a:schemeClr val="bg1"/>
+                </a:solidFill>
+                <a:latin typeface="Microsoft JhengHei" panose="020B0604030504040204" pitchFamily="34" charset="-120"/>
+                <a:ea typeface="Microsoft JhengHei" panose="020B0604030504040204" pitchFamily="34" charset="-120"/>
+              </a:rPr>
+              <a:t>年 </a:t>
+            </a:r>
+            <a:r>
+              <a:rPr lang="en-US" altLang="zh-CN" sz="1400" b="1" dirty="0">
+                <a:solidFill>
+                  <a:schemeClr val="bg1"/>
+                </a:solidFill>
+                <a:latin typeface="Microsoft JhengHei" panose="020B0604030504040204" pitchFamily="34" charset="-120"/>
+                <a:ea typeface="Microsoft JhengHei" panose="020B0604030504040204" pitchFamily="34" charset="-120"/>
+              </a:rPr>
+              <a:t>11 </a:t>
+            </a:r>
+            <a:r>
+              <a:rPr lang="zh-CN" altLang="en-US" sz="1400" b="1" dirty="0">
+                <a:solidFill>
+                  <a:schemeClr val="bg1"/>
+                </a:solidFill>
+                <a:latin typeface="Microsoft JhengHei" panose="020B0604030504040204" pitchFamily="34" charset="-120"/>
+                <a:ea typeface="Microsoft JhengHei" panose="020B0604030504040204" pitchFamily="34" charset="-120"/>
+              </a:rPr>
+              <a:t>月 </a:t>
+            </a:r>
+            <a:r>
+              <a:rPr lang="en-US" altLang="zh-CN" sz="1400" b="1" dirty="0">
+                <a:solidFill>
+                  <a:schemeClr val="bg1"/>
+                </a:solidFill>
+                <a:latin typeface="Microsoft JhengHei" panose="020B0604030504040204" pitchFamily="34" charset="-120"/>
+                <a:ea typeface="Microsoft JhengHei" panose="020B0604030504040204" pitchFamily="34" charset="-120"/>
+              </a:rPr>
+              <a:t>10 </a:t>
+            </a:r>
+            <a:r>
+              <a:rPr lang="zh-CN" altLang="en-US" sz="1400" b="1" dirty="0">
+                <a:solidFill>
+                  <a:schemeClr val="bg1"/>
+                </a:solidFill>
+                <a:latin typeface="Microsoft JhengHei" panose="020B0604030504040204" pitchFamily="34" charset="-120"/>
+                <a:ea typeface="Microsoft JhengHei" panose="020B0604030504040204" pitchFamily="34" charset="-120"/>
+              </a:rPr>
+              <a:t>日</a:t>
+            </a:r>
+            <a:r>
+              <a:rPr lang="zh-CN" altLang="en-US" sz="1400" dirty="0">
+                <a:solidFill>
+                  <a:schemeClr val="bg1"/>
+                </a:solidFill>
+                <a:latin typeface="Microsoft JhengHei" panose="020B0604030504040204" pitchFamily="34" charset="-120"/>
+                <a:ea typeface="Microsoft JhengHei" panose="020B0604030504040204" pitchFamily="34" charset="-120"/>
+              </a:rPr>
+              <a:t> 發佈。</a:t>
+            </a:r>
+            <a:r>
+              <a:rPr lang="en-US" altLang="zh-CN" sz="1400" dirty="0">
+                <a:solidFill>
+                  <a:schemeClr val="bg1"/>
+                </a:solidFill>
+                <a:latin typeface="Microsoft JhengHei" panose="020B0604030504040204" pitchFamily="34" charset="-120"/>
+                <a:ea typeface="Microsoft JhengHei" panose="020B0604030504040204" pitchFamily="34" charset="-120"/>
+              </a:rPr>
+              <a:t>M1 </a:t>
+            </a:r>
+            <a:r>
+              <a:rPr lang="zh-CN" altLang="en-US" sz="1400" dirty="0">
+                <a:solidFill>
+                  <a:schemeClr val="bg1"/>
+                </a:solidFill>
+                <a:latin typeface="Microsoft JhengHei" panose="020B0604030504040204" pitchFamily="34" charset="-120"/>
+                <a:ea typeface="Microsoft JhengHei" panose="020B0604030504040204" pitchFamily="34" charset="-120"/>
+              </a:rPr>
+              <a:t>是蘋果首款基於 </a:t>
+            </a:r>
+            <a:r>
+              <a:rPr lang="en-US" altLang="zh-CN" sz="1400" dirty="0">
+                <a:solidFill>
+                  <a:schemeClr val="bg1"/>
+                </a:solidFill>
+                <a:latin typeface="Microsoft JhengHei" panose="020B0604030504040204" pitchFamily="34" charset="-120"/>
+                <a:ea typeface="Microsoft JhengHei" panose="020B0604030504040204" pitchFamily="34" charset="-120"/>
+              </a:rPr>
+              <a:t>ARM </a:t>
+            </a:r>
+            <a:r>
+              <a:rPr lang="zh-CN" altLang="en-US" sz="1400" dirty="0">
+                <a:solidFill>
+                  <a:schemeClr val="bg1"/>
+                </a:solidFill>
+                <a:latin typeface="Microsoft JhengHei" panose="020B0604030504040204" pitchFamily="34" charset="-120"/>
+                <a:ea typeface="Microsoft JhengHei" panose="020B0604030504040204" pitchFamily="34" charset="-120"/>
+              </a:rPr>
+              <a:t>架構的自研晶片，專為 </a:t>
+            </a:r>
+            <a:r>
+              <a:rPr lang="en-US" altLang="zh-CN" sz="1400" dirty="0">
+                <a:solidFill>
+                  <a:schemeClr val="bg1"/>
+                </a:solidFill>
+                <a:latin typeface="Microsoft JhengHei" panose="020B0604030504040204" pitchFamily="34" charset="-120"/>
+                <a:ea typeface="Microsoft JhengHei" panose="020B0604030504040204" pitchFamily="34" charset="-120"/>
+              </a:rPr>
+              <a:t>Mac </a:t>
+            </a:r>
+            <a:r>
+              <a:rPr lang="zh-CN" altLang="en-US" sz="1400" dirty="0">
+                <a:solidFill>
+                  <a:schemeClr val="bg1"/>
+                </a:solidFill>
+                <a:latin typeface="Microsoft JhengHei" panose="020B0604030504040204" pitchFamily="34" charset="-120"/>
+                <a:ea typeface="Microsoft JhengHei" panose="020B0604030504040204" pitchFamily="34" charset="-120"/>
+              </a:rPr>
+              <a:t>設計，標誌著蘋果從 </a:t>
+            </a:r>
+            <a:r>
+              <a:rPr lang="en-US" altLang="zh-CN" sz="1400" dirty="0">
+                <a:solidFill>
+                  <a:schemeClr val="bg1"/>
+                </a:solidFill>
+                <a:latin typeface="Microsoft JhengHei" panose="020B0604030504040204" pitchFamily="34" charset="-120"/>
+                <a:ea typeface="Microsoft JhengHei" panose="020B0604030504040204" pitchFamily="34" charset="-120"/>
+              </a:rPr>
+              <a:t>Intel </a:t>
+            </a:r>
+            <a:r>
+              <a:rPr lang="zh-CN" altLang="en-US" sz="1400" dirty="0">
+                <a:solidFill>
+                  <a:schemeClr val="bg1"/>
+                </a:solidFill>
+                <a:latin typeface="Microsoft JhengHei" panose="020B0604030504040204" pitchFamily="34" charset="-120"/>
+                <a:ea typeface="Microsoft JhengHei" panose="020B0604030504040204" pitchFamily="34" charset="-120"/>
+              </a:rPr>
+              <a:t>處理器轉向自家設計的 </a:t>
+            </a:r>
+            <a:r>
+              <a:rPr lang="en-US" altLang="zh-CN" sz="1400" dirty="0">
+                <a:solidFill>
+                  <a:schemeClr val="bg1"/>
+                </a:solidFill>
+                <a:latin typeface="Microsoft JhengHei" panose="020B0604030504040204" pitchFamily="34" charset="-120"/>
+                <a:ea typeface="Microsoft JhengHei" panose="020B0604030504040204" pitchFamily="34" charset="-120"/>
+              </a:rPr>
+              <a:t>Apple Silicon </a:t>
+            </a:r>
+            <a:r>
+              <a:rPr lang="zh-CN" altLang="en-US" sz="1400" dirty="0">
+                <a:solidFill>
+                  <a:schemeClr val="bg1"/>
+                </a:solidFill>
+                <a:latin typeface="Microsoft JhengHei" panose="020B0604030504040204" pitchFamily="34" charset="-120"/>
+                <a:ea typeface="Microsoft JhengHei" panose="020B0604030504040204" pitchFamily="34" charset="-120"/>
+              </a:rPr>
+              <a:t>的第一步。</a:t>
+            </a:r>
           </a:p>
         </p:txBody>
       </p:sp>
     </p:spTree>
     <p:extLst>
       <p:ext uri="{BB962C8B-B14F-4D97-AF65-F5344CB8AC3E}">
-        <p14:creationId xmlns:p14="http://schemas.microsoft.com/office/powerpoint/2010/main" val="2166809759"/>
+        <p14:creationId xmlns:p14="http://schemas.microsoft.com/office/powerpoint/2010/main" val="3048373844"/>
       </p:ext>
     </p:extLst>
   </p:cSld>
@@ -5965,8 +6382,8 @@
         </p:blipFill>
         <p:spPr bwMode="auto">
           <a:xfrm>
-            <a:off x="7363235" y="1754465"/>
-            <a:ext cx="3940709" cy="3888050"/>
+            <a:off x="7461565" y="1754465"/>
+            <a:ext cx="3744048" cy="3888050"/>
           </a:xfrm>
           <a:prstGeom prst="rect">
             <a:avLst/>
@@ -6020,10 +6437,10 @@
                 <a:latin typeface="Microsoft JhengHei" panose="020B0604030504040204" pitchFamily="34" charset="-120"/>
                 <a:ea typeface="Microsoft JhengHei" panose="020B0604030504040204" pitchFamily="34" charset="-120"/>
               </a:rPr>
-              <a:t>使用</a:t>
-            </a:r>
-            <a:r>
-              <a:rPr lang="en" altLang="zh-CN" dirty="0">
+              <a:t>使用 </a:t>
+            </a:r>
+            <a:r>
+              <a:rPr lang="en" altLang="zh-CN" b="1" dirty="0">
                 <a:solidFill>
                   <a:schemeClr val="bg1"/>
                 </a:solidFill>
@@ -6083,7 +6500,47 @@
                 <a:latin typeface="Microsoft JhengHei" panose="020B0604030504040204" pitchFamily="34" charset="-120"/>
                 <a:ea typeface="Microsoft JhengHei" panose="020B0604030504040204" pitchFamily="34" charset="-120"/>
               </a:rPr>
-              <a:t>采用了多核设计，包括高效能核心和高能效核心。</a:t>
+              <a:t>采用了多核设计，包括</a:t>
+            </a:r>
+            <a:r>
+              <a:rPr lang="zh-CN" altLang="en-US" b="1" dirty="0">
+                <a:solidFill>
+                  <a:schemeClr val="bg1"/>
+                </a:solidFill>
+                <a:latin typeface="Microsoft JhengHei" panose="020B0604030504040204" pitchFamily="34" charset="-120"/>
+                <a:ea typeface="Microsoft JhengHei" panose="020B0604030504040204" pitchFamily="34" charset="-120"/>
+              </a:rPr>
+              <a:t>高效能</a:t>
+            </a:r>
+            <a:r>
+              <a:rPr lang="zh-CN" altLang="en-US" dirty="0">
+                <a:solidFill>
+                  <a:schemeClr val="bg1"/>
+                </a:solidFill>
+                <a:latin typeface="Microsoft JhengHei" panose="020B0604030504040204" pitchFamily="34" charset="-120"/>
+                <a:ea typeface="Microsoft JhengHei" panose="020B0604030504040204" pitchFamily="34" charset="-120"/>
+              </a:rPr>
+              <a:t>核心和</a:t>
+            </a:r>
+            <a:r>
+              <a:rPr lang="zh-CN" altLang="en-US" b="1" dirty="0">
+                <a:solidFill>
+                  <a:schemeClr val="bg1"/>
+                </a:solidFill>
+                <a:latin typeface="Microsoft JhengHei" panose="020B0604030504040204" pitchFamily="34" charset="-120"/>
+                <a:ea typeface="Microsoft JhengHei" panose="020B0604030504040204" pitchFamily="34" charset="-120"/>
+              </a:rPr>
+              <a:t>高能效</a:t>
+            </a:r>
+            <a:r>
+              <a:rPr lang="zh-CN" altLang="en-US" dirty="0">
+                <a:solidFill>
+                  <a:schemeClr val="bg1"/>
+                </a:solidFill>
+                <a:latin typeface="Microsoft JhengHei" panose="020B0604030504040204" pitchFamily="34" charset="-120"/>
+                <a:ea typeface="Microsoft JhengHei" panose="020B0604030504040204" pitchFamily="34" charset="-120"/>
+              </a:rPr>
+              <a:t>核心。</a:t>
             </a:r>
           </a:p>
         </p:txBody>
@@ -6117,6 +6574,16 @@
           <a:lstStyle/>
           <a:p>
             <a:r>
+              <a:rPr lang="zh-CN" altLang="en-US" b="1" dirty="0">
+                <a:solidFill>
+                  <a:schemeClr val="bg1"/>
+                </a:solidFill>
+                <a:latin typeface="Microsoft JhengHei" panose="020B0604030504040204" pitchFamily="34" charset="-120"/>
+                <a:ea typeface="Microsoft JhengHei" panose="020B0604030504040204" pitchFamily="34" charset="-120"/>
+              </a:rPr>
+              <a:t>统一内存</a:t>
+            </a:r>
+            <a:r>
               <a:rPr lang="zh-CN" altLang="en-US" dirty="0">
                 <a:solidFill>
                   <a:schemeClr val="bg1"/>
@@ -6124,7 +6591,7 @@
                 <a:latin typeface="Microsoft JhengHei" panose="020B0604030504040204" pitchFamily="34" charset="-120"/>
                 <a:ea typeface="Microsoft JhengHei" panose="020B0604030504040204" pitchFamily="34" charset="-120"/>
               </a:rPr>
-              <a:t>统一内存架构， </a:t>
+              <a:t>架构， </a:t>
             </a:r>
             <a:r>
               <a:rPr lang="en-US" altLang="zh-CN" dirty="0">
@@ -6419,7 +6886,7 @@
         </p:blipFill>
         <p:spPr bwMode="auto">
           <a:xfrm>
-            <a:off x="7496383" y="1303925"/>
+            <a:off x="6581983" y="1339367"/>
             <a:ext cx="4527688" cy="5433227"/>
           </a:xfrm>
           <a:prstGeom prst="rect">

--- a/Apple.pptx
+++ b/Apple.pptx
@@ -4665,7 +4665,7 @@
         <p:spPr>
           <a:xfrm>
             <a:off x="3452399" y="4535080"/>
-            <a:ext cx="1800493" cy="369332"/>
+            <a:ext cx="1107996" cy="369332"/>
           </a:xfrm>
           <a:prstGeom prst="rect">
             <a:avLst/>
@@ -4686,7 +4686,7 @@
                 <a:latin typeface="Microsoft JhengHei" panose="020B0604030504040204" pitchFamily="34" charset="-120"/>
                 <a:ea typeface="Microsoft JhengHei" panose="020B0604030504040204" pitchFamily="34" charset="-120"/>
               </a:rPr>
-              <a:t>未來趨勢和展望</a:t>
+              <a:t>未來趨勢</a:t>
             </a:r>
           </a:p>
         </p:txBody>
@@ -4706,7 +4706,7 @@
         <p:spPr>
           <a:xfrm>
             <a:off x="3457222" y="3072541"/>
-            <a:ext cx="2031325" cy="369332"/>
+            <a:ext cx="1107996" cy="369332"/>
           </a:xfrm>
           <a:prstGeom prst="rect">
             <a:avLst/>
@@ -4727,7 +4727,7 @@
                 <a:latin typeface="Microsoft JhengHei" panose="020B0604030504040204" pitchFamily="34" charset="-120"/>
                 <a:ea typeface="Microsoft JhengHei" panose="020B0604030504040204" pitchFamily="34" charset="-120"/>
               </a:rPr>
-              <a:t>關鍵技術和創新點</a:t>
+              <a:t>關鍵技術</a:t>
             </a:r>
           </a:p>
         </p:txBody>
@@ -4747,7 +4747,7 @@
         <p:spPr>
           <a:xfrm>
             <a:off x="3457222" y="3564463"/>
-            <a:ext cx="1800493" cy="369332"/>
+            <a:ext cx="1107996" cy="369332"/>
           </a:xfrm>
           <a:prstGeom prst="rect">
             <a:avLst/>
@@ -4761,14 +4761,14 @@
           <a:lstStyle/>
           <a:p>
             <a:r>
-              <a:rPr lang="zh-CN" altLang="en-US">
-                <a:solidFill>
-                  <a:schemeClr val="bg1"/>
-                </a:solidFill>
-                <a:latin typeface="Microsoft JhengHei" panose="020B0604030504040204" pitchFamily="34" charset="-120"/>
-                <a:ea typeface="Microsoft JhengHei" panose="020B0604030504040204" pitchFamily="34" charset="-120"/>
-              </a:rPr>
-              <a:t>性能分析與對比</a:t>
+              <a:rPr lang="zh-CN" altLang="en-US" dirty="0">
+                <a:solidFill>
+                  <a:schemeClr val="bg1"/>
+                </a:solidFill>
+                <a:latin typeface="Microsoft JhengHei" panose="020B0604030504040204" pitchFamily="34" charset="-120"/>
+                <a:ea typeface="Microsoft JhengHei" panose="020B0604030504040204" pitchFamily="34" charset="-120"/>
+              </a:rPr>
+              <a:t>性能對比</a:t>
             </a:r>
           </a:p>
         </p:txBody>
@@ -4788,7 +4788,7 @@
         <p:spPr>
           <a:xfrm>
             <a:off x="3457224" y="4049771"/>
-            <a:ext cx="1569660" cy="369332"/>
+            <a:ext cx="1107996" cy="369332"/>
           </a:xfrm>
           <a:prstGeom prst="rect">
             <a:avLst/>
@@ -4809,7 +4809,7 @@
                 <a:latin typeface="Microsoft JhengHei" panose="020B0604030504040204" pitchFamily="34" charset="-120"/>
                 <a:ea typeface="Microsoft JhengHei" panose="020B0604030504040204" pitchFamily="34" charset="-120"/>
               </a:rPr>
-              <a:t>目前應用情況</a:t>
+              <a:t>當前進展</a:t>
             </a:r>
           </a:p>
         </p:txBody>
@@ -5241,8 +5241,8 @@
         </p:nvSpPr>
         <p:spPr>
           <a:xfrm>
-            <a:off x="2227941" y="3766332"/>
-            <a:ext cx="4332693" cy="369332"/>
+            <a:off x="2227940" y="3766332"/>
+            <a:ext cx="4824990" cy="369332"/>
           </a:xfrm>
           <a:prstGeom prst="rect">
             <a:avLst/>
@@ -5256,6 +5256,16 @@
           <a:lstStyle/>
           <a:p>
             <a:r>
+              <a:rPr lang="en-HK" altLang="zh-CN" dirty="0">
+                <a:solidFill>
+                  <a:schemeClr val="bg1"/>
+                </a:solidFill>
+                <a:latin typeface="Microsoft JhengHei" panose="020B0604030504040204" pitchFamily="34" charset="-120"/>
+                <a:ea typeface="Microsoft JhengHei" panose="020B0604030504040204" pitchFamily="34" charset="-120"/>
+              </a:rPr>
+              <a:t>November 2020</a:t>
+            </a:r>
+            <a:r>
               <a:rPr lang="zh-CN" altLang="en-US" dirty="0">
                 <a:solidFill>
                   <a:schemeClr val="bg1"/>
@@ -5263,17 +5273,17 @@
                 <a:latin typeface="Microsoft JhengHei" panose="020B0604030504040204" pitchFamily="34" charset="-120"/>
                 <a:ea typeface="Microsoft JhengHei" panose="020B0604030504040204" pitchFamily="34" charset="-120"/>
               </a:rPr>
-              <a:t>自研晶片的動機：</a:t>
-            </a:r>
-            <a:r>
-              <a:rPr lang="zh-CN" altLang="en-US" b="1" dirty="0">
-                <a:solidFill>
-                  <a:schemeClr val="bg1"/>
-                </a:solidFill>
-                <a:latin typeface="Microsoft JhengHei" panose="020B0604030504040204" pitchFamily="34" charset="-120"/>
-                <a:ea typeface="Microsoft JhengHei" panose="020B0604030504040204" pitchFamily="34" charset="-120"/>
-              </a:rPr>
-              <a:t>性能</a:t>
+              <a:t>：</a:t>
+            </a:r>
+            <a:r>
+              <a:rPr lang="en-US" altLang="zh-CN" b="1" dirty="0">
+                <a:solidFill>
+                  <a:schemeClr val="bg1"/>
+                </a:solidFill>
+                <a:latin typeface="Microsoft JhengHei" panose="020B0604030504040204" pitchFamily="34" charset="-120"/>
+                <a:ea typeface="Microsoft JhengHei" panose="020B0604030504040204" pitchFamily="34" charset="-120"/>
+              </a:rPr>
+              <a:t>Apple</a:t>
             </a:r>
             <a:r>
               <a:rPr lang="zh-CN" altLang="en-US" dirty="0">
@@ -5283,17 +5293,17 @@
                 <a:latin typeface="Microsoft JhengHei" panose="020B0604030504040204" pitchFamily="34" charset="-120"/>
                 <a:ea typeface="Microsoft JhengHei" panose="020B0604030504040204" pitchFamily="34" charset="-120"/>
               </a:rPr>
-              <a:t>、</a:t>
-            </a:r>
-            <a:r>
-              <a:rPr lang="zh-CN" altLang="en-US" b="1" dirty="0">
-                <a:solidFill>
-                  <a:schemeClr val="bg1"/>
-                </a:solidFill>
-                <a:latin typeface="Microsoft JhengHei" panose="020B0604030504040204" pitchFamily="34" charset="-120"/>
-                <a:ea typeface="Microsoft JhengHei" panose="020B0604030504040204" pitchFamily="34" charset="-120"/>
-              </a:rPr>
-              <a:t>功耗</a:t>
+              <a:t> </a:t>
+            </a:r>
+            <a:r>
+              <a:rPr lang="en-HK" altLang="zh-CN" b="1" dirty="0">
+                <a:solidFill>
+                  <a:schemeClr val="bg1"/>
+                </a:solidFill>
+                <a:latin typeface="Microsoft JhengHei" panose="020B0604030504040204" pitchFamily="34" charset="-120"/>
+                <a:ea typeface="Microsoft JhengHei" panose="020B0604030504040204" pitchFamily="34" charset="-120"/>
+              </a:rPr>
+              <a:t>Silicon</a:t>
             </a:r>
             <a:r>
               <a:rPr lang="zh-CN" altLang="en-US" dirty="0">
@@ -5303,18 +5313,15 @@
                 <a:latin typeface="Microsoft JhengHei" panose="020B0604030504040204" pitchFamily="34" charset="-120"/>
                 <a:ea typeface="Microsoft JhengHei" panose="020B0604030504040204" pitchFamily="34" charset="-120"/>
               </a:rPr>
-              <a:t>、</a:t>
-            </a:r>
-            <a:r>
-              <a:rPr lang="zh-CN" altLang="en-US" b="1" dirty="0">
-                <a:solidFill>
-                  <a:schemeClr val="bg1"/>
-                </a:solidFill>
-                <a:latin typeface="Microsoft JhengHei" panose="020B0604030504040204" pitchFamily="34" charset="-120"/>
-                <a:ea typeface="Microsoft JhengHei" panose="020B0604030504040204" pitchFamily="34" charset="-120"/>
-              </a:rPr>
-              <a:t>生態</a:t>
-            </a:r>
+              <a:t>革命的开启</a:t>
+            </a:r>
+            <a:endParaRPr lang="zh-CN" altLang="en-US" b="1" dirty="0">
+              <a:solidFill>
+                <a:schemeClr val="bg1"/>
+              </a:solidFill>
+              <a:latin typeface="Microsoft JhengHei" panose="020B0604030504040204" pitchFamily="34" charset="-120"/>
+              <a:ea typeface="Microsoft JhengHei" panose="020B0604030504040204" pitchFamily="34" charset="-120"/>
+            </a:endParaRPr>
           </a:p>
         </p:txBody>
       </p:sp>
@@ -5464,7 +5471,7 @@
         <p:spPr>
           <a:xfrm>
             <a:off x="2227941" y="4412036"/>
-            <a:ext cx="4986314" cy="738664"/>
+            <a:ext cx="4986314" cy="954107"/>
           </a:xfrm>
           <a:prstGeom prst="rect">
             <a:avLst/>
@@ -5485,7 +5492,7 @@
                 <a:latin typeface="Microsoft JhengHei" panose="020B0604030504040204" pitchFamily="34" charset="-120"/>
                 <a:ea typeface="Microsoft JhengHei" panose="020B0604030504040204" pitchFamily="34" charset="-120"/>
               </a:rPr>
-              <a:t>	ARM </a:t>
+              <a:t>	</a:t>
             </a:r>
             <a:r>
               <a:rPr lang="zh-CN" altLang="en-US" sz="1400" dirty="0">
@@ -5495,7 +5502,207 @@
                 <a:latin typeface="Microsoft JhengHei" panose="020B0604030504040204" pitchFamily="34" charset="-120"/>
                 <a:ea typeface="Microsoft JhengHei" panose="020B0604030504040204" pitchFamily="34" charset="-120"/>
               </a:rPr>
-              <a:t>架構天然的低功耗優勢，讓蘋果設備在高性能下依然保持出色的電池續航，自研晶片實現了硬體和作業系統的深度整合，最大化了蘋果生態的獨特優勢。</a:t>
+              <a:t>蘋果的 </a:t>
+            </a:r>
+            <a:r>
+              <a:rPr lang="en-US" altLang="zh-CN" sz="1400" b="1" dirty="0">
+                <a:solidFill>
+                  <a:schemeClr val="bg1"/>
+                </a:solidFill>
+                <a:latin typeface="Microsoft JhengHei" panose="020B0604030504040204" pitchFamily="34" charset="-120"/>
+                <a:ea typeface="Microsoft JhengHei" panose="020B0604030504040204" pitchFamily="34" charset="-120"/>
+              </a:rPr>
+              <a:t>M1 </a:t>
+            </a:r>
+            <a:r>
+              <a:rPr lang="zh-CN" altLang="en-US" sz="1400" b="1" dirty="0">
+                <a:solidFill>
+                  <a:schemeClr val="bg1"/>
+                </a:solidFill>
+                <a:latin typeface="Microsoft JhengHei" panose="020B0604030504040204" pitchFamily="34" charset="-120"/>
+                <a:ea typeface="Microsoft JhengHei" panose="020B0604030504040204" pitchFamily="34" charset="-120"/>
+              </a:rPr>
+              <a:t>晶片</a:t>
+            </a:r>
+            <a:r>
+              <a:rPr lang="zh-CN" altLang="en-US" sz="1400" dirty="0">
+                <a:solidFill>
+                  <a:schemeClr val="bg1"/>
+                </a:solidFill>
+                <a:latin typeface="Microsoft JhengHei" panose="020B0604030504040204" pitchFamily="34" charset="-120"/>
+                <a:ea typeface="Microsoft JhengHei" panose="020B0604030504040204" pitchFamily="34" charset="-120"/>
+              </a:rPr>
+              <a:t> 於 </a:t>
+            </a:r>
+            <a:r>
+              <a:rPr lang="en-US" altLang="zh-CN" sz="1400" b="1" dirty="0">
+                <a:solidFill>
+                  <a:schemeClr val="bg1"/>
+                </a:solidFill>
+                <a:latin typeface="Microsoft JhengHei" panose="020B0604030504040204" pitchFamily="34" charset="-120"/>
+                <a:ea typeface="Microsoft JhengHei" panose="020B0604030504040204" pitchFamily="34" charset="-120"/>
+              </a:rPr>
+              <a:t>2020 </a:t>
+            </a:r>
+            <a:r>
+              <a:rPr lang="zh-CN" altLang="en-US" sz="1400" b="1" dirty="0">
+                <a:solidFill>
+                  <a:schemeClr val="bg1"/>
+                </a:solidFill>
+                <a:latin typeface="Microsoft JhengHei" panose="020B0604030504040204" pitchFamily="34" charset="-120"/>
+                <a:ea typeface="Microsoft JhengHei" panose="020B0604030504040204" pitchFamily="34" charset="-120"/>
+              </a:rPr>
+              <a:t>年 </a:t>
+            </a:r>
+            <a:r>
+              <a:rPr lang="en-US" altLang="zh-CN" sz="1400" b="1" dirty="0">
+                <a:solidFill>
+                  <a:schemeClr val="bg1"/>
+                </a:solidFill>
+                <a:latin typeface="Microsoft JhengHei" panose="020B0604030504040204" pitchFamily="34" charset="-120"/>
+                <a:ea typeface="Microsoft JhengHei" panose="020B0604030504040204" pitchFamily="34" charset="-120"/>
+              </a:rPr>
+              <a:t>11 </a:t>
+            </a:r>
+            <a:r>
+              <a:rPr lang="zh-CN" altLang="en-US" sz="1400" b="1" dirty="0">
+                <a:solidFill>
+                  <a:schemeClr val="bg1"/>
+                </a:solidFill>
+                <a:latin typeface="Microsoft JhengHei" panose="020B0604030504040204" pitchFamily="34" charset="-120"/>
+                <a:ea typeface="Microsoft JhengHei" panose="020B0604030504040204" pitchFamily="34" charset="-120"/>
+              </a:rPr>
+              <a:t>月 </a:t>
+            </a:r>
+            <a:r>
+              <a:rPr lang="en-US" altLang="zh-CN" sz="1400" b="1" dirty="0">
+                <a:solidFill>
+                  <a:schemeClr val="bg1"/>
+                </a:solidFill>
+                <a:latin typeface="Microsoft JhengHei" panose="020B0604030504040204" pitchFamily="34" charset="-120"/>
+                <a:ea typeface="Microsoft JhengHei" panose="020B0604030504040204" pitchFamily="34" charset="-120"/>
+              </a:rPr>
+              <a:t>10 </a:t>
+            </a:r>
+            <a:r>
+              <a:rPr lang="zh-CN" altLang="en-US" sz="1400" b="1" dirty="0">
+                <a:solidFill>
+                  <a:schemeClr val="bg1"/>
+                </a:solidFill>
+                <a:latin typeface="Microsoft JhengHei" panose="020B0604030504040204" pitchFamily="34" charset="-120"/>
+                <a:ea typeface="Microsoft JhengHei" panose="020B0604030504040204" pitchFamily="34" charset="-120"/>
+              </a:rPr>
+              <a:t>日</a:t>
+            </a:r>
+            <a:r>
+              <a:rPr lang="zh-CN" altLang="en-US" sz="1400" dirty="0">
+                <a:solidFill>
+                  <a:schemeClr val="bg1"/>
+                </a:solidFill>
+                <a:latin typeface="Microsoft JhengHei" panose="020B0604030504040204" pitchFamily="34" charset="-120"/>
+                <a:ea typeface="Microsoft JhengHei" panose="020B0604030504040204" pitchFamily="34" charset="-120"/>
+              </a:rPr>
+              <a:t> 發佈。</a:t>
+            </a:r>
+            <a:r>
+              <a:rPr lang="en-US" altLang="zh-CN" sz="1400" dirty="0">
+                <a:solidFill>
+                  <a:schemeClr val="bg1"/>
+                </a:solidFill>
+                <a:latin typeface="Microsoft JhengHei" panose="020B0604030504040204" pitchFamily="34" charset="-120"/>
+                <a:ea typeface="Microsoft JhengHei" panose="020B0604030504040204" pitchFamily="34" charset="-120"/>
+              </a:rPr>
+              <a:t>M1 </a:t>
+            </a:r>
+            <a:r>
+              <a:rPr lang="zh-CN" altLang="en-US" sz="1400" dirty="0">
+                <a:solidFill>
+                  <a:schemeClr val="bg1"/>
+                </a:solidFill>
+                <a:latin typeface="Microsoft JhengHei" panose="020B0604030504040204" pitchFamily="34" charset="-120"/>
+                <a:ea typeface="Microsoft JhengHei" panose="020B0604030504040204" pitchFamily="34" charset="-120"/>
+              </a:rPr>
+              <a:t>是蘋果首款基於 </a:t>
+            </a:r>
+            <a:r>
+              <a:rPr lang="en-US" altLang="zh-CN" sz="1400" dirty="0">
+                <a:solidFill>
+                  <a:schemeClr val="bg1"/>
+                </a:solidFill>
+                <a:latin typeface="Microsoft JhengHei" panose="020B0604030504040204" pitchFamily="34" charset="-120"/>
+                <a:ea typeface="Microsoft JhengHei" panose="020B0604030504040204" pitchFamily="34" charset="-120"/>
+              </a:rPr>
+              <a:t>ARM </a:t>
+            </a:r>
+            <a:r>
+              <a:rPr lang="zh-CN" altLang="en-US" sz="1400" dirty="0">
+                <a:solidFill>
+                  <a:schemeClr val="bg1"/>
+                </a:solidFill>
+                <a:latin typeface="Microsoft JhengHei" panose="020B0604030504040204" pitchFamily="34" charset="-120"/>
+                <a:ea typeface="Microsoft JhengHei" panose="020B0604030504040204" pitchFamily="34" charset="-120"/>
+              </a:rPr>
+              <a:t>架構的自研晶片，專為 </a:t>
+            </a:r>
+            <a:r>
+              <a:rPr lang="en-US" altLang="zh-CN" sz="1400" dirty="0">
+                <a:solidFill>
+                  <a:schemeClr val="bg1"/>
+                </a:solidFill>
+                <a:latin typeface="Microsoft JhengHei" panose="020B0604030504040204" pitchFamily="34" charset="-120"/>
+                <a:ea typeface="Microsoft JhengHei" panose="020B0604030504040204" pitchFamily="34" charset="-120"/>
+              </a:rPr>
+              <a:t>Mac </a:t>
+            </a:r>
+            <a:r>
+              <a:rPr lang="zh-CN" altLang="en-US" sz="1400" dirty="0">
+                <a:solidFill>
+                  <a:schemeClr val="bg1"/>
+                </a:solidFill>
+                <a:latin typeface="Microsoft JhengHei" panose="020B0604030504040204" pitchFamily="34" charset="-120"/>
+                <a:ea typeface="Microsoft JhengHei" panose="020B0604030504040204" pitchFamily="34" charset="-120"/>
+              </a:rPr>
+              <a:t>設計，標誌著蘋果從 </a:t>
+            </a:r>
+            <a:r>
+              <a:rPr lang="en-US" altLang="zh-CN" sz="1400" dirty="0">
+                <a:solidFill>
+                  <a:schemeClr val="bg1"/>
+                </a:solidFill>
+                <a:latin typeface="Microsoft JhengHei" panose="020B0604030504040204" pitchFamily="34" charset="-120"/>
+                <a:ea typeface="Microsoft JhengHei" panose="020B0604030504040204" pitchFamily="34" charset="-120"/>
+              </a:rPr>
+              <a:t>Intel </a:t>
+            </a:r>
+            <a:r>
+              <a:rPr lang="zh-CN" altLang="en-US" sz="1400" dirty="0">
+                <a:solidFill>
+                  <a:schemeClr val="bg1"/>
+                </a:solidFill>
+                <a:latin typeface="Microsoft JhengHei" panose="020B0604030504040204" pitchFamily="34" charset="-120"/>
+                <a:ea typeface="Microsoft JhengHei" panose="020B0604030504040204" pitchFamily="34" charset="-120"/>
+              </a:rPr>
+              <a:t>處理器轉向自家設計的 </a:t>
+            </a:r>
+            <a:r>
+              <a:rPr lang="en-US" altLang="zh-CN" sz="1400" dirty="0">
+                <a:solidFill>
+                  <a:schemeClr val="bg1"/>
+                </a:solidFill>
+                <a:latin typeface="Microsoft JhengHei" panose="020B0604030504040204" pitchFamily="34" charset="-120"/>
+                <a:ea typeface="Microsoft JhengHei" panose="020B0604030504040204" pitchFamily="34" charset="-120"/>
+              </a:rPr>
+              <a:t>Apple Silicon </a:t>
+            </a:r>
+            <a:r>
+              <a:rPr lang="zh-CN" altLang="en-US" sz="1400" dirty="0">
+                <a:solidFill>
+                  <a:schemeClr val="bg1"/>
+                </a:solidFill>
+                <a:latin typeface="Microsoft JhengHei" panose="020B0604030504040204" pitchFamily="34" charset="-120"/>
+                <a:ea typeface="Microsoft JhengHei" panose="020B0604030504040204" pitchFamily="34" charset="-120"/>
+              </a:rPr>
+              <a:t>的第一步。</a:t>
             </a:r>
           </a:p>
         </p:txBody>
@@ -5740,7 +5947,7 @@
               <a:t>系列晶片：</a:t>
             </a:r>
             <a:r>
-              <a:rPr lang="en-US" altLang="zh-CN" dirty="0">
+              <a:rPr lang="en-US" altLang="zh-CN" b="1" dirty="0">
                 <a:solidFill>
                   <a:schemeClr val="bg1"/>
                 </a:solidFill>
@@ -5750,6 +5957,16 @@
               <a:t>3 </a:t>
             </a:r>
             <a:r>
+              <a:rPr lang="zh-CN" altLang="en-US" b="1" dirty="0">
+                <a:solidFill>
+                  <a:schemeClr val="bg1"/>
+                </a:solidFill>
+                <a:latin typeface="Microsoft JhengHei" panose="020B0604030504040204" pitchFamily="34" charset="-120"/>
+                <a:ea typeface="Microsoft JhengHei" panose="020B0604030504040204" pitchFamily="34" charset="-120"/>
+              </a:rPr>
+              <a:t>納米</a:t>
+            </a:r>
+            <a:r>
               <a:rPr lang="zh-CN" altLang="en-US" dirty="0">
                 <a:solidFill>
                   <a:schemeClr val="bg1"/>
@@ -5757,7 +5974,7 @@
                 <a:latin typeface="Microsoft JhengHei" panose="020B0604030504040204" pitchFamily="34" charset="-120"/>
                 <a:ea typeface="Microsoft JhengHei" panose="020B0604030504040204" pitchFamily="34" charset="-120"/>
               </a:rPr>
-              <a:t>納米工藝提升性能</a:t>
+              <a:t>工藝提升性能</a:t>
             </a:r>
             <a:endParaRPr lang="en-HK" altLang="zh-CN" b="1" dirty="0">
               <a:solidFill>
@@ -5798,16 +6015,6 @@
           <a:lstStyle/>
           <a:p>
             <a:r>
-              <a:rPr lang="en-US" altLang="zh-CN" dirty="0">
-                <a:solidFill>
-                  <a:schemeClr val="bg1"/>
-                </a:solidFill>
-                <a:latin typeface="Microsoft JhengHei" panose="020B0604030504040204" pitchFamily="34" charset="-120"/>
-                <a:ea typeface="Microsoft JhengHei" panose="020B0604030504040204" pitchFamily="34" charset="-120"/>
-              </a:rPr>
-              <a:t>2020 </a:t>
-            </a:r>
-            <a:r>
               <a:rPr lang="zh-CN" altLang="en-US" dirty="0">
                 <a:solidFill>
                   <a:schemeClr val="bg1"/>
@@ -5815,17 +6022,17 @@
                 <a:latin typeface="Microsoft JhengHei" panose="020B0604030504040204" pitchFamily="34" charset="-120"/>
                 <a:ea typeface="Microsoft JhengHei" panose="020B0604030504040204" pitchFamily="34" charset="-120"/>
               </a:rPr>
-              <a:t>年 </a:t>
-            </a:r>
-            <a:r>
-              <a:rPr lang="en-US" altLang="zh-CN" dirty="0">
-                <a:solidFill>
-                  <a:schemeClr val="bg1"/>
-                </a:solidFill>
-                <a:latin typeface="Microsoft JhengHei" panose="020B0604030504040204" pitchFamily="34" charset="-120"/>
-                <a:ea typeface="Microsoft JhengHei" panose="020B0604030504040204" pitchFamily="34" charset="-120"/>
-              </a:rPr>
-              <a:t>11 </a:t>
+              <a:t>自研晶片的動機：</a:t>
+            </a:r>
+            <a:r>
+              <a:rPr lang="zh-CN" altLang="en-US" b="1" dirty="0">
+                <a:solidFill>
+                  <a:schemeClr val="bg1"/>
+                </a:solidFill>
+                <a:latin typeface="Microsoft JhengHei" panose="020B0604030504040204" pitchFamily="34" charset="-120"/>
+                <a:ea typeface="Microsoft JhengHei" panose="020B0604030504040204" pitchFamily="34" charset="-120"/>
+              </a:rPr>
+              <a:t>性能</a:t>
             </a:r>
             <a:r>
               <a:rPr lang="zh-CN" altLang="en-US" dirty="0">
@@ -5835,17 +6042,17 @@
                 <a:latin typeface="Microsoft JhengHei" panose="020B0604030504040204" pitchFamily="34" charset="-120"/>
                 <a:ea typeface="Microsoft JhengHei" panose="020B0604030504040204" pitchFamily="34" charset="-120"/>
               </a:rPr>
-              <a:t>月：</a:t>
-            </a:r>
-            <a:r>
-              <a:rPr lang="en-US" altLang="zh-CN" dirty="0">
-                <a:solidFill>
-                  <a:schemeClr val="bg1"/>
-                </a:solidFill>
-                <a:latin typeface="Microsoft JhengHei" panose="020B0604030504040204" pitchFamily="34" charset="-120"/>
-                <a:ea typeface="Microsoft JhengHei" panose="020B0604030504040204" pitchFamily="34" charset="-120"/>
-              </a:rPr>
-              <a:t>M1 </a:t>
+              <a:t>、</a:t>
+            </a:r>
+            <a:r>
+              <a:rPr lang="zh-CN" altLang="en-US" b="1" dirty="0">
+                <a:solidFill>
+                  <a:schemeClr val="bg1"/>
+                </a:solidFill>
+                <a:latin typeface="Microsoft JhengHei" panose="020B0604030504040204" pitchFamily="34" charset="-120"/>
+                <a:ea typeface="Microsoft JhengHei" panose="020B0604030504040204" pitchFamily="34" charset="-120"/>
+              </a:rPr>
+              <a:t>功耗</a:t>
             </a:r>
             <a:r>
               <a:rPr lang="zh-CN" altLang="en-US" dirty="0">
@@ -5855,15 +6062,18 @@
                 <a:latin typeface="Microsoft JhengHei" panose="020B0604030504040204" pitchFamily="34" charset="-120"/>
                 <a:ea typeface="Microsoft JhengHei" panose="020B0604030504040204" pitchFamily="34" charset="-120"/>
               </a:rPr>
-              <a:t>開啟新時代</a:t>
-            </a:r>
-            <a:endParaRPr lang="zh-CN" altLang="en-US" b="1" dirty="0">
-              <a:solidFill>
-                <a:schemeClr val="bg1"/>
-              </a:solidFill>
-              <a:latin typeface="Microsoft JhengHei" panose="020B0604030504040204" pitchFamily="34" charset="-120"/>
-              <a:ea typeface="Microsoft JhengHei" panose="020B0604030504040204" pitchFamily="34" charset="-120"/>
-            </a:endParaRPr>
+              <a:t>、</a:t>
+            </a:r>
+            <a:r>
+              <a:rPr lang="zh-CN" altLang="en-US" b="1" dirty="0">
+                <a:solidFill>
+                  <a:schemeClr val="bg1"/>
+                </a:solidFill>
+                <a:latin typeface="Microsoft JhengHei" panose="020B0604030504040204" pitchFamily="34" charset="-120"/>
+                <a:ea typeface="Microsoft JhengHei" panose="020B0604030504040204" pitchFamily="34" charset="-120"/>
+              </a:rPr>
+              <a:t>生態</a:t>
+            </a:r>
           </a:p>
         </p:txBody>
       </p:sp>
@@ -5994,7 +6204,7 @@
                 <a:latin typeface="Microsoft JhengHei" panose="020B0604030504040204" pitchFamily="34" charset="-120"/>
                 <a:ea typeface="Microsoft JhengHei" panose="020B0604030504040204" pitchFamily="34" charset="-120"/>
               </a:rPr>
-              <a:t>	</a:t>
+              <a:t>	ARM </a:t>
             </a:r>
             <a:r>
               <a:rPr lang="zh-CN" altLang="en-US" sz="1400" dirty="0">
@@ -6004,207 +6214,7 @@
                 <a:latin typeface="Microsoft JhengHei" panose="020B0604030504040204" pitchFamily="34" charset="-120"/>
                 <a:ea typeface="Microsoft JhengHei" panose="020B0604030504040204" pitchFamily="34" charset="-120"/>
               </a:rPr>
-              <a:t>蘋果的 </a:t>
-            </a:r>
-            <a:r>
-              <a:rPr lang="en-US" altLang="zh-CN" sz="1400" b="1" dirty="0">
-                <a:solidFill>
-                  <a:schemeClr val="bg1"/>
-                </a:solidFill>
-                <a:latin typeface="Microsoft JhengHei" panose="020B0604030504040204" pitchFamily="34" charset="-120"/>
-                <a:ea typeface="Microsoft JhengHei" panose="020B0604030504040204" pitchFamily="34" charset="-120"/>
-              </a:rPr>
-              <a:t>M1 </a:t>
-            </a:r>
-            <a:r>
-              <a:rPr lang="zh-CN" altLang="en-US" sz="1400" b="1" dirty="0">
-                <a:solidFill>
-                  <a:schemeClr val="bg1"/>
-                </a:solidFill>
-                <a:latin typeface="Microsoft JhengHei" panose="020B0604030504040204" pitchFamily="34" charset="-120"/>
-                <a:ea typeface="Microsoft JhengHei" panose="020B0604030504040204" pitchFamily="34" charset="-120"/>
-              </a:rPr>
-              <a:t>晶片</a:t>
-            </a:r>
-            <a:r>
-              <a:rPr lang="zh-CN" altLang="en-US" sz="1400" dirty="0">
-                <a:solidFill>
-                  <a:schemeClr val="bg1"/>
-                </a:solidFill>
-                <a:latin typeface="Microsoft JhengHei" panose="020B0604030504040204" pitchFamily="34" charset="-120"/>
-                <a:ea typeface="Microsoft JhengHei" panose="020B0604030504040204" pitchFamily="34" charset="-120"/>
-              </a:rPr>
-              <a:t> 於 </a:t>
-            </a:r>
-            <a:r>
-              <a:rPr lang="en-US" altLang="zh-CN" sz="1400" b="1" dirty="0">
-                <a:solidFill>
-                  <a:schemeClr val="bg1"/>
-                </a:solidFill>
-                <a:latin typeface="Microsoft JhengHei" panose="020B0604030504040204" pitchFamily="34" charset="-120"/>
-                <a:ea typeface="Microsoft JhengHei" panose="020B0604030504040204" pitchFamily="34" charset="-120"/>
-              </a:rPr>
-              <a:t>2020 </a:t>
-            </a:r>
-            <a:r>
-              <a:rPr lang="zh-CN" altLang="en-US" sz="1400" b="1" dirty="0">
-                <a:solidFill>
-                  <a:schemeClr val="bg1"/>
-                </a:solidFill>
-                <a:latin typeface="Microsoft JhengHei" panose="020B0604030504040204" pitchFamily="34" charset="-120"/>
-                <a:ea typeface="Microsoft JhengHei" panose="020B0604030504040204" pitchFamily="34" charset="-120"/>
-              </a:rPr>
-              <a:t>年 </a:t>
-            </a:r>
-            <a:r>
-              <a:rPr lang="en-US" altLang="zh-CN" sz="1400" b="1" dirty="0">
-                <a:solidFill>
-                  <a:schemeClr val="bg1"/>
-                </a:solidFill>
-                <a:latin typeface="Microsoft JhengHei" panose="020B0604030504040204" pitchFamily="34" charset="-120"/>
-                <a:ea typeface="Microsoft JhengHei" panose="020B0604030504040204" pitchFamily="34" charset="-120"/>
-              </a:rPr>
-              <a:t>11 </a:t>
-            </a:r>
-            <a:r>
-              <a:rPr lang="zh-CN" altLang="en-US" sz="1400" b="1" dirty="0">
-                <a:solidFill>
-                  <a:schemeClr val="bg1"/>
-                </a:solidFill>
-                <a:latin typeface="Microsoft JhengHei" panose="020B0604030504040204" pitchFamily="34" charset="-120"/>
-                <a:ea typeface="Microsoft JhengHei" panose="020B0604030504040204" pitchFamily="34" charset="-120"/>
-              </a:rPr>
-              <a:t>月 </a:t>
-            </a:r>
-            <a:r>
-              <a:rPr lang="en-US" altLang="zh-CN" sz="1400" b="1" dirty="0">
-                <a:solidFill>
-                  <a:schemeClr val="bg1"/>
-                </a:solidFill>
-                <a:latin typeface="Microsoft JhengHei" panose="020B0604030504040204" pitchFamily="34" charset="-120"/>
-                <a:ea typeface="Microsoft JhengHei" panose="020B0604030504040204" pitchFamily="34" charset="-120"/>
-              </a:rPr>
-              <a:t>10 </a:t>
-            </a:r>
-            <a:r>
-              <a:rPr lang="zh-CN" altLang="en-US" sz="1400" b="1" dirty="0">
-                <a:solidFill>
-                  <a:schemeClr val="bg1"/>
-                </a:solidFill>
-                <a:latin typeface="Microsoft JhengHei" panose="020B0604030504040204" pitchFamily="34" charset="-120"/>
-                <a:ea typeface="Microsoft JhengHei" panose="020B0604030504040204" pitchFamily="34" charset="-120"/>
-              </a:rPr>
-              <a:t>日</a:t>
-            </a:r>
-            <a:r>
-              <a:rPr lang="zh-CN" altLang="en-US" sz="1400" dirty="0">
-                <a:solidFill>
-                  <a:schemeClr val="bg1"/>
-                </a:solidFill>
-                <a:latin typeface="Microsoft JhengHei" panose="020B0604030504040204" pitchFamily="34" charset="-120"/>
-                <a:ea typeface="Microsoft JhengHei" panose="020B0604030504040204" pitchFamily="34" charset="-120"/>
-              </a:rPr>
-              <a:t> 發佈。</a:t>
-            </a:r>
-            <a:r>
-              <a:rPr lang="en-US" altLang="zh-CN" sz="1400" dirty="0">
-                <a:solidFill>
-                  <a:schemeClr val="bg1"/>
-                </a:solidFill>
-                <a:latin typeface="Microsoft JhengHei" panose="020B0604030504040204" pitchFamily="34" charset="-120"/>
-                <a:ea typeface="Microsoft JhengHei" panose="020B0604030504040204" pitchFamily="34" charset="-120"/>
-              </a:rPr>
-              <a:t>M1 </a:t>
-            </a:r>
-            <a:r>
-              <a:rPr lang="zh-CN" altLang="en-US" sz="1400" dirty="0">
-                <a:solidFill>
-                  <a:schemeClr val="bg1"/>
-                </a:solidFill>
-                <a:latin typeface="Microsoft JhengHei" panose="020B0604030504040204" pitchFamily="34" charset="-120"/>
-                <a:ea typeface="Microsoft JhengHei" panose="020B0604030504040204" pitchFamily="34" charset="-120"/>
-              </a:rPr>
-              <a:t>是蘋果首款基於 </a:t>
-            </a:r>
-            <a:r>
-              <a:rPr lang="en-US" altLang="zh-CN" sz="1400" dirty="0">
-                <a:solidFill>
-                  <a:schemeClr val="bg1"/>
-                </a:solidFill>
-                <a:latin typeface="Microsoft JhengHei" panose="020B0604030504040204" pitchFamily="34" charset="-120"/>
-                <a:ea typeface="Microsoft JhengHei" panose="020B0604030504040204" pitchFamily="34" charset="-120"/>
-              </a:rPr>
-              <a:t>ARM </a:t>
-            </a:r>
-            <a:r>
-              <a:rPr lang="zh-CN" altLang="en-US" sz="1400" dirty="0">
-                <a:solidFill>
-                  <a:schemeClr val="bg1"/>
-                </a:solidFill>
-                <a:latin typeface="Microsoft JhengHei" panose="020B0604030504040204" pitchFamily="34" charset="-120"/>
-                <a:ea typeface="Microsoft JhengHei" panose="020B0604030504040204" pitchFamily="34" charset="-120"/>
-              </a:rPr>
-              <a:t>架構的自研晶片，專為 </a:t>
-            </a:r>
-            <a:r>
-              <a:rPr lang="en-US" altLang="zh-CN" sz="1400" dirty="0">
-                <a:solidFill>
-                  <a:schemeClr val="bg1"/>
-                </a:solidFill>
-                <a:latin typeface="Microsoft JhengHei" panose="020B0604030504040204" pitchFamily="34" charset="-120"/>
-                <a:ea typeface="Microsoft JhengHei" panose="020B0604030504040204" pitchFamily="34" charset="-120"/>
-              </a:rPr>
-              <a:t>Mac </a:t>
-            </a:r>
-            <a:r>
-              <a:rPr lang="zh-CN" altLang="en-US" sz="1400" dirty="0">
-                <a:solidFill>
-                  <a:schemeClr val="bg1"/>
-                </a:solidFill>
-                <a:latin typeface="Microsoft JhengHei" panose="020B0604030504040204" pitchFamily="34" charset="-120"/>
-                <a:ea typeface="Microsoft JhengHei" panose="020B0604030504040204" pitchFamily="34" charset="-120"/>
-              </a:rPr>
-              <a:t>設計，標誌著蘋果從 </a:t>
-            </a:r>
-            <a:r>
-              <a:rPr lang="en-US" altLang="zh-CN" sz="1400" dirty="0">
-                <a:solidFill>
-                  <a:schemeClr val="bg1"/>
-                </a:solidFill>
-                <a:latin typeface="Microsoft JhengHei" panose="020B0604030504040204" pitchFamily="34" charset="-120"/>
-                <a:ea typeface="Microsoft JhengHei" panose="020B0604030504040204" pitchFamily="34" charset="-120"/>
-              </a:rPr>
-              <a:t>Intel </a:t>
-            </a:r>
-            <a:r>
-              <a:rPr lang="zh-CN" altLang="en-US" sz="1400" dirty="0">
-                <a:solidFill>
-                  <a:schemeClr val="bg1"/>
-                </a:solidFill>
-                <a:latin typeface="Microsoft JhengHei" panose="020B0604030504040204" pitchFamily="34" charset="-120"/>
-                <a:ea typeface="Microsoft JhengHei" panose="020B0604030504040204" pitchFamily="34" charset="-120"/>
-              </a:rPr>
-              <a:t>處理器轉向自家設計的 </a:t>
-            </a:r>
-            <a:r>
-              <a:rPr lang="en-US" altLang="zh-CN" sz="1400" dirty="0">
-                <a:solidFill>
-                  <a:schemeClr val="bg1"/>
-                </a:solidFill>
-                <a:latin typeface="Microsoft JhengHei" panose="020B0604030504040204" pitchFamily="34" charset="-120"/>
-                <a:ea typeface="Microsoft JhengHei" panose="020B0604030504040204" pitchFamily="34" charset="-120"/>
-              </a:rPr>
-              <a:t>Apple Silicon </a:t>
-            </a:r>
-            <a:r>
-              <a:rPr lang="zh-CN" altLang="en-US" sz="1400" dirty="0">
-                <a:solidFill>
-                  <a:schemeClr val="bg1"/>
-                </a:solidFill>
-                <a:latin typeface="Microsoft JhengHei" panose="020B0604030504040204" pitchFamily="34" charset="-120"/>
-                <a:ea typeface="Microsoft JhengHei" panose="020B0604030504040204" pitchFamily="34" charset="-120"/>
-              </a:rPr>
-              <a:t>的第一步。</a:t>
+              <a:t>架構天然的低功耗優勢，讓蘋果設備在高性能下依然保持出色的電池續航，自研晶片實現了硬體和作業系統的深度整合，最大化了蘋果生態的獨特優勢。</a:t>
             </a:r>
           </a:p>
         </p:txBody>

--- a/Apple.pptx
+++ b/Apple.pptx
@@ -5,7 +5,7 @@
     <p:sldMasterId id="2147483672" r:id="rId1"/>
   </p:sldMasterIdLst>
   <p:notesMasterIdLst>
-    <p:notesMasterId r:id="rId11"/>
+    <p:notesMasterId r:id="rId12"/>
   </p:notesMasterIdLst>
   <p:sldIdLst>
     <p:sldId id="260" r:id="rId2"/>
@@ -13,10 +13,11 @@
     <p:sldId id="267" r:id="rId4"/>
     <p:sldId id="273" r:id="rId5"/>
     <p:sldId id="269" r:id="rId6"/>
-    <p:sldId id="272" r:id="rId7"/>
-    <p:sldId id="271" r:id="rId8"/>
-    <p:sldId id="262" r:id="rId9"/>
-    <p:sldId id="261" r:id="rId10"/>
+    <p:sldId id="275" r:id="rId7"/>
+    <p:sldId id="272" r:id="rId8"/>
+    <p:sldId id="271" r:id="rId9"/>
+    <p:sldId id="262" r:id="rId10"/>
+    <p:sldId id="261" r:id="rId11"/>
   </p:sldIdLst>
   <p:sldSz cx="12192000" cy="6858000"/>
   <p:notesSz cx="6858000" cy="9144000"/>
@@ -3786,6 +3787,291 @@
 </p:sld>
 </file>
 
+<file path=ppt/slides/slide10.xml><?xml version="1.0" encoding="utf-8"?>
+<p:sld xmlns:a="http://schemas.openxmlformats.org/drawingml/2006/main" xmlns:r="http://schemas.openxmlformats.org/officeDocument/2006/relationships" xmlns:p="http://schemas.openxmlformats.org/presentationml/2006/main">
+  <p:cSld>
+    <p:bg>
+      <p:bgPr>
+        <a:solidFill>
+          <a:srgbClr val="000000"/>
+        </a:solidFill>
+        <a:effectLst/>
+      </p:bgPr>
+    </p:bg>
+    <p:spTree>
+      <p:nvGrpSpPr>
+        <p:cNvPr id="1" name=""/>
+        <p:cNvGrpSpPr/>
+        <p:nvPr/>
+      </p:nvGrpSpPr>
+      <p:grpSpPr>
+        <a:xfrm>
+          <a:off x="0" y="0"/>
+          <a:ext cx="0" cy="0"/>
+          <a:chOff x="0" y="0"/>
+          <a:chExt cx="0" cy="0"/>
+        </a:xfrm>
+      </p:grpSpPr>
+      <p:sp>
+        <p:nvSpPr>
+          <p:cNvPr id="2" name="标题 1">
+            <a:extLst>
+              <a:ext uri="{FF2B5EF4-FFF2-40B4-BE49-F238E27FC236}">
+                <a16:creationId xmlns:a16="http://schemas.microsoft.com/office/drawing/2014/main" id="{A9331808-5073-48E0-9557-72EAA957DA65}"/>
+              </a:ext>
+            </a:extLst>
+          </p:cNvPr>
+          <p:cNvSpPr>
+            <a:spLocks noGrp="1"/>
+          </p:cNvSpPr>
+          <p:nvPr>
+            <p:ph type="title"/>
+          </p:nvPr>
+        </p:nvSpPr>
+        <p:spPr/>
+        <p:txBody>
+          <a:bodyPr/>
+          <a:lstStyle/>
+          <a:p>
+            <a:endParaRPr lang="zh-CN" altLang="en-US"/>
+          </a:p>
+        </p:txBody>
+      </p:sp>
+      <p:sp>
+        <p:nvSpPr>
+          <p:cNvPr id="3" name="内容占位符 2">
+            <a:extLst>
+              <a:ext uri="{FF2B5EF4-FFF2-40B4-BE49-F238E27FC236}">
+                <a16:creationId xmlns:a16="http://schemas.microsoft.com/office/drawing/2014/main" id="{6813ECA5-ED6C-B673-FAD8-2AB96FEB52E0}"/>
+              </a:ext>
+            </a:extLst>
+          </p:cNvPr>
+          <p:cNvSpPr>
+            <a:spLocks noGrp="1"/>
+          </p:cNvSpPr>
+          <p:nvPr>
+            <p:ph idx="1"/>
+          </p:nvPr>
+        </p:nvSpPr>
+        <p:spPr/>
+        <p:txBody>
+          <a:bodyPr/>
+          <a:lstStyle/>
+          <a:p>
+            <a:endParaRPr lang="zh-CN" altLang="en-US"/>
+          </a:p>
+        </p:txBody>
+      </p:sp>
+      <p:pic>
+        <p:nvPicPr>
+          <p:cNvPr id="5" name="图片 4">
+            <a:extLst>
+              <a:ext uri="{FF2B5EF4-FFF2-40B4-BE49-F238E27FC236}">
+                <a16:creationId xmlns:a16="http://schemas.microsoft.com/office/drawing/2014/main" id="{07C92E77-AEFA-C27A-21C4-5B940B192040}"/>
+              </a:ext>
+            </a:extLst>
+          </p:cNvPr>
+          <p:cNvPicPr>
+            <a:picLocks noChangeAspect="1"/>
+          </p:cNvPicPr>
+          <p:nvPr/>
+        </p:nvPicPr>
+        <p:blipFill>
+          <a:blip r:embed="rId2"/>
+          <a:stretch>
+            <a:fillRect/>
+          </a:stretch>
+        </p:blipFill>
+        <p:spPr>
+          <a:xfrm>
+            <a:off x="0" y="0"/>
+            <a:ext cx="12192000" cy="6858000"/>
+          </a:xfrm>
+          <a:prstGeom prst="rect">
+            <a:avLst/>
+          </a:prstGeom>
+        </p:spPr>
+      </p:pic>
+      <p:sp>
+        <p:nvSpPr>
+          <p:cNvPr id="6" name="文本框 5">
+            <a:extLst>
+              <a:ext uri="{FF2B5EF4-FFF2-40B4-BE49-F238E27FC236}">
+                <a16:creationId xmlns:a16="http://schemas.microsoft.com/office/drawing/2014/main" id="{F5F1179B-A25D-F475-CA5E-BD4722DC3107}"/>
+              </a:ext>
+            </a:extLst>
+          </p:cNvPr>
+          <p:cNvSpPr txBox="1"/>
+          <p:nvPr/>
+        </p:nvSpPr>
+        <p:spPr>
+          <a:xfrm>
+            <a:off x="2947830" y="5439851"/>
+            <a:ext cx="6296339" cy="707886"/>
+          </a:xfrm>
+          <a:prstGeom prst="rect">
+            <a:avLst/>
+          </a:prstGeom>
+          <a:noFill/>
+        </p:spPr>
+        <p:txBody>
+          <a:bodyPr wrap="none" rtlCol="0">
+            <a:spAutoFit/>
+          </a:bodyPr>
+          <a:lstStyle/>
+          <a:p>
+            <a:r>
+              <a:rPr kumimoji="1" lang="en-US" altLang="zh-TW" sz="4000" b="1" spc="100">
+                <a:gradFill>
+                  <a:gsLst>
+                    <a:gs pos="0">
+                      <a:schemeClr val="accent1">
+                        <a:lumMod val="5000"/>
+                        <a:lumOff val="95000"/>
+                      </a:schemeClr>
+                    </a:gs>
+                    <a:gs pos="74000">
+                      <a:schemeClr val="accent1">
+                        <a:lumMod val="45000"/>
+                        <a:lumOff val="55000"/>
+                      </a:schemeClr>
+                    </a:gs>
+                    <a:gs pos="83000">
+                      <a:schemeClr val="accent1">
+                        <a:lumMod val="45000"/>
+                        <a:lumOff val="55000"/>
+                      </a:schemeClr>
+                    </a:gs>
+                    <a:gs pos="100000">
+                      <a:schemeClr val="accent1">
+                        <a:lumMod val="30000"/>
+                        <a:lumOff val="70000"/>
+                      </a:schemeClr>
+                    </a:gs>
+                  </a:gsLst>
+                  <a:lin ang="5400000" scaled="1"/>
+                </a:gradFill>
+                <a:latin typeface="Microsoft JhengHei" panose="020B0604030504040204" pitchFamily="34" charset="-120"/>
+                <a:ea typeface="Microsoft JhengHei" panose="020B0604030504040204" pitchFamily="34" charset="-120"/>
+              </a:rPr>
+              <a:t>Thank you for listening.</a:t>
+            </a:r>
+            <a:endParaRPr kumimoji="1" lang="zh-TW" altLang="en-US" sz="4000" b="1" spc="100">
+              <a:gradFill>
+                <a:gsLst>
+                  <a:gs pos="0">
+                    <a:schemeClr val="accent1">
+                      <a:lumMod val="5000"/>
+                      <a:lumOff val="95000"/>
+                    </a:schemeClr>
+                  </a:gs>
+                  <a:gs pos="74000">
+                    <a:schemeClr val="accent1">
+                      <a:lumMod val="45000"/>
+                      <a:lumOff val="55000"/>
+                    </a:schemeClr>
+                  </a:gs>
+                  <a:gs pos="83000">
+                    <a:schemeClr val="accent1">
+                      <a:lumMod val="45000"/>
+                      <a:lumOff val="55000"/>
+                    </a:schemeClr>
+                  </a:gs>
+                  <a:gs pos="100000">
+                    <a:schemeClr val="accent1">
+                      <a:lumMod val="30000"/>
+                      <a:lumOff val="70000"/>
+                    </a:schemeClr>
+                  </a:gs>
+                </a:gsLst>
+                <a:lin ang="5400000" scaled="1"/>
+              </a:gradFill>
+              <a:latin typeface="Microsoft JhengHei" panose="020B0604030504040204" pitchFamily="34" charset="-120"/>
+              <a:ea typeface="Microsoft JhengHei" panose="020B0604030504040204" pitchFamily="34" charset="-120"/>
+            </a:endParaRPr>
+          </a:p>
+        </p:txBody>
+      </p:sp>
+      <p:sp>
+        <p:nvSpPr>
+          <p:cNvPr id="7" name="文本框 6">
+            <a:extLst>
+              <a:ext uri="{FF2B5EF4-FFF2-40B4-BE49-F238E27FC236}">
+                <a16:creationId xmlns:a16="http://schemas.microsoft.com/office/drawing/2014/main" id="{B744A37F-92F4-BF3D-70A1-A7E07799FEFE}"/>
+              </a:ext>
+            </a:extLst>
+          </p:cNvPr>
+          <p:cNvSpPr txBox="1"/>
+          <p:nvPr/>
+        </p:nvSpPr>
+        <p:spPr>
+          <a:xfrm>
+            <a:off x="4823857" y="4569676"/>
+            <a:ext cx="2544286" cy="707886"/>
+          </a:xfrm>
+          <a:prstGeom prst="rect">
+            <a:avLst/>
+          </a:prstGeom>
+          <a:noFill/>
+        </p:spPr>
+        <p:txBody>
+          <a:bodyPr wrap="square" rtlCol="0">
+            <a:spAutoFit/>
+          </a:bodyPr>
+          <a:lstStyle/>
+          <a:p>
+            <a:r>
+              <a:rPr kumimoji="1" lang="zh-TW" altLang="en-US" sz="4000" b="1" spc="600">
+                <a:gradFill>
+                  <a:gsLst>
+                    <a:gs pos="0">
+                      <a:schemeClr val="accent1">
+                        <a:lumMod val="5000"/>
+                        <a:lumOff val="95000"/>
+                      </a:schemeClr>
+                    </a:gs>
+                    <a:gs pos="74000">
+                      <a:schemeClr val="accent1">
+                        <a:lumMod val="45000"/>
+                        <a:lumOff val="55000"/>
+                      </a:schemeClr>
+                    </a:gs>
+                    <a:gs pos="83000">
+                      <a:schemeClr val="accent1">
+                        <a:lumMod val="45000"/>
+                        <a:lumOff val="55000"/>
+                      </a:schemeClr>
+                    </a:gs>
+                    <a:gs pos="100000">
+                      <a:schemeClr val="accent1">
+                        <a:lumMod val="30000"/>
+                        <a:lumOff val="70000"/>
+                      </a:schemeClr>
+                    </a:gs>
+                  </a:gsLst>
+                  <a:lin ang="5400000" scaled="1"/>
+                </a:gradFill>
+                <a:latin typeface="Microsoft JhengHei UI" panose="020B0604030504040204" pitchFamily="34" charset="-120"/>
+                <a:ea typeface="Microsoft JhengHei UI" panose="020B0604030504040204" pitchFamily="34" charset="-120"/>
+              </a:rPr>
+              <a:t>感謝觀賞</a:t>
+            </a:r>
+          </a:p>
+        </p:txBody>
+      </p:sp>
+    </p:spTree>
+    <p:extLst>
+      <p:ext uri="{BB962C8B-B14F-4D97-AF65-F5344CB8AC3E}">
+        <p14:creationId xmlns:p14="http://schemas.microsoft.com/office/powerpoint/2010/main" val="2395346073"/>
+      </p:ext>
+    </p:extLst>
+  </p:cSld>
+  <p:clrMapOvr>
+    <a:masterClrMapping/>
+  </p:clrMapOvr>
+</p:sld>
+</file>
+
 <file path=ppt/slides/slide2.xml><?xml version="1.0" encoding="utf-8"?>
 <p:sld xmlns:a="http://schemas.openxmlformats.org/drawingml/2006/main" xmlns:r="http://schemas.openxmlformats.org/officeDocument/2006/relationships" xmlns:p="http://schemas.openxmlformats.org/presentationml/2006/main">
   <p:cSld>
@@ -5020,7 +5306,7 @@
           <a:lstStyle/>
           <a:p>
             <a:r>
-              <a:rPr lang="zh-CN" altLang="en-US" sz="4000" b="1">
+              <a:rPr lang="zh-CN" altLang="en-US" sz="4000" b="1" dirty="0">
                 <a:gradFill>
                   <a:gsLst>
                     <a:gs pos="0">
@@ -6683,7 +6969,7 @@
         <p:cNvPr id="1" name="">
           <a:extLst>
             <a:ext uri="{FF2B5EF4-FFF2-40B4-BE49-F238E27FC236}">
-              <a16:creationId xmlns:a16="http://schemas.microsoft.com/office/drawing/2014/main" id="{DA67FBE2-C33E-0CCE-D163-C01E26280AF7}"/>
+              <a16:creationId xmlns:a16="http://schemas.microsoft.com/office/drawing/2014/main" id="{E596E171-E1E2-D2D0-D9E7-AAA06BDE5597}"/>
             </a:ext>
           </a:extLst>
         </p:cNvPr>
@@ -6703,7 +6989,7 @@
           <p:cNvPr id="8" name="文本框 7">
             <a:extLst>
               <a:ext uri="{FF2B5EF4-FFF2-40B4-BE49-F238E27FC236}">
-                <a16:creationId xmlns:a16="http://schemas.microsoft.com/office/drawing/2014/main" id="{38C94C37-9FAC-D3B9-7AD6-2ADA7953DCA0}"/>
+                <a16:creationId xmlns:a16="http://schemas.microsoft.com/office/drawing/2014/main" id="{2C2F3F42-A810-7321-85EC-F13108756F30}"/>
               </a:ext>
             </a:extLst>
           </p:cNvPr>
@@ -6797,6 +7083,621 @@
                 <a:ea typeface="Microsoft JhengHei" panose="020B0604030504040204" pitchFamily="34" charset="-120"/>
               </a:rPr>
               <a:t>架構</a:t>
+            </a:r>
+            <a:endParaRPr lang="zh-CN" altLang="en-US" sz="4000" b="1" dirty="0">
+              <a:gradFill>
+                <a:gsLst>
+                  <a:gs pos="0">
+                    <a:schemeClr val="accent1">
+                      <a:lumMod val="5000"/>
+                      <a:lumOff val="95000"/>
+                    </a:schemeClr>
+                  </a:gs>
+                  <a:gs pos="74000">
+                    <a:schemeClr val="accent1">
+                      <a:lumMod val="45000"/>
+                      <a:lumOff val="55000"/>
+                    </a:schemeClr>
+                  </a:gs>
+                  <a:gs pos="83000">
+                    <a:schemeClr val="accent1">
+                      <a:lumMod val="45000"/>
+                      <a:lumOff val="55000"/>
+                    </a:schemeClr>
+                  </a:gs>
+                  <a:gs pos="100000">
+                    <a:schemeClr val="accent1">
+                      <a:lumMod val="30000"/>
+                      <a:lumOff val="70000"/>
+                    </a:schemeClr>
+                  </a:gs>
+                </a:gsLst>
+                <a:lin ang="5400000" scaled="1"/>
+              </a:gradFill>
+              <a:latin typeface="Microsoft JhengHei" panose="020B0604030504040204" pitchFamily="34" charset="-120"/>
+              <a:ea typeface="Microsoft JhengHei" panose="020B0604030504040204" pitchFamily="34" charset="-120"/>
+            </a:endParaRPr>
+          </a:p>
+        </p:txBody>
+      </p:sp>
+      <p:cxnSp>
+        <p:nvCxnSpPr>
+          <p:cNvPr id="23" name="直線接點 6">
+            <a:extLst>
+              <a:ext uri="{FF2B5EF4-FFF2-40B4-BE49-F238E27FC236}">
+                <a16:creationId xmlns:a16="http://schemas.microsoft.com/office/drawing/2014/main" id="{6DF8B6FC-4633-DF74-6C75-69ACD56BA53F}"/>
+              </a:ext>
+            </a:extLst>
+          </p:cNvPr>
+          <p:cNvCxnSpPr/>
+          <p:nvPr/>
+        </p:nvCxnSpPr>
+        <p:spPr>
+          <a:xfrm>
+            <a:off x="2227941" y="1495312"/>
+            <a:ext cx="7236000" cy="0"/>
+          </a:xfrm>
+          <a:prstGeom prst="line">
+            <a:avLst/>
+          </a:prstGeom>
+          <a:ln w="15875" cmpd="sng">
+            <a:solidFill>
+              <a:schemeClr val="bg2"/>
+            </a:solidFill>
+          </a:ln>
+        </p:spPr>
+        <p:style>
+          <a:lnRef idx="1">
+            <a:schemeClr val="accent1"/>
+          </a:lnRef>
+          <a:fillRef idx="0">
+            <a:schemeClr val="accent1"/>
+          </a:fillRef>
+          <a:effectRef idx="0">
+            <a:schemeClr val="accent1"/>
+          </a:effectRef>
+          <a:fontRef idx="minor">
+            <a:schemeClr val="tx1"/>
+          </a:fontRef>
+        </p:style>
+      </p:cxnSp>
+      <p:pic>
+        <p:nvPicPr>
+          <p:cNvPr id="3" name="Picture 2">
+            <a:extLst>
+              <a:ext uri="{FF2B5EF4-FFF2-40B4-BE49-F238E27FC236}">
+                <a16:creationId xmlns:a16="http://schemas.microsoft.com/office/drawing/2014/main" id="{FC5545CF-1780-ABB7-2F3B-688616398281}"/>
+              </a:ext>
+            </a:extLst>
+          </p:cNvPr>
+          <p:cNvPicPr>
+            <a:picLocks noChangeAspect="1" noChangeArrowheads="1"/>
+          </p:cNvPicPr>
+          <p:nvPr/>
+        </p:nvPicPr>
+        <p:blipFill>
+          <a:blip r:embed="rId2"/>
+          <a:srcRect/>
+          <a:stretch/>
+        </p:blipFill>
+        <p:spPr bwMode="auto">
+          <a:xfrm>
+            <a:off x="7468491" y="1346455"/>
+            <a:ext cx="4527688" cy="5433227"/>
+          </a:xfrm>
+          <a:prstGeom prst="rect">
+            <a:avLst/>
+          </a:prstGeom>
+          <a:noFill/>
+          <a:extLst>
+            <a:ext uri="{909E8E84-426E-40DD-AFC4-6F175D3DCCD1}">
+              <a14:hiddenFill xmlns:a14="http://schemas.microsoft.com/office/drawing/2010/main">
+                <a:solidFill>
+                  <a:srgbClr val="FFFFFF"/>
+                </a:solidFill>
+              </a14:hiddenFill>
+            </a:ext>
+          </a:extLst>
+        </p:spPr>
+      </p:pic>
+      <p:sp>
+        <p:nvSpPr>
+          <p:cNvPr id="6" name="文本框 5">
+            <a:extLst>
+              <a:ext uri="{FF2B5EF4-FFF2-40B4-BE49-F238E27FC236}">
+                <a16:creationId xmlns:a16="http://schemas.microsoft.com/office/drawing/2014/main" id="{0F838BD6-AD3A-7CA3-86C9-E2FB8E74EE81}"/>
+              </a:ext>
+            </a:extLst>
+          </p:cNvPr>
+          <p:cNvSpPr txBox="1"/>
+          <p:nvPr/>
+        </p:nvSpPr>
+        <p:spPr>
+          <a:xfrm>
+            <a:off x="2227938" y="1755012"/>
+            <a:ext cx="4875911" cy="369332"/>
+          </a:xfrm>
+          <a:prstGeom prst="rect">
+            <a:avLst/>
+          </a:prstGeom>
+          <a:noFill/>
+        </p:spPr>
+        <p:txBody>
+          <a:bodyPr wrap="square" rtlCol="0">
+            <a:spAutoFit/>
+          </a:bodyPr>
+          <a:lstStyle/>
+          <a:p>
+            <a:r>
+              <a:rPr lang="en-HK" altLang="zh-CN" dirty="0">
+                <a:solidFill>
+                  <a:schemeClr val="bg1"/>
+                </a:solidFill>
+                <a:latin typeface="Microsoft JhengHei" panose="020B0604030504040204" pitchFamily="34" charset="-120"/>
+                <a:ea typeface="Microsoft JhengHei" panose="020B0604030504040204" pitchFamily="34" charset="-120"/>
+              </a:rPr>
+              <a:t>ARM</a:t>
+            </a:r>
+            <a:r>
+              <a:rPr lang="zh-CN" altLang="en-US" dirty="0">
+                <a:solidFill>
+                  <a:schemeClr val="bg1"/>
+                </a:solidFill>
+                <a:latin typeface="Microsoft JhengHei" panose="020B0604030504040204" pitchFamily="34" charset="-120"/>
+                <a:ea typeface="Microsoft JhengHei" panose="020B0604030504040204" pitchFamily="34" charset="-120"/>
+              </a:rPr>
+              <a:t>架构介绍</a:t>
+            </a:r>
+            <a:endParaRPr lang="en-HK" altLang="zh-CN" dirty="0">
+              <a:solidFill>
+                <a:schemeClr val="bg1"/>
+              </a:solidFill>
+              <a:latin typeface="Microsoft JhengHei" panose="020B0604030504040204" pitchFamily="34" charset="-120"/>
+              <a:ea typeface="Microsoft JhengHei" panose="020B0604030504040204" pitchFamily="34" charset="-120"/>
+            </a:endParaRPr>
+          </a:p>
+        </p:txBody>
+      </p:sp>
+      <p:sp>
+        <p:nvSpPr>
+          <p:cNvPr id="7" name="文本框 6">
+            <a:extLst>
+              <a:ext uri="{FF2B5EF4-FFF2-40B4-BE49-F238E27FC236}">
+                <a16:creationId xmlns:a16="http://schemas.microsoft.com/office/drawing/2014/main" id="{6891E132-A225-E1AB-70EC-310B1C0F22F9}"/>
+              </a:ext>
+            </a:extLst>
+          </p:cNvPr>
+          <p:cNvSpPr txBox="1"/>
+          <p:nvPr/>
+        </p:nvSpPr>
+        <p:spPr>
+          <a:xfrm>
+            <a:off x="2227937" y="3405993"/>
+            <a:ext cx="4875911" cy="369332"/>
+          </a:xfrm>
+          <a:prstGeom prst="rect">
+            <a:avLst/>
+          </a:prstGeom>
+          <a:noFill/>
+        </p:spPr>
+        <p:txBody>
+          <a:bodyPr wrap="square" rtlCol="0">
+            <a:spAutoFit/>
+          </a:bodyPr>
+          <a:lstStyle/>
+          <a:p>
+            <a:r>
+              <a:rPr lang="en-US" altLang="zh-CN" dirty="0">
+                <a:solidFill>
+                  <a:schemeClr val="bg1"/>
+                </a:solidFill>
+                <a:latin typeface="Microsoft JhengHei" panose="020B0604030504040204" pitchFamily="34" charset="-120"/>
+                <a:ea typeface="Microsoft JhengHei" panose="020B0604030504040204" pitchFamily="34" charset="-120"/>
+              </a:rPr>
+              <a:t>ARM</a:t>
+            </a:r>
+            <a:r>
+              <a:rPr lang="zh-CN" altLang="en-US" dirty="0">
+                <a:solidFill>
+                  <a:schemeClr val="bg1"/>
+                </a:solidFill>
+                <a:latin typeface="Microsoft JhengHei" panose="020B0604030504040204" pitchFamily="34" charset="-120"/>
+                <a:ea typeface="Microsoft JhengHei" panose="020B0604030504040204" pitchFamily="34" charset="-120"/>
+              </a:rPr>
+              <a:t>的優點</a:t>
+            </a:r>
+            <a:r>
+              <a:rPr lang="en-US" altLang="zh-CN" dirty="0">
+                <a:solidFill>
+                  <a:schemeClr val="bg1"/>
+                </a:solidFill>
+                <a:latin typeface="Microsoft JhengHei" panose="020B0604030504040204" pitchFamily="34" charset="-120"/>
+                <a:ea typeface="Microsoft JhengHei" panose="020B0604030504040204" pitchFamily="34" charset="-120"/>
+              </a:rPr>
+              <a:t>:</a:t>
+            </a:r>
+            <a:endParaRPr lang="en-HK" altLang="zh-CN" dirty="0">
+              <a:solidFill>
+                <a:schemeClr val="bg1"/>
+              </a:solidFill>
+              <a:latin typeface="Microsoft JhengHei" panose="020B0604030504040204" pitchFamily="34" charset="-120"/>
+              <a:ea typeface="Microsoft JhengHei" panose="020B0604030504040204" pitchFamily="34" charset="-120"/>
+            </a:endParaRPr>
+          </a:p>
+        </p:txBody>
+      </p:sp>
+      <p:sp>
+        <p:nvSpPr>
+          <p:cNvPr id="9" name="文本框 8">
+            <a:extLst>
+              <a:ext uri="{FF2B5EF4-FFF2-40B4-BE49-F238E27FC236}">
+                <a16:creationId xmlns:a16="http://schemas.microsoft.com/office/drawing/2014/main" id="{34E8CC36-234D-025C-DE40-361F8D90E50B}"/>
+              </a:ext>
+            </a:extLst>
+          </p:cNvPr>
+          <p:cNvSpPr txBox="1"/>
+          <p:nvPr/>
+        </p:nvSpPr>
+        <p:spPr>
+          <a:xfrm>
+            <a:off x="2227937" y="4063068"/>
+            <a:ext cx="4875911" cy="1169551"/>
+          </a:xfrm>
+          <a:prstGeom prst="rect">
+            <a:avLst/>
+          </a:prstGeom>
+          <a:noFill/>
+        </p:spPr>
+        <p:txBody>
+          <a:bodyPr wrap="square" rtlCol="0">
+            <a:spAutoFit/>
+          </a:bodyPr>
+          <a:lstStyle/>
+          <a:p>
+            <a:r>
+              <a:rPr lang="en-US" altLang="zh-CN" sz="1400" dirty="0">
+                <a:solidFill>
+                  <a:schemeClr val="bg1"/>
+                </a:solidFill>
+                <a:latin typeface="Microsoft JhengHei" panose="020B0604030504040204" pitchFamily="34" charset="-120"/>
+                <a:ea typeface="Microsoft JhengHei" panose="020B0604030504040204" pitchFamily="34" charset="-120"/>
+              </a:rPr>
+              <a:t>	1. </a:t>
+            </a:r>
+            <a:r>
+              <a:rPr lang="zh-CN" altLang="en-US" sz="1400" dirty="0">
+                <a:solidFill>
+                  <a:schemeClr val="bg1"/>
+                </a:solidFill>
+                <a:latin typeface="Microsoft JhengHei" panose="020B0604030504040204" pitchFamily="34" charset="-120"/>
+                <a:ea typeface="Microsoft JhengHei" panose="020B0604030504040204" pitchFamily="34" charset="-120"/>
+              </a:rPr>
+              <a:t>具有低功耗特点</a:t>
+            </a:r>
+            <a:endParaRPr lang="en-US" altLang="zh-CN" sz="1400" dirty="0">
+              <a:solidFill>
+                <a:schemeClr val="bg1"/>
+              </a:solidFill>
+              <a:latin typeface="Microsoft JhengHei" panose="020B0604030504040204" pitchFamily="34" charset="-120"/>
+              <a:ea typeface="Microsoft JhengHei" panose="020B0604030504040204" pitchFamily="34" charset="-120"/>
+            </a:endParaRPr>
+          </a:p>
+          <a:p>
+            <a:r>
+              <a:rPr lang="en-US" altLang="zh-CN" sz="1400" dirty="0">
+                <a:solidFill>
+                  <a:schemeClr val="bg1"/>
+                </a:solidFill>
+                <a:latin typeface="Microsoft JhengHei" panose="020B0604030504040204" pitchFamily="34" charset="-120"/>
+                <a:ea typeface="Microsoft JhengHei" panose="020B0604030504040204" pitchFamily="34" charset="-120"/>
+              </a:rPr>
+              <a:t>	2. </a:t>
+            </a:r>
+            <a:r>
+              <a:rPr lang="zh-CN" altLang="en-US" sz="1400" dirty="0">
+                <a:solidFill>
+                  <a:schemeClr val="bg1"/>
+                </a:solidFill>
+                <a:latin typeface="Microsoft JhengHei" panose="020B0604030504040204" pitchFamily="34" charset="-120"/>
+                <a:ea typeface="Microsoft JhengHei" panose="020B0604030504040204" pitchFamily="34" charset="-120"/>
+              </a:rPr>
+              <a:t>高性能与高效能比</a:t>
+            </a:r>
+            <a:endParaRPr lang="en-US" altLang="zh-CN" sz="1400" dirty="0">
+              <a:solidFill>
+                <a:schemeClr val="bg1"/>
+              </a:solidFill>
+              <a:latin typeface="Microsoft JhengHei" panose="020B0604030504040204" pitchFamily="34" charset="-120"/>
+              <a:ea typeface="Microsoft JhengHei" panose="020B0604030504040204" pitchFamily="34" charset="-120"/>
+            </a:endParaRPr>
+          </a:p>
+          <a:p>
+            <a:r>
+              <a:rPr lang="en-US" altLang="zh-CN" sz="1400" dirty="0">
+                <a:solidFill>
+                  <a:schemeClr val="bg1"/>
+                </a:solidFill>
+                <a:latin typeface="Microsoft JhengHei" panose="020B0604030504040204" pitchFamily="34" charset="-120"/>
+                <a:ea typeface="Microsoft JhengHei" panose="020B0604030504040204" pitchFamily="34" charset="-120"/>
+              </a:rPr>
+              <a:t>	3. </a:t>
+            </a:r>
+            <a:r>
+              <a:rPr lang="zh-CN" altLang="en-US" sz="1400" dirty="0">
+                <a:solidFill>
+                  <a:schemeClr val="bg1"/>
+                </a:solidFill>
+                <a:latin typeface="Microsoft JhengHei" panose="020B0604030504040204" pitchFamily="34" charset="-120"/>
+                <a:ea typeface="Microsoft JhengHei" panose="020B0604030504040204" pitchFamily="34" charset="-120"/>
+              </a:rPr>
+              <a:t>支持多核架构</a:t>
+            </a:r>
+            <a:endParaRPr lang="en-US" altLang="zh-CN" sz="1400" dirty="0">
+              <a:solidFill>
+                <a:schemeClr val="bg1"/>
+              </a:solidFill>
+              <a:latin typeface="Microsoft JhengHei" panose="020B0604030504040204" pitchFamily="34" charset="-120"/>
+              <a:ea typeface="Microsoft JhengHei" panose="020B0604030504040204" pitchFamily="34" charset="-120"/>
+            </a:endParaRPr>
+          </a:p>
+          <a:p>
+            <a:r>
+              <a:rPr lang="en-US" altLang="zh-CN" sz="1400" dirty="0">
+                <a:solidFill>
+                  <a:schemeClr val="bg1"/>
+                </a:solidFill>
+                <a:latin typeface="Microsoft JhengHei" panose="020B0604030504040204" pitchFamily="34" charset="-120"/>
+                <a:ea typeface="Microsoft JhengHei" panose="020B0604030504040204" pitchFamily="34" charset="-120"/>
+              </a:rPr>
+              <a:t>	4. </a:t>
+            </a:r>
+            <a:r>
+              <a:rPr lang="zh-CN" altLang="en-US" sz="1400" dirty="0">
+                <a:solidFill>
+                  <a:schemeClr val="bg1"/>
+                </a:solidFill>
+                <a:latin typeface="Microsoft JhengHei" panose="020B0604030504040204" pitchFamily="34" charset="-120"/>
+                <a:ea typeface="Microsoft JhengHei" panose="020B0604030504040204" pitchFamily="34" charset="-120"/>
+              </a:rPr>
+              <a:t>高度可定制性</a:t>
+            </a:r>
+          </a:p>
+          <a:p>
+            <a:endParaRPr lang="en-US" altLang="zh-CN" sz="1400" dirty="0">
+              <a:solidFill>
+                <a:schemeClr val="bg1"/>
+              </a:solidFill>
+              <a:latin typeface="Microsoft JhengHei" panose="020B0604030504040204" pitchFamily="34" charset="-120"/>
+              <a:ea typeface="Microsoft JhengHei" panose="020B0604030504040204" pitchFamily="34" charset="-120"/>
+            </a:endParaRPr>
+          </a:p>
+        </p:txBody>
+      </p:sp>
+      <p:sp>
+        <p:nvSpPr>
+          <p:cNvPr id="10" name="文本框 9">
+            <a:extLst>
+              <a:ext uri="{FF2B5EF4-FFF2-40B4-BE49-F238E27FC236}">
+                <a16:creationId xmlns:a16="http://schemas.microsoft.com/office/drawing/2014/main" id="{5BA160F1-2890-351C-56F9-B63E26370480}"/>
+              </a:ext>
+            </a:extLst>
+          </p:cNvPr>
+          <p:cNvSpPr txBox="1"/>
+          <p:nvPr/>
+        </p:nvSpPr>
+        <p:spPr>
+          <a:xfrm>
+            <a:off x="2224707" y="2351468"/>
+            <a:ext cx="5036718" cy="738664"/>
+          </a:xfrm>
+          <a:prstGeom prst="rect">
+            <a:avLst/>
+          </a:prstGeom>
+          <a:noFill/>
+        </p:spPr>
+        <p:txBody>
+          <a:bodyPr wrap="square" rtlCol="0">
+            <a:spAutoFit/>
+          </a:bodyPr>
+          <a:lstStyle/>
+          <a:p>
+            <a:r>
+              <a:rPr lang="en-US" altLang="zh-CN" sz="1400" dirty="0">
+                <a:solidFill>
+                  <a:schemeClr val="bg1"/>
+                </a:solidFill>
+                <a:latin typeface="Microsoft JhengHei" panose="020B0604030504040204" pitchFamily="34" charset="-120"/>
+                <a:ea typeface="Microsoft JhengHei" panose="020B0604030504040204" pitchFamily="34" charset="-120"/>
+              </a:rPr>
+              <a:t>	ARM</a:t>
+            </a:r>
+            <a:r>
+              <a:rPr lang="zh-CN" altLang="en-US" sz="1400" dirty="0">
+                <a:solidFill>
+                  <a:schemeClr val="bg1"/>
+                </a:solidFill>
+                <a:latin typeface="Microsoft JhengHei" panose="020B0604030504040204" pitchFamily="34" charset="-120"/>
+                <a:ea typeface="Microsoft JhengHei" panose="020B0604030504040204" pitchFamily="34" charset="-120"/>
+              </a:rPr>
+              <a:t>架构是由英国的</a:t>
+            </a:r>
+            <a:r>
+              <a:rPr lang="en-US" altLang="zh-CN" sz="1400" dirty="0">
+                <a:solidFill>
+                  <a:schemeClr val="bg1"/>
+                </a:solidFill>
+                <a:latin typeface="Microsoft JhengHei" panose="020B0604030504040204" pitchFamily="34" charset="-120"/>
+                <a:ea typeface="Microsoft JhengHei" panose="020B0604030504040204" pitchFamily="34" charset="-120"/>
+              </a:rPr>
+              <a:t>ARM</a:t>
+            </a:r>
+            <a:r>
+              <a:rPr lang="zh-CN" altLang="en-US" sz="1400" dirty="0">
+                <a:solidFill>
+                  <a:schemeClr val="bg1"/>
+                </a:solidFill>
+                <a:latin typeface="Microsoft JhengHei" panose="020B0604030504040204" pitchFamily="34" charset="-120"/>
+                <a:ea typeface="Microsoft JhengHei" panose="020B0604030504040204" pitchFamily="34" charset="-120"/>
+              </a:rPr>
+              <a:t>公司设计的一个基于精简指令集计算（</a:t>
+            </a:r>
+            <a:r>
+              <a:rPr lang="en-US" altLang="zh-CN" sz="1400" dirty="0">
+                <a:solidFill>
+                  <a:schemeClr val="bg1"/>
+                </a:solidFill>
+                <a:latin typeface="Microsoft JhengHei" panose="020B0604030504040204" pitchFamily="34" charset="-120"/>
+                <a:ea typeface="Microsoft JhengHei" panose="020B0604030504040204" pitchFamily="34" charset="-120"/>
+              </a:rPr>
+              <a:t>RISC</a:t>
+            </a:r>
+            <a:r>
+              <a:rPr lang="zh-CN" altLang="en-US" sz="1400" dirty="0">
+                <a:solidFill>
+                  <a:schemeClr val="bg1"/>
+                </a:solidFill>
+                <a:latin typeface="Microsoft JhengHei" panose="020B0604030504040204" pitchFamily="34" charset="-120"/>
+                <a:ea typeface="Microsoft JhengHei" panose="020B0604030504040204" pitchFamily="34" charset="-120"/>
+              </a:rPr>
+              <a:t>）理念的处理器架构。</a:t>
+            </a:r>
+            <a:r>
+              <a:rPr lang="en-US" altLang="zh-CN" sz="1400" dirty="0">
+                <a:solidFill>
+                  <a:schemeClr val="bg1"/>
+                </a:solidFill>
+                <a:latin typeface="Microsoft JhengHei" panose="020B0604030504040204" pitchFamily="34" charset="-120"/>
+                <a:ea typeface="Microsoft JhengHei" panose="020B0604030504040204" pitchFamily="34" charset="-120"/>
+              </a:rPr>
+              <a:t>ARM</a:t>
+            </a:r>
+            <a:r>
+              <a:rPr lang="zh-CN" altLang="en-US" sz="1400" dirty="0">
+                <a:solidFill>
+                  <a:schemeClr val="bg1"/>
+                </a:solidFill>
+                <a:latin typeface="Microsoft JhengHei" panose="020B0604030504040204" pitchFamily="34" charset="-120"/>
+                <a:ea typeface="Microsoft JhengHei" panose="020B0604030504040204" pitchFamily="34" charset="-120"/>
+              </a:rPr>
+              <a:t>架构被广泛应用于嵌入式系统、移动设备、消费电子产品、服务器等领域。</a:t>
+            </a:r>
+            <a:endParaRPr lang="en-US" altLang="zh-CN" sz="1400" dirty="0">
+              <a:solidFill>
+                <a:schemeClr val="bg1"/>
+              </a:solidFill>
+              <a:latin typeface="Microsoft JhengHei" panose="020B0604030504040204" pitchFamily="34" charset="-120"/>
+              <a:ea typeface="Microsoft JhengHei" panose="020B0604030504040204" pitchFamily="34" charset="-120"/>
+            </a:endParaRPr>
+          </a:p>
+        </p:txBody>
+      </p:sp>
+    </p:spTree>
+    <p:extLst>
+      <p:ext uri="{BB962C8B-B14F-4D97-AF65-F5344CB8AC3E}">
+        <p14:creationId xmlns:p14="http://schemas.microsoft.com/office/powerpoint/2010/main" val="2659697960"/>
+      </p:ext>
+    </p:extLst>
+  </p:cSld>
+  <p:clrMapOvr>
+    <a:masterClrMapping/>
+  </p:clrMapOvr>
+</p:sld>
+</file>
+
+<file path=ppt/slides/slide7.xml><?xml version="1.0" encoding="utf-8"?>
+<p:sld xmlns:a="http://schemas.openxmlformats.org/drawingml/2006/main" xmlns:r="http://schemas.openxmlformats.org/officeDocument/2006/relationships" xmlns:p="http://schemas.openxmlformats.org/presentationml/2006/main">
+  <p:cSld>
+    <p:bg>
+      <p:bgPr>
+        <a:solidFill>
+          <a:schemeClr val="tx1"/>
+        </a:solidFill>
+        <a:effectLst/>
+      </p:bgPr>
+    </p:bg>
+    <p:spTree>
+      <p:nvGrpSpPr>
+        <p:cNvPr id="1" name="">
+          <a:extLst>
+            <a:ext uri="{FF2B5EF4-FFF2-40B4-BE49-F238E27FC236}">
+              <a16:creationId xmlns:a16="http://schemas.microsoft.com/office/drawing/2014/main" id="{DA67FBE2-C33E-0CCE-D163-C01E26280AF7}"/>
+            </a:ext>
+          </a:extLst>
+        </p:cNvPr>
+        <p:cNvGrpSpPr/>
+        <p:nvPr/>
+      </p:nvGrpSpPr>
+      <p:grpSpPr>
+        <a:xfrm>
+          <a:off x="0" y="0"/>
+          <a:ext cx="0" cy="0"/>
+          <a:chOff x="0" y="0"/>
+          <a:chExt cx="0" cy="0"/>
+        </a:xfrm>
+      </p:grpSpPr>
+      <p:sp>
+        <p:nvSpPr>
+          <p:cNvPr id="8" name="文本框 7">
+            <a:extLst>
+              <a:ext uri="{FF2B5EF4-FFF2-40B4-BE49-F238E27FC236}">
+                <a16:creationId xmlns:a16="http://schemas.microsoft.com/office/drawing/2014/main" id="{38C94C37-9FAC-D3B9-7AD6-2ADA7953DCA0}"/>
+              </a:ext>
+            </a:extLst>
+          </p:cNvPr>
+          <p:cNvSpPr txBox="1"/>
+          <p:nvPr/>
+        </p:nvSpPr>
+        <p:spPr>
+          <a:xfrm>
+            <a:off x="4977745" y="471566"/>
+            <a:ext cx="2749471" cy="707886"/>
+          </a:xfrm>
+          <a:prstGeom prst="rect">
+            <a:avLst/>
+          </a:prstGeom>
+          <a:noFill/>
+        </p:spPr>
+        <p:txBody>
+          <a:bodyPr wrap="none" rtlCol="0">
+            <a:spAutoFit/>
+          </a:bodyPr>
+          <a:lstStyle/>
+          <a:p>
+            <a:r>
+              <a:rPr lang="zh-CN" altLang="en-US" sz="4000" dirty="0">
+                <a:gradFill>
+                  <a:gsLst>
+                    <a:gs pos="0">
+                      <a:schemeClr val="accent1">
+                        <a:lumMod val="5000"/>
+                        <a:lumOff val="95000"/>
+                      </a:schemeClr>
+                    </a:gs>
+                    <a:gs pos="74000">
+                      <a:schemeClr val="accent1">
+                        <a:lumMod val="45000"/>
+                        <a:lumOff val="55000"/>
+                      </a:schemeClr>
+                    </a:gs>
+                    <a:gs pos="83000">
+                      <a:schemeClr val="accent1">
+                        <a:lumMod val="45000"/>
+                        <a:lumOff val="55000"/>
+                      </a:schemeClr>
+                    </a:gs>
+                    <a:gs pos="100000">
+                      <a:schemeClr val="accent1">
+                        <a:lumMod val="30000"/>
+                        <a:lumOff val="70000"/>
+                      </a:schemeClr>
+                    </a:gs>
+                  </a:gsLst>
+                  <a:lin ang="5400000" scaled="1"/>
+                </a:gradFill>
+                <a:latin typeface="Microsoft JhengHei" panose="020B0604030504040204" pitchFamily="34" charset="-120"/>
+                <a:ea typeface="Microsoft JhengHei" panose="020B0604030504040204" pitchFamily="34" charset="-120"/>
+              </a:rPr>
+              <a:t>精简指令集</a:t>
             </a:r>
             <a:endParaRPr lang="zh-CN" altLang="en-US" sz="4000" b="1" dirty="0">
               <a:gradFill>
@@ -6896,8 +7797,8 @@
         </p:blipFill>
         <p:spPr bwMode="auto">
           <a:xfrm>
-            <a:off x="6581983" y="1339367"/>
-            <a:ext cx="4527688" cy="5433227"/>
+            <a:off x="7844304" y="1755012"/>
+            <a:ext cx="3811079" cy="4606896"/>
           </a:xfrm>
           <a:prstGeom prst="rect">
             <a:avLst/>
@@ -6914,88 +7815,6 @@
           </a:extLst>
         </p:spPr>
       </p:pic>
-      <p:sp>
-        <p:nvSpPr>
-          <p:cNvPr id="5" name="文本框 4">
-            <a:extLst>
-              <a:ext uri="{FF2B5EF4-FFF2-40B4-BE49-F238E27FC236}">
-                <a16:creationId xmlns:a16="http://schemas.microsoft.com/office/drawing/2014/main" id="{2BCD1820-B384-F3FE-D301-FB1B213902C7}"/>
-              </a:ext>
-            </a:extLst>
-          </p:cNvPr>
-          <p:cNvSpPr txBox="1"/>
-          <p:nvPr/>
-        </p:nvSpPr>
-        <p:spPr>
-          <a:xfrm>
-            <a:off x="2227941" y="1751866"/>
-            <a:ext cx="4986314" cy="369332"/>
-          </a:xfrm>
-          <a:prstGeom prst="rect">
-            <a:avLst/>
-          </a:prstGeom>
-          <a:noFill/>
-        </p:spPr>
-        <p:txBody>
-          <a:bodyPr wrap="square" rtlCol="0">
-            <a:spAutoFit/>
-          </a:bodyPr>
-          <a:lstStyle/>
-          <a:p>
-            <a:r>
-              <a:rPr lang="en-HK" altLang="zh-CN" dirty="0">
-                <a:solidFill>
-                  <a:schemeClr val="bg1"/>
-                </a:solidFill>
-                <a:latin typeface="Microsoft JhengHei" panose="020B0604030504040204" pitchFamily="34" charset="-120"/>
-                <a:ea typeface="Microsoft JhengHei" panose="020B0604030504040204" pitchFamily="34" charset="-120"/>
-              </a:rPr>
-              <a:t>ARM </a:t>
-            </a:r>
-            <a:r>
-              <a:rPr lang="zh-CN" altLang="en-US" dirty="0">
-                <a:solidFill>
-                  <a:schemeClr val="bg1"/>
-                </a:solidFill>
-                <a:latin typeface="Microsoft JhengHei" panose="020B0604030504040204" pitchFamily="34" charset="-120"/>
-                <a:ea typeface="Microsoft JhengHei" panose="020B0604030504040204" pitchFamily="34" charset="-120"/>
-              </a:rPr>
-              <a:t>架構屬於精簡指令集架構 </a:t>
-            </a:r>
-            <a:r>
-              <a:rPr lang="en-US" altLang="zh-CN" dirty="0">
-                <a:solidFill>
-                  <a:schemeClr val="bg1"/>
-                </a:solidFill>
-                <a:latin typeface="Microsoft JhengHei" panose="020B0604030504040204" pitchFamily="34" charset="-120"/>
-                <a:ea typeface="Microsoft JhengHei" panose="020B0604030504040204" pitchFamily="34" charset="-120"/>
-              </a:rPr>
-              <a:t>(</a:t>
-            </a:r>
-            <a:r>
-              <a:rPr lang="en-HK" altLang="zh-CN" dirty="0">
-                <a:solidFill>
-                  <a:schemeClr val="bg1"/>
-                </a:solidFill>
-                <a:latin typeface="Microsoft JhengHei" panose="020B0604030504040204" pitchFamily="34" charset="-120"/>
-                <a:ea typeface="Microsoft JhengHei" panose="020B0604030504040204" pitchFamily="34" charset="-120"/>
-              </a:rPr>
-              <a:t>RISC)</a:t>
-            </a:r>
-            <a:r>
-              <a:rPr lang="zh-CN" altLang="en-US" dirty="0">
-                <a:solidFill>
-                  <a:schemeClr val="bg1"/>
-                </a:solidFill>
-                <a:effectLst/>
-                <a:latin typeface="Microsoft JhengHei" panose="020B0604030504040204" pitchFamily="34" charset="-120"/>
-                <a:ea typeface="Microsoft JhengHei" panose="020B0604030504040204" pitchFamily="34" charset="-120"/>
-              </a:rPr>
-              <a:t> 。</a:t>
-            </a:r>
-          </a:p>
-        </p:txBody>
-      </p:sp>
       <p:sp>
         <p:nvSpPr>
           <p:cNvPr id="6" name="文本框 5">
@@ -7010,7 +7829,7 @@
         </p:nvSpPr>
         <p:spPr>
           <a:xfrm>
-            <a:off x="2227941" y="2377751"/>
+            <a:off x="2227938" y="1755012"/>
             <a:ext cx="4875911" cy="369332"/>
           </a:xfrm>
           <a:prstGeom prst="rect">
@@ -7025,6 +7844,16 @@
           <a:lstStyle/>
           <a:p>
             <a:r>
+              <a:rPr lang="en-HK" altLang="zh-CN" dirty="0">
+                <a:solidFill>
+                  <a:schemeClr val="bg1"/>
+                </a:solidFill>
+                <a:latin typeface="Microsoft JhengHei" panose="020B0604030504040204" pitchFamily="34" charset="-120"/>
+                <a:ea typeface="Microsoft JhengHei" panose="020B0604030504040204" pitchFamily="34" charset="-120"/>
+              </a:rPr>
+              <a:t>RSCI</a:t>
+            </a:r>
+            <a:r>
               <a:rPr lang="zh-CN" altLang="en-US" dirty="0">
                 <a:solidFill>
                   <a:schemeClr val="bg1"/>
@@ -7032,182 +7861,7 @@
                 <a:latin typeface="Microsoft JhengHei" panose="020B0604030504040204" pitchFamily="34" charset="-120"/>
                 <a:ea typeface="Microsoft JhengHei" panose="020B0604030504040204" pitchFamily="34" charset="-120"/>
               </a:rPr>
-              <a:t>精簡指令集架構的特點</a:t>
-            </a:r>
-            <a:r>
-              <a:rPr lang="en-US" altLang="zh-CN" dirty="0">
-                <a:solidFill>
-                  <a:schemeClr val="bg1"/>
-                </a:solidFill>
-                <a:latin typeface="Microsoft JhengHei" panose="020B0604030504040204" pitchFamily="34" charset="-120"/>
-                <a:ea typeface="Microsoft JhengHei" panose="020B0604030504040204" pitchFamily="34" charset="-120"/>
-              </a:rPr>
-              <a:t>:</a:t>
-            </a:r>
-            <a:endParaRPr lang="en-HK" altLang="zh-CN" dirty="0">
-              <a:solidFill>
-                <a:schemeClr val="bg1"/>
-              </a:solidFill>
-              <a:latin typeface="Microsoft JhengHei" panose="020B0604030504040204" pitchFamily="34" charset="-120"/>
-              <a:ea typeface="Microsoft JhengHei" panose="020B0604030504040204" pitchFamily="34" charset="-120"/>
-            </a:endParaRPr>
-          </a:p>
-        </p:txBody>
-      </p:sp>
-      <p:sp>
-        <p:nvSpPr>
-          <p:cNvPr id="4" name="文本框 3">
-            <a:extLst>
-              <a:ext uri="{FF2B5EF4-FFF2-40B4-BE49-F238E27FC236}">
-                <a16:creationId xmlns:a16="http://schemas.microsoft.com/office/drawing/2014/main" id="{1447DBB7-8DC2-DA5B-5E9E-FB447F820C01}"/>
-              </a:ext>
-            </a:extLst>
-          </p:cNvPr>
-          <p:cNvSpPr txBox="1"/>
-          <p:nvPr/>
-        </p:nvSpPr>
-        <p:spPr>
-          <a:xfrm>
-            <a:off x="2227940" y="3003636"/>
-            <a:ext cx="4875911" cy="1200329"/>
-          </a:xfrm>
-          <a:prstGeom prst="rect">
-            <a:avLst/>
-          </a:prstGeom>
-          <a:noFill/>
-        </p:spPr>
-        <p:txBody>
-          <a:bodyPr wrap="square" rtlCol="0">
-            <a:spAutoFit/>
-          </a:bodyPr>
-          <a:lstStyle/>
-          <a:p>
-            <a:r>
-              <a:rPr lang="en-US" altLang="zh-CN" dirty="0">
-                <a:solidFill>
-                  <a:schemeClr val="bg1"/>
-                </a:solidFill>
-                <a:latin typeface="Microsoft JhengHei" panose="020B0604030504040204" pitchFamily="34" charset="-120"/>
-                <a:ea typeface="Microsoft JhengHei" panose="020B0604030504040204" pitchFamily="34" charset="-120"/>
-              </a:rPr>
-              <a:t>	1. </a:t>
-            </a:r>
-            <a:r>
-              <a:rPr lang="zh-CN" altLang="en-US" dirty="0">
-                <a:solidFill>
-                  <a:schemeClr val="bg1"/>
-                </a:solidFill>
-                <a:latin typeface="Microsoft JhengHei" panose="020B0604030504040204" pitchFamily="34" charset="-120"/>
-                <a:ea typeface="Microsoft JhengHei" panose="020B0604030504040204" pitchFamily="34" charset="-120"/>
-              </a:rPr>
-              <a:t>指令集簡單</a:t>
-            </a:r>
-            <a:endParaRPr lang="en-US" altLang="zh-CN" dirty="0">
-              <a:solidFill>
-                <a:schemeClr val="bg1"/>
-              </a:solidFill>
-              <a:latin typeface="Microsoft JhengHei" panose="020B0604030504040204" pitchFamily="34" charset="-120"/>
-              <a:ea typeface="Microsoft JhengHei" panose="020B0604030504040204" pitchFamily="34" charset="-120"/>
-            </a:endParaRPr>
-          </a:p>
-          <a:p>
-            <a:r>
-              <a:rPr lang="en-US" altLang="zh-CN" dirty="0">
-                <a:solidFill>
-                  <a:schemeClr val="bg1"/>
-                </a:solidFill>
-                <a:latin typeface="Microsoft JhengHei" panose="020B0604030504040204" pitchFamily="34" charset="-120"/>
-                <a:ea typeface="Microsoft JhengHei" panose="020B0604030504040204" pitchFamily="34" charset="-120"/>
-              </a:rPr>
-              <a:t>	2.</a:t>
-            </a:r>
-            <a:r>
-              <a:rPr lang="zh-CN" altLang="en-US" dirty="0">
-                <a:solidFill>
-                  <a:schemeClr val="bg1"/>
-                </a:solidFill>
-                <a:latin typeface="Microsoft JhengHei" panose="020B0604030504040204" pitchFamily="34" charset="-120"/>
-                <a:ea typeface="Microsoft JhengHei" panose="020B0604030504040204" pitchFamily="34" charset="-120"/>
-              </a:rPr>
-              <a:t>單週期指令執行</a:t>
-            </a:r>
-            <a:endParaRPr lang="en-US" altLang="zh-CN" dirty="0">
-              <a:solidFill>
-                <a:schemeClr val="bg1"/>
-              </a:solidFill>
-              <a:latin typeface="Microsoft JhengHei" panose="020B0604030504040204" pitchFamily="34" charset="-120"/>
-              <a:ea typeface="Microsoft JhengHei" panose="020B0604030504040204" pitchFamily="34" charset="-120"/>
-            </a:endParaRPr>
-          </a:p>
-          <a:p>
-            <a:r>
-              <a:rPr lang="en-US" altLang="zh-CN" dirty="0">
-                <a:solidFill>
-                  <a:schemeClr val="bg1"/>
-                </a:solidFill>
-                <a:latin typeface="Microsoft JhengHei" panose="020B0604030504040204" pitchFamily="34" charset="-120"/>
-                <a:ea typeface="Microsoft JhengHei" panose="020B0604030504040204" pitchFamily="34" charset="-120"/>
-              </a:rPr>
-              <a:t>	3.</a:t>
-            </a:r>
-            <a:r>
-              <a:rPr lang="zh-CN" altLang="en-US" dirty="0">
-                <a:solidFill>
-                  <a:schemeClr val="bg1"/>
-                </a:solidFill>
-                <a:latin typeface="Microsoft JhengHei" panose="020B0604030504040204" pitchFamily="34" charset="-120"/>
-                <a:ea typeface="Microsoft JhengHei" panose="020B0604030504040204" pitchFamily="34" charset="-120"/>
-              </a:rPr>
-              <a:t>大量的通用寄存器</a:t>
-            </a:r>
-            <a:endParaRPr lang="en-US" altLang="zh-CN" dirty="0">
-              <a:solidFill>
-                <a:schemeClr val="bg1"/>
-              </a:solidFill>
-              <a:latin typeface="Microsoft JhengHei" panose="020B0604030504040204" pitchFamily="34" charset="-120"/>
-              <a:ea typeface="Microsoft JhengHei" panose="020B0604030504040204" pitchFamily="34" charset="-120"/>
-            </a:endParaRPr>
-          </a:p>
-          <a:p>
-            <a:r>
-              <a:rPr lang="en-US" altLang="zh-CN" dirty="0">
-                <a:solidFill>
-                  <a:schemeClr val="bg1"/>
-                </a:solidFill>
-                <a:latin typeface="Microsoft JhengHei" panose="020B0604030504040204" pitchFamily="34" charset="-120"/>
-                <a:ea typeface="Microsoft JhengHei" panose="020B0604030504040204" pitchFamily="34" charset="-120"/>
-              </a:rPr>
-              <a:t>	4.</a:t>
-            </a:r>
-            <a:r>
-              <a:rPr lang="zh-CN" altLang="en-US" dirty="0">
-                <a:solidFill>
-                  <a:schemeClr val="bg1"/>
-                </a:solidFill>
-                <a:latin typeface="Microsoft JhengHei" panose="020B0604030504040204" pitchFamily="34" charset="-120"/>
-                <a:ea typeface="Microsoft JhengHei" panose="020B0604030504040204" pitchFamily="34" charset="-120"/>
-              </a:rPr>
-              <a:t>載入</a:t>
-            </a:r>
-            <a:r>
-              <a:rPr lang="en-US" altLang="zh-CN" dirty="0">
-                <a:solidFill>
-                  <a:schemeClr val="bg1"/>
-                </a:solidFill>
-                <a:latin typeface="Microsoft JhengHei" panose="020B0604030504040204" pitchFamily="34" charset="-120"/>
-                <a:ea typeface="Microsoft JhengHei" panose="020B0604030504040204" pitchFamily="34" charset="-120"/>
-              </a:rPr>
-              <a:t>-</a:t>
-            </a:r>
-            <a:r>
-              <a:rPr lang="zh-CN" altLang="en-US" dirty="0">
-                <a:solidFill>
-                  <a:schemeClr val="bg1"/>
-                </a:solidFill>
-                <a:latin typeface="Microsoft JhengHei" panose="020B0604030504040204" pitchFamily="34" charset="-120"/>
-                <a:ea typeface="Microsoft JhengHei" panose="020B0604030504040204" pitchFamily="34" charset="-120"/>
-              </a:rPr>
-              <a:t>存儲架構</a:t>
+              <a:t>架构介绍</a:t>
             </a:r>
             <a:endParaRPr lang="en-HK" altLang="zh-CN" dirty="0">
               <a:solidFill>
@@ -7233,7 +7887,7 @@
         </p:nvSpPr>
         <p:spPr>
           <a:xfrm>
-            <a:off x="2227939" y="4460518"/>
+            <a:off x="2227937" y="3405993"/>
             <a:ext cx="4875911" cy="369332"/>
           </a:xfrm>
           <a:prstGeom prst="rect">
@@ -7248,6 +7902,16 @@
           <a:lstStyle/>
           <a:p>
             <a:r>
+              <a:rPr lang="en-US" altLang="zh-CN" dirty="0">
+                <a:solidFill>
+                  <a:schemeClr val="bg1"/>
+                </a:solidFill>
+                <a:latin typeface="Microsoft JhengHei" panose="020B0604030504040204" pitchFamily="34" charset="-120"/>
+                <a:ea typeface="Microsoft JhengHei" panose="020B0604030504040204" pitchFamily="34" charset="-120"/>
+              </a:rPr>
+              <a:t>RSCI</a:t>
+            </a:r>
+            <a:r>
               <a:rPr lang="zh-CN" altLang="en-US" dirty="0">
                 <a:solidFill>
                   <a:schemeClr val="bg1"/>
@@ -7255,7 +7919,7 @@
                 <a:latin typeface="Microsoft JhengHei" panose="020B0604030504040204" pitchFamily="34" charset="-120"/>
                 <a:ea typeface="Microsoft JhengHei" panose="020B0604030504040204" pitchFamily="34" charset="-120"/>
               </a:rPr>
-              <a:t>精簡指令集架構的優點</a:t>
+              <a:t>的優點</a:t>
             </a:r>
             <a:r>
               <a:rPr lang="en-US" altLang="zh-CN" dirty="0">
@@ -7291,8 +7955,8 @@
         </p:nvSpPr>
         <p:spPr>
           <a:xfrm>
-            <a:off x="2329289" y="5086403"/>
-            <a:ext cx="4875911" cy="923330"/>
+            <a:off x="2227937" y="4063068"/>
+            <a:ext cx="4875911" cy="954107"/>
           </a:xfrm>
           <a:prstGeom prst="rect">
             <a:avLst/>
@@ -7306,7 +7970,7 @@
           <a:lstStyle/>
           <a:p>
             <a:r>
-              <a:rPr lang="en-US" altLang="zh-CN" dirty="0">
+              <a:rPr lang="en-US" altLang="zh-CN" sz="1400" dirty="0">
                 <a:solidFill>
                   <a:schemeClr val="bg1"/>
                 </a:solidFill>
@@ -7316,16 +7980,16 @@
               <a:t>	1.</a:t>
             </a:r>
             <a:r>
-              <a:rPr lang="zh-CN" altLang="en-US" dirty="0">
-                <a:solidFill>
-                  <a:schemeClr val="bg1"/>
-                </a:solidFill>
-                <a:latin typeface="Microsoft JhengHei" panose="020B0604030504040204" pitchFamily="34" charset="-120"/>
-                <a:ea typeface="Microsoft JhengHei" panose="020B0604030504040204" pitchFamily="34" charset="-120"/>
-              </a:rPr>
-              <a:t>高性能和高能效</a:t>
-            </a:r>
-            <a:endParaRPr lang="en-US" altLang="zh-CN" dirty="0">
+              <a:rPr lang="zh-CN" altLang="en-US" sz="1400" dirty="0">
+                <a:solidFill>
+                  <a:schemeClr val="bg1"/>
+                </a:solidFill>
+                <a:latin typeface="Microsoft JhengHei" panose="020B0604030504040204" pitchFamily="34" charset="-120"/>
+                <a:ea typeface="Microsoft JhengHei" panose="020B0604030504040204" pitchFamily="34" charset="-120"/>
+              </a:rPr>
+              <a:t>单周期指令执行</a:t>
+            </a:r>
+            <a:endParaRPr lang="en-US" altLang="zh-CN" sz="1400" dirty="0">
               <a:solidFill>
                 <a:schemeClr val="bg1"/>
               </a:solidFill>
@@ -7335,7 +7999,7 @@
           </a:p>
           <a:p>
             <a:r>
-              <a:rPr lang="en-US" altLang="zh-CN" dirty="0">
+              <a:rPr lang="en-US" altLang="zh-CN" sz="1400" dirty="0">
                 <a:solidFill>
                   <a:schemeClr val="bg1"/>
                 </a:solidFill>
@@ -7345,16 +8009,68 @@
               <a:t>	2.</a:t>
             </a:r>
             <a:r>
-              <a:rPr lang="zh-CN" altLang="en-US" dirty="0">
-                <a:solidFill>
-                  <a:schemeClr val="bg1"/>
-                </a:solidFill>
-                <a:latin typeface="Microsoft JhengHei" panose="020B0604030504040204" pitchFamily="34" charset="-120"/>
-                <a:ea typeface="Microsoft JhengHei" panose="020B0604030504040204" pitchFamily="34" charset="-120"/>
-              </a:rPr>
-              <a:t>簡單的設計</a:t>
-            </a:r>
-            <a:endParaRPr lang="en-US" altLang="zh-CN" dirty="0">
+              <a:rPr lang="zh-CN" altLang="en-US" sz="1400" dirty="0">
+                <a:solidFill>
+                  <a:schemeClr val="bg1"/>
+                </a:solidFill>
+                <a:latin typeface="Microsoft JhengHei" panose="020B0604030504040204" pitchFamily="34" charset="-120"/>
+                <a:ea typeface="Microsoft JhengHei" panose="020B0604030504040204" pitchFamily="34" charset="-120"/>
+              </a:rPr>
+              <a:t>支持流水线技术</a:t>
+            </a:r>
+            <a:r>
+              <a:rPr lang="en-US" altLang="zh-CN" sz="1400" dirty="0">
+                <a:solidFill>
+                  <a:schemeClr val="bg1"/>
+                </a:solidFill>
+                <a:latin typeface="Microsoft JhengHei" panose="020B0604030504040204" pitchFamily="34" charset="-120"/>
+                <a:ea typeface="Microsoft JhengHei" panose="020B0604030504040204" pitchFamily="34" charset="-120"/>
+              </a:rPr>
+              <a:t>	</a:t>
+            </a:r>
+          </a:p>
+          <a:p>
+            <a:r>
+              <a:rPr lang="en-US" altLang="zh-CN" sz="1400" dirty="0">
+                <a:solidFill>
+                  <a:schemeClr val="bg1"/>
+                </a:solidFill>
+                <a:latin typeface="Microsoft JhengHei" panose="020B0604030504040204" pitchFamily="34" charset="-120"/>
+                <a:ea typeface="Microsoft JhengHei" panose="020B0604030504040204" pitchFamily="34" charset="-120"/>
+              </a:rPr>
+              <a:t>	3.</a:t>
+            </a:r>
+            <a:r>
+              <a:rPr lang="zh-CN" altLang="en-US" sz="1400" dirty="0">
+                <a:solidFill>
+                  <a:schemeClr val="bg1"/>
+                </a:solidFill>
+                <a:latin typeface="Microsoft JhengHei" panose="020B0604030504040204" pitchFamily="34" charset="-120"/>
+                <a:ea typeface="Microsoft JhengHei" panose="020B0604030504040204" pitchFamily="34" charset="-120"/>
+              </a:rPr>
+              <a:t>加载</a:t>
+            </a:r>
+            <a:r>
+              <a:rPr lang="en-US" altLang="zh-CN" sz="1400" dirty="0">
+                <a:solidFill>
+                  <a:schemeClr val="bg1"/>
+                </a:solidFill>
+                <a:latin typeface="Microsoft JhengHei" panose="020B0604030504040204" pitchFamily="34" charset="-120"/>
+                <a:ea typeface="Microsoft JhengHei" panose="020B0604030504040204" pitchFamily="34" charset="-120"/>
+              </a:rPr>
+              <a:t>-</a:t>
+            </a:r>
+            <a:r>
+              <a:rPr lang="zh-CN" altLang="en-US" sz="1400" dirty="0">
+                <a:solidFill>
+                  <a:schemeClr val="bg1"/>
+                </a:solidFill>
+                <a:latin typeface="Microsoft JhengHei" panose="020B0604030504040204" pitchFamily="34" charset="-120"/>
+                <a:ea typeface="Microsoft JhengHei" panose="020B0604030504040204" pitchFamily="34" charset="-120"/>
+              </a:rPr>
+              <a:t>存储架构</a:t>
+            </a:r>
+            <a:endParaRPr lang="en-US" altLang="zh-CN" sz="1400" dirty="0">
               <a:solidFill>
                 <a:schemeClr val="bg1"/>
               </a:solidFill>
@@ -7364,26 +8080,154 @@
           </a:p>
           <a:p>
             <a:r>
-              <a:rPr lang="en-US" altLang="zh-CN" dirty="0">
-                <a:solidFill>
-                  <a:schemeClr val="bg1"/>
-                </a:solidFill>
-                <a:latin typeface="Microsoft JhengHei" panose="020B0604030504040204" pitchFamily="34" charset="-120"/>
-                <a:ea typeface="Microsoft JhengHei" panose="020B0604030504040204" pitchFamily="34" charset="-120"/>
-              </a:rPr>
-              <a:t>	3.</a:t>
-            </a:r>
-            <a:r>
-              <a:rPr lang="zh-CN" altLang="en-US" dirty="0">
-                <a:solidFill>
-                  <a:schemeClr val="bg1"/>
-                </a:solidFill>
-                <a:latin typeface="Microsoft JhengHei" panose="020B0604030504040204" pitchFamily="34" charset="-120"/>
-                <a:ea typeface="Microsoft JhengHei" panose="020B0604030504040204" pitchFamily="34" charset="-120"/>
-              </a:rPr>
-              <a:t>便於擴展</a:t>
-            </a:r>
-            <a:endParaRPr lang="en-US" altLang="zh-CN" dirty="0">
+              <a:rPr lang="en-US" altLang="zh-CN" sz="1400" dirty="0">
+                <a:solidFill>
+                  <a:schemeClr val="bg1"/>
+                </a:solidFill>
+                <a:latin typeface="Microsoft JhengHei" panose="020B0604030504040204" pitchFamily="34" charset="-120"/>
+                <a:ea typeface="Microsoft JhengHei" panose="020B0604030504040204" pitchFamily="34" charset="-120"/>
+              </a:rPr>
+              <a:t>	4.</a:t>
+            </a:r>
+            <a:r>
+              <a:rPr lang="zh-CN" altLang="en-US" sz="1400" dirty="0">
+                <a:solidFill>
+                  <a:schemeClr val="bg1"/>
+                </a:solidFill>
+                <a:latin typeface="Microsoft JhengHei" panose="020B0604030504040204" pitchFamily="34" charset="-120"/>
+                <a:ea typeface="Microsoft JhengHei" panose="020B0604030504040204" pitchFamily="34" charset="-120"/>
+              </a:rPr>
+              <a:t>易于编译器优化</a:t>
+            </a:r>
+            <a:endParaRPr lang="en-US" altLang="zh-CN" sz="1400" dirty="0">
+              <a:solidFill>
+                <a:schemeClr val="bg1"/>
+              </a:solidFill>
+              <a:latin typeface="Microsoft JhengHei" panose="020B0604030504040204" pitchFamily="34" charset="-120"/>
+              <a:ea typeface="Microsoft JhengHei" panose="020B0604030504040204" pitchFamily="34" charset="-120"/>
+            </a:endParaRPr>
+          </a:p>
+        </p:txBody>
+      </p:sp>
+      <p:sp>
+        <p:nvSpPr>
+          <p:cNvPr id="10" name="文本框 9">
+            <a:extLst>
+              <a:ext uri="{FF2B5EF4-FFF2-40B4-BE49-F238E27FC236}">
+                <a16:creationId xmlns:a16="http://schemas.microsoft.com/office/drawing/2014/main" id="{C6706015-7035-323B-C838-74753E9A4C5A}"/>
+              </a:ext>
+            </a:extLst>
+          </p:cNvPr>
+          <p:cNvSpPr txBox="1"/>
+          <p:nvPr/>
+        </p:nvSpPr>
+        <p:spPr>
+          <a:xfrm>
+            <a:off x="2224707" y="2351468"/>
+            <a:ext cx="5409470" cy="738664"/>
+          </a:xfrm>
+          <a:prstGeom prst="rect">
+            <a:avLst/>
+          </a:prstGeom>
+          <a:noFill/>
+        </p:spPr>
+        <p:txBody>
+          <a:bodyPr wrap="square" rtlCol="0">
+            <a:spAutoFit/>
+          </a:bodyPr>
+          <a:lstStyle/>
+          <a:p>
+            <a:r>
+              <a:rPr lang="en-HK" altLang="zh-CN" sz="1400" b="1" dirty="0">
+                <a:solidFill>
+                  <a:schemeClr val="bg1"/>
+                </a:solidFill>
+                <a:latin typeface="Microsoft JhengHei" panose="020B0604030504040204" pitchFamily="34" charset="-120"/>
+                <a:ea typeface="Microsoft JhengHei" panose="020B0604030504040204" pitchFamily="34" charset="-120"/>
+              </a:rPr>
+              <a:t>	RSCI </a:t>
+            </a:r>
+            <a:r>
+              <a:rPr lang="zh-CN" altLang="en-US" sz="1400" dirty="0">
+                <a:solidFill>
+                  <a:schemeClr val="bg1"/>
+                </a:solidFill>
+                <a:latin typeface="Microsoft JhengHei" panose="020B0604030504040204" pitchFamily="34" charset="-120"/>
+                <a:ea typeface="Microsoft JhengHei" panose="020B0604030504040204" pitchFamily="34" charset="-120"/>
+              </a:rPr>
+              <a:t>即 </a:t>
+            </a:r>
+            <a:r>
+              <a:rPr lang="zh-CN" altLang="en-US" sz="1400" b="1" dirty="0">
+                <a:solidFill>
+                  <a:schemeClr val="bg1"/>
+                </a:solidFill>
+                <a:latin typeface="Microsoft JhengHei" panose="020B0604030504040204" pitchFamily="34" charset="-120"/>
+                <a:ea typeface="Microsoft JhengHei" panose="020B0604030504040204" pitchFamily="34" charset="-120"/>
+              </a:rPr>
+              <a:t>精简指令集计算实现</a:t>
+            </a:r>
+            <a:r>
+              <a:rPr lang="zh-CN" altLang="en-US" sz="1400" dirty="0">
+                <a:solidFill>
+                  <a:schemeClr val="bg1"/>
+                </a:solidFill>
+                <a:latin typeface="Microsoft JhengHei" panose="020B0604030504040204" pitchFamily="34" charset="-120"/>
+                <a:ea typeface="Microsoft JhengHei" panose="020B0604030504040204" pitchFamily="34" charset="-120"/>
+              </a:rPr>
+              <a:t>，是基于 </a:t>
+            </a:r>
+            <a:r>
+              <a:rPr lang="en-HK" altLang="zh-CN" sz="1400" b="1" dirty="0">
+                <a:solidFill>
+                  <a:schemeClr val="bg1"/>
+                </a:solidFill>
+                <a:latin typeface="Microsoft JhengHei" panose="020B0604030504040204" pitchFamily="34" charset="-120"/>
+                <a:ea typeface="Microsoft JhengHei" panose="020B0604030504040204" pitchFamily="34" charset="-120"/>
+              </a:rPr>
+              <a:t>RISC</a:t>
+            </a:r>
+            <a:r>
+              <a:rPr lang="en-HK" altLang="zh-CN" sz="1400" dirty="0">
+                <a:solidFill>
+                  <a:schemeClr val="bg1"/>
+                </a:solidFill>
+                <a:latin typeface="Microsoft JhengHei" panose="020B0604030504040204" pitchFamily="34" charset="-120"/>
+                <a:ea typeface="Microsoft JhengHei" panose="020B0604030504040204" pitchFamily="34" charset="-120"/>
+              </a:rPr>
+              <a:t> </a:t>
+            </a:r>
+            <a:r>
+              <a:rPr lang="zh-CN" altLang="en-US" sz="1400" dirty="0">
+                <a:solidFill>
+                  <a:schemeClr val="bg1"/>
+                </a:solidFill>
+                <a:latin typeface="Microsoft JhengHei" panose="020B0604030504040204" pitchFamily="34" charset="-120"/>
+                <a:ea typeface="Microsoft JhengHei" panose="020B0604030504040204" pitchFamily="34" charset="-120"/>
+              </a:rPr>
+              <a:t>架构的一种具体实现方式。它体现了 </a:t>
+            </a:r>
+            <a:r>
+              <a:rPr lang="en-HK" altLang="zh-CN" sz="1400" dirty="0">
+                <a:solidFill>
+                  <a:schemeClr val="bg1"/>
+                </a:solidFill>
+                <a:latin typeface="Microsoft JhengHei" panose="020B0604030504040204" pitchFamily="34" charset="-120"/>
+                <a:ea typeface="Microsoft JhengHei" panose="020B0604030504040204" pitchFamily="34" charset="-120"/>
+              </a:rPr>
+              <a:t>RISC </a:t>
+            </a:r>
+            <a:r>
+              <a:rPr lang="zh-CN" altLang="en-US" sz="1400" dirty="0">
+                <a:solidFill>
+                  <a:schemeClr val="bg1"/>
+                </a:solidFill>
+                <a:latin typeface="Microsoft JhengHei" panose="020B0604030504040204" pitchFamily="34" charset="-120"/>
+                <a:ea typeface="Microsoft JhengHei" panose="020B0604030504040204" pitchFamily="34" charset="-120"/>
+              </a:rPr>
+              <a:t>的设计理念，并通过具体的硬件和软件架构应用于实际的计算设备中。</a:t>
+            </a:r>
+            <a:endParaRPr lang="en-US" altLang="zh-CN" sz="1400" dirty="0">
               <a:solidFill>
                 <a:schemeClr val="bg1"/>
               </a:solidFill>
@@ -7406,7 +8250,7 @@
 </p:sld>
 </file>
 
-<file path=ppt/slides/slide7.xml><?xml version="1.0" encoding="utf-8"?>
+<file path=ppt/slides/slide8.xml><?xml version="1.0" encoding="utf-8"?>
 <p:sld xmlns:a="http://schemas.openxmlformats.org/drawingml/2006/main" xmlns:r="http://schemas.openxmlformats.org/officeDocument/2006/relationships" xmlns:p="http://schemas.openxmlformats.org/presentationml/2006/main">
   <p:cSld>
     <p:bg>
@@ -7696,7 +8540,7 @@
 </p:sld>
 </file>
 
-<file path=ppt/slides/slide8.xml><?xml version="1.0" encoding="utf-8"?>
+<file path=ppt/slides/slide9.xml><?xml version="1.0" encoding="utf-8"?>
 <p:sld xmlns:a="http://schemas.openxmlformats.org/drawingml/2006/main" xmlns:r="http://schemas.openxmlformats.org/officeDocument/2006/relationships" xmlns:p="http://schemas.openxmlformats.org/presentationml/2006/main">
   <p:cSld>
     <p:bg>
@@ -7825,291 +8669,6 @@
     <p:extLst>
       <p:ext uri="{BB962C8B-B14F-4D97-AF65-F5344CB8AC3E}">
         <p14:creationId xmlns:p14="http://schemas.microsoft.com/office/powerpoint/2010/main" val="765475836"/>
-      </p:ext>
-    </p:extLst>
-  </p:cSld>
-  <p:clrMapOvr>
-    <a:masterClrMapping/>
-  </p:clrMapOvr>
-</p:sld>
-</file>
-
-<file path=ppt/slides/slide9.xml><?xml version="1.0" encoding="utf-8"?>
-<p:sld xmlns:a="http://schemas.openxmlformats.org/drawingml/2006/main" xmlns:r="http://schemas.openxmlformats.org/officeDocument/2006/relationships" xmlns:p="http://schemas.openxmlformats.org/presentationml/2006/main">
-  <p:cSld>
-    <p:bg>
-      <p:bgPr>
-        <a:solidFill>
-          <a:srgbClr val="000000"/>
-        </a:solidFill>
-        <a:effectLst/>
-      </p:bgPr>
-    </p:bg>
-    <p:spTree>
-      <p:nvGrpSpPr>
-        <p:cNvPr id="1" name=""/>
-        <p:cNvGrpSpPr/>
-        <p:nvPr/>
-      </p:nvGrpSpPr>
-      <p:grpSpPr>
-        <a:xfrm>
-          <a:off x="0" y="0"/>
-          <a:ext cx="0" cy="0"/>
-          <a:chOff x="0" y="0"/>
-          <a:chExt cx="0" cy="0"/>
-        </a:xfrm>
-      </p:grpSpPr>
-      <p:sp>
-        <p:nvSpPr>
-          <p:cNvPr id="2" name="标题 1">
-            <a:extLst>
-              <a:ext uri="{FF2B5EF4-FFF2-40B4-BE49-F238E27FC236}">
-                <a16:creationId xmlns:a16="http://schemas.microsoft.com/office/drawing/2014/main" id="{A9331808-5073-48E0-9557-72EAA957DA65}"/>
-              </a:ext>
-            </a:extLst>
-          </p:cNvPr>
-          <p:cNvSpPr>
-            <a:spLocks noGrp="1"/>
-          </p:cNvSpPr>
-          <p:nvPr>
-            <p:ph type="title"/>
-          </p:nvPr>
-        </p:nvSpPr>
-        <p:spPr/>
-        <p:txBody>
-          <a:bodyPr/>
-          <a:lstStyle/>
-          <a:p>
-            <a:endParaRPr lang="zh-CN" altLang="en-US"/>
-          </a:p>
-        </p:txBody>
-      </p:sp>
-      <p:sp>
-        <p:nvSpPr>
-          <p:cNvPr id="3" name="内容占位符 2">
-            <a:extLst>
-              <a:ext uri="{FF2B5EF4-FFF2-40B4-BE49-F238E27FC236}">
-                <a16:creationId xmlns:a16="http://schemas.microsoft.com/office/drawing/2014/main" id="{6813ECA5-ED6C-B673-FAD8-2AB96FEB52E0}"/>
-              </a:ext>
-            </a:extLst>
-          </p:cNvPr>
-          <p:cNvSpPr>
-            <a:spLocks noGrp="1"/>
-          </p:cNvSpPr>
-          <p:nvPr>
-            <p:ph idx="1"/>
-          </p:nvPr>
-        </p:nvSpPr>
-        <p:spPr/>
-        <p:txBody>
-          <a:bodyPr/>
-          <a:lstStyle/>
-          <a:p>
-            <a:endParaRPr lang="zh-CN" altLang="en-US"/>
-          </a:p>
-        </p:txBody>
-      </p:sp>
-      <p:pic>
-        <p:nvPicPr>
-          <p:cNvPr id="5" name="图片 4">
-            <a:extLst>
-              <a:ext uri="{FF2B5EF4-FFF2-40B4-BE49-F238E27FC236}">
-                <a16:creationId xmlns:a16="http://schemas.microsoft.com/office/drawing/2014/main" id="{07C92E77-AEFA-C27A-21C4-5B940B192040}"/>
-              </a:ext>
-            </a:extLst>
-          </p:cNvPr>
-          <p:cNvPicPr>
-            <a:picLocks noChangeAspect="1"/>
-          </p:cNvPicPr>
-          <p:nvPr/>
-        </p:nvPicPr>
-        <p:blipFill>
-          <a:blip r:embed="rId2"/>
-          <a:stretch>
-            <a:fillRect/>
-          </a:stretch>
-        </p:blipFill>
-        <p:spPr>
-          <a:xfrm>
-            <a:off x="0" y="0"/>
-            <a:ext cx="12192000" cy="6858000"/>
-          </a:xfrm>
-          <a:prstGeom prst="rect">
-            <a:avLst/>
-          </a:prstGeom>
-        </p:spPr>
-      </p:pic>
-      <p:sp>
-        <p:nvSpPr>
-          <p:cNvPr id="6" name="文本框 5">
-            <a:extLst>
-              <a:ext uri="{FF2B5EF4-FFF2-40B4-BE49-F238E27FC236}">
-                <a16:creationId xmlns:a16="http://schemas.microsoft.com/office/drawing/2014/main" id="{F5F1179B-A25D-F475-CA5E-BD4722DC3107}"/>
-              </a:ext>
-            </a:extLst>
-          </p:cNvPr>
-          <p:cNvSpPr txBox="1"/>
-          <p:nvPr/>
-        </p:nvSpPr>
-        <p:spPr>
-          <a:xfrm>
-            <a:off x="2947830" y="5439851"/>
-            <a:ext cx="6296339" cy="707886"/>
-          </a:xfrm>
-          <a:prstGeom prst="rect">
-            <a:avLst/>
-          </a:prstGeom>
-          <a:noFill/>
-        </p:spPr>
-        <p:txBody>
-          <a:bodyPr wrap="none" rtlCol="0">
-            <a:spAutoFit/>
-          </a:bodyPr>
-          <a:lstStyle/>
-          <a:p>
-            <a:r>
-              <a:rPr kumimoji="1" lang="en-US" altLang="zh-TW" sz="4000" b="1" spc="100">
-                <a:gradFill>
-                  <a:gsLst>
-                    <a:gs pos="0">
-                      <a:schemeClr val="accent1">
-                        <a:lumMod val="5000"/>
-                        <a:lumOff val="95000"/>
-                      </a:schemeClr>
-                    </a:gs>
-                    <a:gs pos="74000">
-                      <a:schemeClr val="accent1">
-                        <a:lumMod val="45000"/>
-                        <a:lumOff val="55000"/>
-                      </a:schemeClr>
-                    </a:gs>
-                    <a:gs pos="83000">
-                      <a:schemeClr val="accent1">
-                        <a:lumMod val="45000"/>
-                        <a:lumOff val="55000"/>
-                      </a:schemeClr>
-                    </a:gs>
-                    <a:gs pos="100000">
-                      <a:schemeClr val="accent1">
-                        <a:lumMod val="30000"/>
-                        <a:lumOff val="70000"/>
-                      </a:schemeClr>
-                    </a:gs>
-                  </a:gsLst>
-                  <a:lin ang="5400000" scaled="1"/>
-                </a:gradFill>
-                <a:latin typeface="Microsoft JhengHei" panose="020B0604030504040204" pitchFamily="34" charset="-120"/>
-                <a:ea typeface="Microsoft JhengHei" panose="020B0604030504040204" pitchFamily="34" charset="-120"/>
-              </a:rPr>
-              <a:t>Thank you for listening.</a:t>
-            </a:r>
-            <a:endParaRPr kumimoji="1" lang="zh-TW" altLang="en-US" sz="4000" b="1" spc="100">
-              <a:gradFill>
-                <a:gsLst>
-                  <a:gs pos="0">
-                    <a:schemeClr val="accent1">
-                      <a:lumMod val="5000"/>
-                      <a:lumOff val="95000"/>
-                    </a:schemeClr>
-                  </a:gs>
-                  <a:gs pos="74000">
-                    <a:schemeClr val="accent1">
-                      <a:lumMod val="45000"/>
-                      <a:lumOff val="55000"/>
-                    </a:schemeClr>
-                  </a:gs>
-                  <a:gs pos="83000">
-                    <a:schemeClr val="accent1">
-                      <a:lumMod val="45000"/>
-                      <a:lumOff val="55000"/>
-                    </a:schemeClr>
-                  </a:gs>
-                  <a:gs pos="100000">
-                    <a:schemeClr val="accent1">
-                      <a:lumMod val="30000"/>
-                      <a:lumOff val="70000"/>
-                    </a:schemeClr>
-                  </a:gs>
-                </a:gsLst>
-                <a:lin ang="5400000" scaled="1"/>
-              </a:gradFill>
-              <a:latin typeface="Microsoft JhengHei" panose="020B0604030504040204" pitchFamily="34" charset="-120"/>
-              <a:ea typeface="Microsoft JhengHei" panose="020B0604030504040204" pitchFamily="34" charset="-120"/>
-            </a:endParaRPr>
-          </a:p>
-        </p:txBody>
-      </p:sp>
-      <p:sp>
-        <p:nvSpPr>
-          <p:cNvPr id="7" name="文本框 6">
-            <a:extLst>
-              <a:ext uri="{FF2B5EF4-FFF2-40B4-BE49-F238E27FC236}">
-                <a16:creationId xmlns:a16="http://schemas.microsoft.com/office/drawing/2014/main" id="{B744A37F-92F4-BF3D-70A1-A7E07799FEFE}"/>
-              </a:ext>
-            </a:extLst>
-          </p:cNvPr>
-          <p:cNvSpPr txBox="1"/>
-          <p:nvPr/>
-        </p:nvSpPr>
-        <p:spPr>
-          <a:xfrm>
-            <a:off x="4823857" y="4569676"/>
-            <a:ext cx="2544286" cy="707886"/>
-          </a:xfrm>
-          <a:prstGeom prst="rect">
-            <a:avLst/>
-          </a:prstGeom>
-          <a:noFill/>
-        </p:spPr>
-        <p:txBody>
-          <a:bodyPr wrap="square" rtlCol="0">
-            <a:spAutoFit/>
-          </a:bodyPr>
-          <a:lstStyle/>
-          <a:p>
-            <a:r>
-              <a:rPr kumimoji="1" lang="zh-TW" altLang="en-US" sz="4000" b="1" spc="600">
-                <a:gradFill>
-                  <a:gsLst>
-                    <a:gs pos="0">
-                      <a:schemeClr val="accent1">
-                        <a:lumMod val="5000"/>
-                        <a:lumOff val="95000"/>
-                      </a:schemeClr>
-                    </a:gs>
-                    <a:gs pos="74000">
-                      <a:schemeClr val="accent1">
-                        <a:lumMod val="45000"/>
-                        <a:lumOff val="55000"/>
-                      </a:schemeClr>
-                    </a:gs>
-                    <a:gs pos="83000">
-                      <a:schemeClr val="accent1">
-                        <a:lumMod val="45000"/>
-                        <a:lumOff val="55000"/>
-                      </a:schemeClr>
-                    </a:gs>
-                    <a:gs pos="100000">
-                      <a:schemeClr val="accent1">
-                        <a:lumMod val="30000"/>
-                        <a:lumOff val="70000"/>
-                      </a:schemeClr>
-                    </a:gs>
-                  </a:gsLst>
-                  <a:lin ang="5400000" scaled="1"/>
-                </a:gradFill>
-                <a:latin typeface="Microsoft JhengHei UI" panose="020B0604030504040204" pitchFamily="34" charset="-120"/>
-                <a:ea typeface="Microsoft JhengHei UI" panose="020B0604030504040204" pitchFamily="34" charset="-120"/>
-              </a:rPr>
-              <a:t>感謝觀賞</a:t>
-            </a:r>
-          </a:p>
-        </p:txBody>
-      </p:sp>
-    </p:spTree>
-    <p:extLst>
-      <p:ext uri="{BB962C8B-B14F-4D97-AF65-F5344CB8AC3E}">
-        <p14:creationId xmlns:p14="http://schemas.microsoft.com/office/powerpoint/2010/main" val="2395346073"/>
       </p:ext>
     </p:extLst>
   </p:cSld>

--- a/Apple.pptx
+++ b/Apple.pptx
@@ -124,6 +124,35 @@
 </p:presentation>
 </file>
 
+<file path=ppt/changesInfos/changesInfo1.xml><?xml version="1.0" encoding="utf-8"?>
+<pc:chgInfo xmlns:a="http://schemas.openxmlformats.org/drawingml/2006/main" xmlns:r="http://schemas.openxmlformats.org/officeDocument/2006/relationships" xmlns:ac="http://schemas.microsoft.com/office/drawing/2013/main/command" xmlns:pc="http://schemas.microsoft.com/office/powerpoint/2013/main/command">
+  <pc:docChgLst>
+    <pc:chgData name="王国霖WANG GUOLIN" userId="fea05601-d3b0-4e80-a8ef-a9569ce1debe" providerId="ADAL" clId="{0232BF0C-9F56-1344-833A-0F67DFC1ADF9}"/>
+    <pc:docChg chg="modSld">
+      <pc:chgData name="王国霖WANG GUOLIN" userId="fea05601-d3b0-4e80-a8ef-a9569ce1debe" providerId="ADAL" clId="{0232BF0C-9F56-1344-833A-0F67DFC1ADF9}" dt="2024-11-07T01:14:34.059" v="5" actId="20577"/>
+      <pc:docMkLst>
+        <pc:docMk/>
+      </pc:docMkLst>
+      <pc:sldChg chg="modSp mod">
+        <pc:chgData name="王国霖WANG GUOLIN" userId="fea05601-d3b0-4e80-a8ef-a9569ce1debe" providerId="ADAL" clId="{0232BF0C-9F56-1344-833A-0F67DFC1ADF9}" dt="2024-11-07T01:14:34.059" v="5" actId="20577"/>
+        <pc:sldMkLst>
+          <pc:docMk/>
+          <pc:sldMk cId="3886565518" sldId="272"/>
+        </pc:sldMkLst>
+        <pc:spChg chg="mod">
+          <ac:chgData name="王国霖WANG GUOLIN" userId="fea05601-d3b0-4e80-a8ef-a9569ce1debe" providerId="ADAL" clId="{0232BF0C-9F56-1344-833A-0F67DFC1ADF9}" dt="2024-11-07T01:14:34.059" v="5" actId="20577"/>
+          <ac:spMkLst>
+            <pc:docMk/>
+            <pc:sldMk cId="3886565518" sldId="272"/>
+            <ac:spMk id="7" creationId="{80CA5442-06BE-AFD0-6885-025F2FC69E80}"/>
+          </ac:spMkLst>
+        </pc:spChg>
+      </pc:sldChg>
+    </pc:docChg>
+  </pc:docChgLst>
+</pc:chgInfo>
+</file>
+
 <file path=ppt/notesMasters/notesMaster1.xml><?xml version="1.0" encoding="utf-8"?>
 <p:notesMaster xmlns:a="http://schemas.openxmlformats.org/drawingml/2006/main" xmlns:r="http://schemas.openxmlformats.org/officeDocument/2006/relationships" xmlns:p="http://schemas.openxmlformats.org/presentationml/2006/main">
   <p:cSld>
@@ -206,7 +235,7 @@
           <a:p>
             <a:fld id="{02E7D46B-BA0C-AE4F-837B-1A75489DBC98}" type="datetimeFigureOut">
               <a:rPr kumimoji="1" lang="zh-MO" altLang="en-US" smtClean="0"/>
-              <a:t>6/11/2024</a:t>
+              <a:t>07/11/24</a:t>
             </a:fld>
             <a:endParaRPr kumimoji="1" lang="zh-MO" altLang="en-US"/>
           </a:p>
@@ -689,7 +718,7 @@
           <a:p>
             <a:fld id="{0C4612CA-428B-1D4C-A910-B09C225BDBA8}" type="datetimeFigureOut">
               <a:rPr kumimoji="1" lang="zh-MO" altLang="en-US" smtClean="0"/>
-              <a:t>6/11/2024</a:t>
+              <a:t>07/11/24</a:t>
             </a:fld>
             <a:endParaRPr kumimoji="1" lang="zh-MO" altLang="en-US"/>
           </a:p>
@@ -859,7 +888,7 @@
           <a:p>
             <a:fld id="{0C4612CA-428B-1D4C-A910-B09C225BDBA8}" type="datetimeFigureOut">
               <a:rPr kumimoji="1" lang="zh-MO" altLang="en-US" smtClean="0"/>
-              <a:t>6/11/2024</a:t>
+              <a:t>07/11/24</a:t>
             </a:fld>
             <a:endParaRPr kumimoji="1" lang="zh-MO" altLang="en-US"/>
           </a:p>
@@ -1039,7 +1068,7 @@
           <a:p>
             <a:fld id="{0C4612CA-428B-1D4C-A910-B09C225BDBA8}" type="datetimeFigureOut">
               <a:rPr kumimoji="1" lang="zh-MO" altLang="en-US" smtClean="0"/>
-              <a:t>6/11/2024</a:t>
+              <a:t>07/11/24</a:t>
             </a:fld>
             <a:endParaRPr kumimoji="1" lang="zh-MO" altLang="en-US"/>
           </a:p>
@@ -1209,7 +1238,7 @@
           <a:p>
             <a:fld id="{0C4612CA-428B-1D4C-A910-B09C225BDBA8}" type="datetimeFigureOut">
               <a:rPr kumimoji="1" lang="zh-MO" altLang="en-US" smtClean="0"/>
-              <a:t>6/11/2024</a:t>
+              <a:t>07/11/24</a:t>
             </a:fld>
             <a:endParaRPr kumimoji="1" lang="zh-MO" altLang="en-US"/>
           </a:p>
@@ -1455,7 +1484,7 @@
           <a:p>
             <a:fld id="{0C4612CA-428B-1D4C-A910-B09C225BDBA8}" type="datetimeFigureOut">
               <a:rPr kumimoji="1" lang="zh-MO" altLang="en-US" smtClean="0"/>
-              <a:t>6/11/2024</a:t>
+              <a:t>07/11/24</a:t>
             </a:fld>
             <a:endParaRPr kumimoji="1" lang="zh-MO" altLang="en-US"/>
           </a:p>
@@ -1687,7 +1716,7 @@
           <a:p>
             <a:fld id="{0C4612CA-428B-1D4C-A910-B09C225BDBA8}" type="datetimeFigureOut">
               <a:rPr kumimoji="1" lang="zh-MO" altLang="en-US" smtClean="0"/>
-              <a:t>6/11/2024</a:t>
+              <a:t>07/11/24</a:t>
             </a:fld>
             <a:endParaRPr kumimoji="1" lang="zh-MO" altLang="en-US"/>
           </a:p>
@@ -2054,7 +2083,7 @@
           <a:p>
             <a:fld id="{0C4612CA-428B-1D4C-A910-B09C225BDBA8}" type="datetimeFigureOut">
               <a:rPr kumimoji="1" lang="zh-MO" altLang="en-US" smtClean="0"/>
-              <a:t>6/11/2024</a:t>
+              <a:t>07/11/24</a:t>
             </a:fld>
             <a:endParaRPr kumimoji="1" lang="zh-MO" altLang="en-US"/>
           </a:p>
@@ -2172,7 +2201,7 @@
           <a:p>
             <a:fld id="{0C4612CA-428B-1D4C-A910-B09C225BDBA8}" type="datetimeFigureOut">
               <a:rPr kumimoji="1" lang="zh-MO" altLang="en-US" smtClean="0"/>
-              <a:t>6/11/2024</a:t>
+              <a:t>07/11/24</a:t>
             </a:fld>
             <a:endParaRPr kumimoji="1" lang="zh-MO" altLang="en-US"/>
           </a:p>
@@ -2267,7 +2296,7 @@
           <a:p>
             <a:fld id="{0C4612CA-428B-1D4C-A910-B09C225BDBA8}" type="datetimeFigureOut">
               <a:rPr kumimoji="1" lang="zh-MO" altLang="en-US" smtClean="0"/>
-              <a:t>6/11/2024</a:t>
+              <a:t>07/11/24</a:t>
             </a:fld>
             <a:endParaRPr kumimoji="1" lang="zh-MO" altLang="en-US"/>
           </a:p>
@@ -2544,7 +2573,7 @@
           <a:p>
             <a:fld id="{0C4612CA-428B-1D4C-A910-B09C225BDBA8}" type="datetimeFigureOut">
               <a:rPr kumimoji="1" lang="zh-MO" altLang="en-US" smtClean="0"/>
-              <a:t>6/11/2024</a:t>
+              <a:t>07/11/24</a:t>
             </a:fld>
             <a:endParaRPr kumimoji="1" lang="zh-MO" altLang="en-US"/>
           </a:p>
@@ -2801,7 +2830,7 @@
           <a:p>
             <a:fld id="{0C4612CA-428B-1D4C-A910-B09C225BDBA8}" type="datetimeFigureOut">
               <a:rPr kumimoji="1" lang="zh-MO" altLang="en-US" smtClean="0"/>
-              <a:t>6/11/2024</a:t>
+              <a:t>07/11/24</a:t>
             </a:fld>
             <a:endParaRPr kumimoji="1" lang="zh-MO" altLang="en-US"/>
           </a:p>
@@ -3014,7 +3043,7 @@
           <a:p>
             <a:fld id="{0C4612CA-428B-1D4C-A910-B09C225BDBA8}" type="datetimeFigureOut">
               <a:rPr kumimoji="1" lang="zh-MO" altLang="en-US" smtClean="0"/>
-              <a:t>6/11/2024</a:t>
+              <a:t>07/11/24</a:t>
             </a:fld>
             <a:endParaRPr kumimoji="1" lang="zh-MO" altLang="en-US"/>
           </a:p>
@@ -7919,7 +7948,18 @@
                 <a:latin typeface="Microsoft JhengHei" panose="020B0604030504040204" pitchFamily="34" charset="-120"/>
                 <a:ea typeface="Microsoft JhengHei" panose="020B0604030504040204" pitchFamily="34" charset="-120"/>
               </a:rPr>
-              <a:t>的優點</a:t>
+              <a:t>的</a:t>
+            </a:r>
+            <a:r>
+              <a:rPr lang="zh-CN" altLang="en-US" dirty="0">
+                <a:solidFill>
+                  <a:schemeClr val="bg1"/>
+                </a:solidFill>
+                <a:effectLst/>
+                <a:latin typeface="Microsoft JhengHei" panose="020B0604030504040204" pitchFamily="34" charset="-120"/>
+                <a:ea typeface="Microsoft JhengHei" panose="020B0604030504040204" pitchFamily="34" charset="-120"/>
+              </a:rPr>
+              <a:t>核心设计原则</a:t>
             </a:r>
             <a:r>
               <a:rPr lang="en-US" altLang="zh-CN" dirty="0">
